--- a/Bewertungsmatrix.pptx
+++ b/Bewertungsmatrix.pptx
@@ -13,7 +13,9 @@
     <p:sldId id="261" r:id="rId7"/>
     <p:sldId id="262" r:id="rId8"/>
     <p:sldId id="263" r:id="rId9"/>
-    <p:sldId id="264" r:id="rId10"/>
+    <p:sldId id="265" r:id="rId10"/>
+    <p:sldId id="264" r:id="rId11"/>
+    <p:sldId id="266" r:id="rId12"/>
   </p:sldIdLst>
   <p:sldSz cx="12192000" cy="6858000"/>
   <p:notesSz cx="6858000" cy="9144000"/>
@@ -112,6 +114,11 @@
       </a:defRPr>
     </a:lvl9pPr>
   </p:defaultTextStyle>
+  <p:extLst>
+    <p:ext uri="{EFAFB233-063F-42B5-8137-9DF3F51BA10A}">
+      <p15:sldGuideLst xmlns:p15="http://schemas.microsoft.com/office/powerpoint/2012/main"/>
+    </p:ext>
+  </p:extLst>
 </p:presentation>
 </file>
 
@@ -262,7 +269,7 @@
           <a:p>
             <a:fld id="{AB6B1791-49E8-42BA-A706-CD3267C31A09}" type="datetimeFigureOut">
               <a:rPr lang="de-DE" smtClean="0"/>
-              <a:t>29.05.2018</a:t>
+              <a:t>04.06.2018</a:t>
             </a:fld>
             <a:endParaRPr lang="de-DE"/>
           </a:p>
@@ -460,7 +467,7 @@
           <a:p>
             <a:fld id="{AB6B1791-49E8-42BA-A706-CD3267C31A09}" type="datetimeFigureOut">
               <a:rPr lang="de-DE" smtClean="0"/>
-              <a:t>29.05.2018</a:t>
+              <a:t>04.06.2018</a:t>
             </a:fld>
             <a:endParaRPr lang="de-DE"/>
           </a:p>
@@ -668,7 +675,7 @@
           <a:p>
             <a:fld id="{AB6B1791-49E8-42BA-A706-CD3267C31A09}" type="datetimeFigureOut">
               <a:rPr lang="de-DE" smtClean="0"/>
-              <a:t>29.05.2018</a:t>
+              <a:t>04.06.2018</a:t>
             </a:fld>
             <a:endParaRPr lang="de-DE"/>
           </a:p>
@@ -866,7 +873,7 @@
           <a:p>
             <a:fld id="{AB6B1791-49E8-42BA-A706-CD3267C31A09}" type="datetimeFigureOut">
               <a:rPr lang="de-DE" smtClean="0"/>
-              <a:t>29.05.2018</a:t>
+              <a:t>04.06.2018</a:t>
             </a:fld>
             <a:endParaRPr lang="de-DE"/>
           </a:p>
@@ -1141,7 +1148,7 @@
           <a:p>
             <a:fld id="{AB6B1791-49E8-42BA-A706-CD3267C31A09}" type="datetimeFigureOut">
               <a:rPr lang="de-DE" smtClean="0"/>
-              <a:t>29.05.2018</a:t>
+              <a:t>04.06.2018</a:t>
             </a:fld>
             <a:endParaRPr lang="de-DE"/>
           </a:p>
@@ -1406,7 +1413,7 @@
           <a:p>
             <a:fld id="{AB6B1791-49E8-42BA-A706-CD3267C31A09}" type="datetimeFigureOut">
               <a:rPr lang="de-DE" smtClean="0"/>
-              <a:t>29.05.2018</a:t>
+              <a:t>04.06.2018</a:t>
             </a:fld>
             <a:endParaRPr lang="de-DE"/>
           </a:p>
@@ -1818,7 +1825,7 @@
           <a:p>
             <a:fld id="{AB6B1791-49E8-42BA-A706-CD3267C31A09}" type="datetimeFigureOut">
               <a:rPr lang="de-DE" smtClean="0"/>
-              <a:t>29.05.2018</a:t>
+              <a:t>04.06.2018</a:t>
             </a:fld>
             <a:endParaRPr lang="de-DE"/>
           </a:p>
@@ -1959,7 +1966,7 @@
           <a:p>
             <a:fld id="{AB6B1791-49E8-42BA-A706-CD3267C31A09}" type="datetimeFigureOut">
               <a:rPr lang="de-DE" smtClean="0"/>
-              <a:t>29.05.2018</a:t>
+              <a:t>04.06.2018</a:t>
             </a:fld>
             <a:endParaRPr lang="de-DE"/>
           </a:p>
@@ -2072,7 +2079,7 @@
           <a:p>
             <a:fld id="{AB6B1791-49E8-42BA-A706-CD3267C31A09}" type="datetimeFigureOut">
               <a:rPr lang="de-DE" smtClean="0"/>
-              <a:t>29.05.2018</a:t>
+              <a:t>04.06.2018</a:t>
             </a:fld>
             <a:endParaRPr lang="de-DE"/>
           </a:p>
@@ -2383,7 +2390,7 @@
           <a:p>
             <a:fld id="{AB6B1791-49E8-42BA-A706-CD3267C31A09}" type="datetimeFigureOut">
               <a:rPr lang="de-DE" smtClean="0"/>
-              <a:t>29.05.2018</a:t>
+              <a:t>04.06.2018</a:t>
             </a:fld>
             <a:endParaRPr lang="de-DE"/>
           </a:p>
@@ -2671,7 +2678,7 @@
           <a:p>
             <a:fld id="{AB6B1791-49E8-42BA-A706-CD3267C31A09}" type="datetimeFigureOut">
               <a:rPr lang="de-DE" smtClean="0"/>
-              <a:t>29.05.2018</a:t>
+              <a:t>04.06.2018</a:t>
             </a:fld>
             <a:endParaRPr lang="de-DE"/>
           </a:p>
@@ -2912,7 +2919,7 @@
           <a:p>
             <a:fld id="{AB6B1791-49E8-42BA-A706-CD3267C31A09}" type="datetimeFigureOut">
               <a:rPr lang="de-DE" smtClean="0"/>
-              <a:t>29.05.2018</a:t>
+              <a:t>04.06.2018</a:t>
             </a:fld>
             <a:endParaRPr lang="de-DE"/>
           </a:p>
@@ -3406,6 +3413,1771 @@
 </p:sld>
 </file>
 
+<file path=ppt/slides/slide10.xml><?xml version="1.0" encoding="utf-8"?>
+<p:sld xmlns:a="http://schemas.openxmlformats.org/drawingml/2006/main" xmlns:r="http://schemas.openxmlformats.org/officeDocument/2006/relationships" xmlns:p="http://schemas.openxmlformats.org/presentationml/2006/main">
+  <p:cSld>
+    <p:spTree>
+      <p:nvGrpSpPr>
+        <p:cNvPr id="1" name=""/>
+        <p:cNvGrpSpPr/>
+        <p:nvPr/>
+      </p:nvGrpSpPr>
+      <p:grpSpPr>
+        <a:xfrm>
+          <a:off x="0" y="0"/>
+          <a:ext cx="0" cy="0"/>
+          <a:chOff x="0" y="0"/>
+          <a:chExt cx="0" cy="0"/>
+        </a:xfrm>
+      </p:grpSpPr>
+      <p:sp>
+        <p:nvSpPr>
+          <p:cNvPr id="2" name="Titel 1">
+            <a:extLst>
+              <a:ext uri="{FF2B5EF4-FFF2-40B4-BE49-F238E27FC236}">
+                <a16:creationId xmlns:a16="http://schemas.microsoft.com/office/drawing/2014/main" id="{2B00C3F5-E63D-4259-A5B0-CB9C04B45DCD}"/>
+              </a:ext>
+            </a:extLst>
+          </p:cNvPr>
+          <p:cNvSpPr>
+            <a:spLocks noGrp="1"/>
+          </p:cNvSpPr>
+          <p:nvPr>
+            <p:ph type="title"/>
+          </p:nvPr>
+        </p:nvSpPr>
+        <p:spPr/>
+        <p:txBody>
+          <a:bodyPr/>
+          <a:lstStyle/>
+          <a:p>
+            <a:r>
+              <a:rPr lang="de-DE" dirty="0"/>
+              <a:t>Die Matrix</a:t>
+            </a:r>
+          </a:p>
+        </p:txBody>
+      </p:sp>
+      <p:sp>
+        <p:nvSpPr>
+          <p:cNvPr id="3" name="Inhaltsplatzhalter 2">
+            <a:extLst>
+              <a:ext uri="{FF2B5EF4-FFF2-40B4-BE49-F238E27FC236}">
+                <a16:creationId xmlns:a16="http://schemas.microsoft.com/office/drawing/2014/main" id="{705ACAAD-A6C2-4DFE-B596-4B2B8371FF8B}"/>
+              </a:ext>
+            </a:extLst>
+          </p:cNvPr>
+          <p:cNvSpPr>
+            <a:spLocks noGrp="1"/>
+          </p:cNvSpPr>
+          <p:nvPr>
+            <p:ph idx="1"/>
+          </p:nvPr>
+        </p:nvSpPr>
+        <p:spPr/>
+        <p:txBody>
+          <a:bodyPr/>
+          <a:lstStyle/>
+          <a:p>
+            <a:r>
+              <a:rPr lang="de-DE" dirty="0" err="1"/>
+              <a:t>Bsphafte</a:t>
+            </a:r>
+            <a:r>
+              <a:rPr lang="de-DE" dirty="0"/>
+              <a:t> Matrix skizzieren</a:t>
+            </a:r>
+          </a:p>
+        </p:txBody>
+      </p:sp>
+    </p:spTree>
+    <p:extLst>
+      <p:ext uri="{BB962C8B-B14F-4D97-AF65-F5344CB8AC3E}">
+        <p14:creationId xmlns:p14="http://schemas.microsoft.com/office/powerpoint/2010/main" val="2872599388"/>
+      </p:ext>
+    </p:extLst>
+  </p:cSld>
+  <p:clrMapOvr>
+    <a:masterClrMapping/>
+  </p:clrMapOvr>
+</p:sld>
+</file>
+
+<file path=ppt/slides/slide11.xml><?xml version="1.0" encoding="utf-8"?>
+<p:sld xmlns:a="http://schemas.openxmlformats.org/drawingml/2006/main" xmlns:r="http://schemas.openxmlformats.org/officeDocument/2006/relationships" xmlns:p="http://schemas.openxmlformats.org/presentationml/2006/main">
+  <p:cSld>
+    <p:spTree>
+      <p:nvGrpSpPr>
+        <p:cNvPr id="1" name=""/>
+        <p:cNvGrpSpPr/>
+        <p:nvPr/>
+      </p:nvGrpSpPr>
+      <p:grpSpPr>
+        <a:xfrm>
+          <a:off x="0" y="0"/>
+          <a:ext cx="0" cy="0"/>
+          <a:chOff x="0" y="0"/>
+          <a:chExt cx="0" cy="0"/>
+        </a:xfrm>
+      </p:grpSpPr>
+      <p:sp>
+        <p:nvSpPr>
+          <p:cNvPr id="2" name="Flussdiagramm: Verbinder 1">
+            <a:extLst>
+              <a:ext uri="{FF2B5EF4-FFF2-40B4-BE49-F238E27FC236}">
+                <a16:creationId xmlns:a16="http://schemas.microsoft.com/office/drawing/2014/main" id="{BF222BBC-5767-4357-A3EB-414E1F8ED4BE}"/>
+              </a:ext>
+            </a:extLst>
+          </p:cNvPr>
+          <p:cNvSpPr/>
+          <p:nvPr/>
+        </p:nvSpPr>
+        <p:spPr>
+          <a:xfrm>
+            <a:off x="949231" y="1999866"/>
+            <a:ext cx="720000" cy="720000"/>
+          </a:xfrm>
+          <a:prstGeom prst="flowChartConnector">
+            <a:avLst/>
+          </a:prstGeom>
+        </p:spPr>
+        <p:style>
+          <a:lnRef idx="2">
+            <a:schemeClr val="accent1">
+              <a:shade val="50000"/>
+            </a:schemeClr>
+          </a:lnRef>
+          <a:fillRef idx="1">
+            <a:schemeClr val="accent1"/>
+          </a:fillRef>
+          <a:effectRef idx="0">
+            <a:schemeClr val="accent1"/>
+          </a:effectRef>
+          <a:fontRef idx="minor">
+            <a:schemeClr val="lt1"/>
+          </a:fontRef>
+        </p:style>
+        <p:txBody>
+          <a:bodyPr rtlCol="0" anchor="ctr"/>
+          <a:lstStyle/>
+          <a:p>
+            <a:pPr algn="ctr"/>
+            <a:endParaRPr lang="de-DE"/>
+          </a:p>
+        </p:txBody>
+      </p:sp>
+      <p:sp>
+        <p:nvSpPr>
+          <p:cNvPr id="3" name="Flussdiagramm: Verbinder 2">
+            <a:extLst>
+              <a:ext uri="{FF2B5EF4-FFF2-40B4-BE49-F238E27FC236}">
+                <a16:creationId xmlns:a16="http://schemas.microsoft.com/office/drawing/2014/main" id="{B5DEE552-D5FF-4F89-A78E-A7E476A35C25}"/>
+              </a:ext>
+            </a:extLst>
+          </p:cNvPr>
+          <p:cNvSpPr/>
+          <p:nvPr/>
+        </p:nvSpPr>
+        <p:spPr>
+          <a:xfrm>
+            <a:off x="1885666" y="874015"/>
+            <a:ext cx="720000" cy="720000"/>
+          </a:xfrm>
+          <a:prstGeom prst="flowChartConnector">
+            <a:avLst/>
+          </a:prstGeom>
+        </p:spPr>
+        <p:style>
+          <a:lnRef idx="2">
+            <a:schemeClr val="accent1">
+              <a:shade val="50000"/>
+            </a:schemeClr>
+          </a:lnRef>
+          <a:fillRef idx="1">
+            <a:schemeClr val="accent1"/>
+          </a:fillRef>
+          <a:effectRef idx="0">
+            <a:schemeClr val="accent1"/>
+          </a:effectRef>
+          <a:fontRef idx="minor">
+            <a:schemeClr val="lt1"/>
+          </a:fontRef>
+        </p:style>
+        <p:txBody>
+          <a:bodyPr rtlCol="0" anchor="ctr"/>
+          <a:lstStyle/>
+          <a:p>
+            <a:pPr algn="ctr"/>
+            <a:endParaRPr lang="de-DE"/>
+          </a:p>
+        </p:txBody>
+      </p:sp>
+      <p:sp>
+        <p:nvSpPr>
+          <p:cNvPr id="4" name="Flussdiagramm: Verbinder 3">
+            <a:extLst>
+              <a:ext uri="{FF2B5EF4-FFF2-40B4-BE49-F238E27FC236}">
+                <a16:creationId xmlns:a16="http://schemas.microsoft.com/office/drawing/2014/main" id="{905B754D-C6F3-45E4-B1CE-904D619E203C}"/>
+              </a:ext>
+            </a:extLst>
+          </p:cNvPr>
+          <p:cNvSpPr/>
+          <p:nvPr/>
+        </p:nvSpPr>
+        <p:spPr>
+          <a:xfrm>
+            <a:off x="1380888" y="4455216"/>
+            <a:ext cx="720000" cy="720000"/>
+          </a:xfrm>
+          <a:prstGeom prst="flowChartConnector">
+            <a:avLst/>
+          </a:prstGeom>
+          <a:solidFill>
+            <a:srgbClr val="FF0000"/>
+          </a:solidFill>
+        </p:spPr>
+        <p:style>
+          <a:lnRef idx="2">
+            <a:schemeClr val="accent1">
+              <a:shade val="50000"/>
+            </a:schemeClr>
+          </a:lnRef>
+          <a:fillRef idx="1">
+            <a:schemeClr val="accent1"/>
+          </a:fillRef>
+          <a:effectRef idx="0">
+            <a:schemeClr val="accent1"/>
+          </a:effectRef>
+          <a:fontRef idx="minor">
+            <a:schemeClr val="lt1"/>
+          </a:fontRef>
+        </p:style>
+        <p:txBody>
+          <a:bodyPr rtlCol="0" anchor="ctr"/>
+          <a:lstStyle/>
+          <a:p>
+            <a:pPr algn="ctr"/>
+            <a:endParaRPr lang="de-DE"/>
+          </a:p>
+        </p:txBody>
+      </p:sp>
+      <p:sp>
+        <p:nvSpPr>
+          <p:cNvPr id="5" name="Flussdiagramm: Verbinder 4">
+            <a:extLst>
+              <a:ext uri="{FF2B5EF4-FFF2-40B4-BE49-F238E27FC236}">
+                <a16:creationId xmlns:a16="http://schemas.microsoft.com/office/drawing/2014/main" id="{8EAC30B3-26B2-442F-91BF-8E282E1565B2}"/>
+              </a:ext>
+            </a:extLst>
+          </p:cNvPr>
+          <p:cNvSpPr/>
+          <p:nvPr/>
+        </p:nvSpPr>
+        <p:spPr>
+          <a:xfrm>
+            <a:off x="1083016" y="5669806"/>
+            <a:ext cx="720000" cy="720000"/>
+          </a:xfrm>
+          <a:prstGeom prst="flowChartConnector">
+            <a:avLst/>
+          </a:prstGeom>
+          <a:solidFill>
+            <a:srgbClr val="FF0000"/>
+          </a:solidFill>
+        </p:spPr>
+        <p:style>
+          <a:lnRef idx="2">
+            <a:schemeClr val="accent1">
+              <a:shade val="50000"/>
+            </a:schemeClr>
+          </a:lnRef>
+          <a:fillRef idx="1">
+            <a:schemeClr val="accent1"/>
+          </a:fillRef>
+          <a:effectRef idx="0">
+            <a:schemeClr val="accent1"/>
+          </a:effectRef>
+          <a:fontRef idx="minor">
+            <a:schemeClr val="lt1"/>
+          </a:fontRef>
+        </p:style>
+        <p:txBody>
+          <a:bodyPr rtlCol="0" anchor="ctr"/>
+          <a:lstStyle/>
+          <a:p>
+            <a:pPr algn="ctr"/>
+            <a:endParaRPr lang="de-DE"/>
+          </a:p>
+        </p:txBody>
+      </p:sp>
+      <p:sp>
+        <p:nvSpPr>
+          <p:cNvPr id="6" name="Flussdiagramm: Verbinder 5">
+            <a:extLst>
+              <a:ext uri="{FF2B5EF4-FFF2-40B4-BE49-F238E27FC236}">
+                <a16:creationId xmlns:a16="http://schemas.microsoft.com/office/drawing/2014/main" id="{62EB677C-79AF-4A9D-AAFD-C222BE6C03BD}"/>
+              </a:ext>
+            </a:extLst>
+          </p:cNvPr>
+          <p:cNvSpPr/>
+          <p:nvPr/>
+        </p:nvSpPr>
+        <p:spPr>
+          <a:xfrm>
+            <a:off x="3052578" y="4095216"/>
+            <a:ext cx="720000" cy="720000"/>
+          </a:xfrm>
+          <a:prstGeom prst="flowChartConnector">
+            <a:avLst/>
+          </a:prstGeom>
+          <a:solidFill>
+            <a:schemeClr val="tx1"/>
+          </a:solidFill>
+        </p:spPr>
+        <p:style>
+          <a:lnRef idx="2">
+            <a:schemeClr val="accent1">
+              <a:shade val="50000"/>
+            </a:schemeClr>
+          </a:lnRef>
+          <a:fillRef idx="1">
+            <a:schemeClr val="accent1"/>
+          </a:fillRef>
+          <a:effectRef idx="0">
+            <a:schemeClr val="accent1"/>
+          </a:effectRef>
+          <a:fontRef idx="minor">
+            <a:schemeClr val="lt1"/>
+          </a:fontRef>
+        </p:style>
+        <p:txBody>
+          <a:bodyPr rtlCol="0" anchor="ctr"/>
+          <a:lstStyle/>
+          <a:p>
+            <a:pPr algn="ctr"/>
+            <a:endParaRPr lang="de-DE"/>
+          </a:p>
+        </p:txBody>
+      </p:sp>
+      <p:sp>
+        <p:nvSpPr>
+          <p:cNvPr id="7" name="Flussdiagramm: Verbinder 6">
+            <a:extLst>
+              <a:ext uri="{FF2B5EF4-FFF2-40B4-BE49-F238E27FC236}">
+                <a16:creationId xmlns:a16="http://schemas.microsoft.com/office/drawing/2014/main" id="{74449AD7-78E2-4EBF-BC56-A622344C50D5}"/>
+              </a:ext>
+            </a:extLst>
+          </p:cNvPr>
+          <p:cNvSpPr/>
+          <p:nvPr/>
+        </p:nvSpPr>
+        <p:spPr>
+          <a:xfrm>
+            <a:off x="2965666" y="2958590"/>
+            <a:ext cx="720000" cy="720000"/>
+          </a:xfrm>
+          <a:prstGeom prst="flowChartConnector">
+            <a:avLst/>
+          </a:prstGeom>
+          <a:solidFill>
+            <a:schemeClr val="tx1"/>
+          </a:solidFill>
+        </p:spPr>
+        <p:style>
+          <a:lnRef idx="2">
+            <a:schemeClr val="accent1">
+              <a:shade val="50000"/>
+            </a:schemeClr>
+          </a:lnRef>
+          <a:fillRef idx="1">
+            <a:schemeClr val="accent1"/>
+          </a:fillRef>
+          <a:effectRef idx="0">
+            <a:schemeClr val="accent1"/>
+          </a:effectRef>
+          <a:fontRef idx="minor">
+            <a:schemeClr val="lt1"/>
+          </a:fontRef>
+        </p:style>
+        <p:txBody>
+          <a:bodyPr rtlCol="0" anchor="ctr"/>
+          <a:lstStyle/>
+          <a:p>
+            <a:pPr algn="ctr"/>
+            <a:endParaRPr lang="de-DE"/>
+          </a:p>
+        </p:txBody>
+      </p:sp>
+      <p:sp>
+        <p:nvSpPr>
+          <p:cNvPr id="8" name="Textfeld 7">
+            <a:extLst>
+              <a:ext uri="{FF2B5EF4-FFF2-40B4-BE49-F238E27FC236}">
+                <a16:creationId xmlns:a16="http://schemas.microsoft.com/office/drawing/2014/main" id="{46225AB2-5684-49A4-88AD-51A3A776C5BD}"/>
+              </a:ext>
+            </a:extLst>
+          </p:cNvPr>
+          <p:cNvSpPr txBox="1"/>
+          <p:nvPr/>
+        </p:nvSpPr>
+        <p:spPr>
+          <a:xfrm>
+            <a:off x="3325666" y="2279112"/>
+            <a:ext cx="1418978" cy="646331"/>
+          </a:xfrm>
+          <a:prstGeom prst="rect">
+            <a:avLst/>
+          </a:prstGeom>
+          <a:noFill/>
+        </p:spPr>
+        <p:txBody>
+          <a:bodyPr wrap="none" rtlCol="0">
+            <a:spAutoFit/>
+          </a:bodyPr>
+          <a:lstStyle/>
+          <a:p>
+            <a:r>
+              <a:rPr lang="de-DE" dirty="0"/>
+              <a:t>Nils Petersen</a:t>
+            </a:r>
+          </a:p>
+          <a:p>
+            <a:r>
+              <a:rPr lang="de-DE" dirty="0"/>
+              <a:t>7,5 Millionen</a:t>
+            </a:r>
+          </a:p>
+        </p:txBody>
+      </p:sp>
+      <p:sp>
+        <p:nvSpPr>
+          <p:cNvPr id="9" name="Textfeld 8">
+            <a:extLst>
+              <a:ext uri="{FF2B5EF4-FFF2-40B4-BE49-F238E27FC236}">
+                <a16:creationId xmlns:a16="http://schemas.microsoft.com/office/drawing/2014/main" id="{4586F54E-7547-4A16-920A-130FF3084EE2}"/>
+              </a:ext>
+            </a:extLst>
+          </p:cNvPr>
+          <p:cNvSpPr txBox="1"/>
+          <p:nvPr/>
+        </p:nvSpPr>
+        <p:spPr>
+          <a:xfrm>
+            <a:off x="1803016" y="6091667"/>
+            <a:ext cx="1754711" cy="646331"/>
+          </a:xfrm>
+          <a:prstGeom prst="rect">
+            <a:avLst/>
+          </a:prstGeom>
+          <a:noFill/>
+        </p:spPr>
+        <p:txBody>
+          <a:bodyPr wrap="none" rtlCol="0">
+            <a:spAutoFit/>
+          </a:bodyPr>
+          <a:lstStyle/>
+          <a:p>
+            <a:r>
+              <a:rPr lang="de-DE" dirty="0"/>
+              <a:t>Benjamin </a:t>
+            </a:r>
+            <a:r>
+              <a:rPr lang="de-DE" dirty="0" err="1"/>
+              <a:t>Pavard</a:t>
+            </a:r>
+            <a:endParaRPr lang="de-DE" dirty="0"/>
+          </a:p>
+          <a:p>
+            <a:r>
+              <a:rPr lang="de-DE" dirty="0"/>
+              <a:t>30 Millionen</a:t>
+            </a:r>
+          </a:p>
+        </p:txBody>
+      </p:sp>
+      <p:sp>
+        <p:nvSpPr>
+          <p:cNvPr id="10" name="Textfeld 9">
+            <a:extLst>
+              <a:ext uri="{FF2B5EF4-FFF2-40B4-BE49-F238E27FC236}">
+                <a16:creationId xmlns:a16="http://schemas.microsoft.com/office/drawing/2014/main" id="{D78F94A1-70B0-4A0B-8FF6-D01257A22DD9}"/>
+              </a:ext>
+            </a:extLst>
+          </p:cNvPr>
+          <p:cNvSpPr txBox="1"/>
+          <p:nvPr/>
+        </p:nvSpPr>
+        <p:spPr>
+          <a:xfrm>
+            <a:off x="187227" y="4064590"/>
+            <a:ext cx="1456809" cy="646331"/>
+          </a:xfrm>
+          <a:prstGeom prst="rect">
+            <a:avLst/>
+          </a:prstGeom>
+          <a:noFill/>
+        </p:spPr>
+        <p:txBody>
+          <a:bodyPr wrap="none" rtlCol="0">
+            <a:spAutoFit/>
+          </a:bodyPr>
+          <a:lstStyle/>
+          <a:p>
+            <a:r>
+              <a:rPr lang="de-DE" dirty="0"/>
+              <a:t>Mario Gomez</a:t>
+            </a:r>
+          </a:p>
+          <a:p>
+            <a:r>
+              <a:rPr lang="de-DE" dirty="0"/>
+              <a:t>6 Millionen</a:t>
+            </a:r>
+          </a:p>
+        </p:txBody>
+      </p:sp>
+      <p:sp>
+        <p:nvSpPr>
+          <p:cNvPr id="11" name="Textfeld 10">
+            <a:extLst>
+              <a:ext uri="{FF2B5EF4-FFF2-40B4-BE49-F238E27FC236}">
+                <a16:creationId xmlns:a16="http://schemas.microsoft.com/office/drawing/2014/main" id="{F1340477-AC72-4B10-A549-637652F3E0D4}"/>
+              </a:ext>
+            </a:extLst>
+          </p:cNvPr>
+          <p:cNvSpPr txBox="1"/>
+          <p:nvPr/>
+        </p:nvSpPr>
+        <p:spPr>
+          <a:xfrm>
+            <a:off x="502373" y="2785276"/>
+            <a:ext cx="1598515" cy="646331"/>
+          </a:xfrm>
+          <a:prstGeom prst="rect">
+            <a:avLst/>
+          </a:prstGeom>
+          <a:noFill/>
+        </p:spPr>
+        <p:txBody>
+          <a:bodyPr wrap="none" rtlCol="0">
+            <a:spAutoFit/>
+          </a:bodyPr>
+          <a:lstStyle/>
+          <a:p>
+            <a:r>
+              <a:rPr lang="de-DE" dirty="0"/>
+              <a:t>Thomas Müller</a:t>
+            </a:r>
+          </a:p>
+          <a:p>
+            <a:r>
+              <a:rPr lang="de-DE" dirty="0"/>
+              <a:t>60 Millionen</a:t>
+            </a:r>
+          </a:p>
+        </p:txBody>
+      </p:sp>
+      <p:sp>
+        <p:nvSpPr>
+          <p:cNvPr id="12" name="Textfeld 11">
+            <a:extLst>
+              <a:ext uri="{FF2B5EF4-FFF2-40B4-BE49-F238E27FC236}">
+                <a16:creationId xmlns:a16="http://schemas.microsoft.com/office/drawing/2014/main" id="{FB77A07B-B8DC-43AF-9398-3060D293DAF2}"/>
+              </a:ext>
+            </a:extLst>
+          </p:cNvPr>
+          <p:cNvSpPr txBox="1"/>
+          <p:nvPr/>
+        </p:nvSpPr>
+        <p:spPr>
+          <a:xfrm>
+            <a:off x="269924" y="404993"/>
+            <a:ext cx="1539204" cy="646331"/>
+          </a:xfrm>
+          <a:prstGeom prst="rect">
+            <a:avLst/>
+          </a:prstGeom>
+          <a:noFill/>
+        </p:spPr>
+        <p:txBody>
+          <a:bodyPr wrap="none" rtlCol="0">
+            <a:spAutoFit/>
+          </a:bodyPr>
+          <a:lstStyle/>
+          <a:p>
+            <a:r>
+              <a:rPr lang="de-DE" dirty="0"/>
+              <a:t>Manuel Neuer</a:t>
+            </a:r>
+          </a:p>
+          <a:p>
+            <a:r>
+              <a:rPr lang="de-DE" dirty="0"/>
+              <a:t>35 Millionen</a:t>
+            </a:r>
+          </a:p>
+        </p:txBody>
+      </p:sp>
+      <p:sp>
+        <p:nvSpPr>
+          <p:cNvPr id="13" name="Textfeld 12">
+            <a:extLst>
+              <a:ext uri="{FF2B5EF4-FFF2-40B4-BE49-F238E27FC236}">
+                <a16:creationId xmlns:a16="http://schemas.microsoft.com/office/drawing/2014/main" id="{24967720-D0B8-4E96-97A6-B23B75E3AF1D}"/>
+              </a:ext>
+            </a:extLst>
+          </p:cNvPr>
+          <p:cNvSpPr txBox="1"/>
+          <p:nvPr/>
+        </p:nvSpPr>
+        <p:spPr>
+          <a:xfrm>
+            <a:off x="3772578" y="4585510"/>
+            <a:ext cx="1361270" cy="646331"/>
+          </a:xfrm>
+          <a:prstGeom prst="rect">
+            <a:avLst/>
+          </a:prstGeom>
+          <a:noFill/>
+        </p:spPr>
+        <p:txBody>
+          <a:bodyPr wrap="none" rtlCol="0">
+            <a:spAutoFit/>
+          </a:bodyPr>
+          <a:lstStyle/>
+          <a:p>
+            <a:r>
+              <a:rPr lang="de-DE" dirty="0"/>
+              <a:t>Marc Kempf</a:t>
+            </a:r>
+          </a:p>
+          <a:p>
+            <a:r>
+              <a:rPr lang="de-DE" dirty="0"/>
+              <a:t>4 Millionen</a:t>
+            </a:r>
+          </a:p>
+        </p:txBody>
+      </p:sp>
+      <p:cxnSp>
+        <p:nvCxnSpPr>
+          <p:cNvPr id="15" name="Gerader Verbinder 14">
+            <a:extLst>
+              <a:ext uri="{FF2B5EF4-FFF2-40B4-BE49-F238E27FC236}">
+                <a16:creationId xmlns:a16="http://schemas.microsoft.com/office/drawing/2014/main" id="{EDA113AF-4FC2-4117-B03C-93781B02044D}"/>
+              </a:ext>
+            </a:extLst>
+          </p:cNvPr>
+          <p:cNvCxnSpPr>
+            <a:stCxn id="2" idx="7"/>
+            <a:endCxn id="3" idx="3"/>
+          </p:cNvCxnSpPr>
+          <p:nvPr/>
+        </p:nvCxnSpPr>
+        <p:spPr>
+          <a:xfrm flipV="1">
+            <a:off x="1563789" y="1488573"/>
+            <a:ext cx="427319" cy="616735"/>
+          </a:xfrm>
+          <a:prstGeom prst="line">
+            <a:avLst/>
+          </a:prstGeom>
+        </p:spPr>
+        <p:style>
+          <a:lnRef idx="1">
+            <a:schemeClr val="accent1"/>
+          </a:lnRef>
+          <a:fillRef idx="0">
+            <a:schemeClr val="accent1"/>
+          </a:fillRef>
+          <a:effectRef idx="0">
+            <a:schemeClr val="accent1"/>
+          </a:effectRef>
+          <a:fontRef idx="minor">
+            <a:schemeClr val="tx1"/>
+          </a:fontRef>
+        </p:style>
+      </p:cxnSp>
+      <p:cxnSp>
+        <p:nvCxnSpPr>
+          <p:cNvPr id="17" name="Gerader Verbinder 16">
+            <a:extLst>
+              <a:ext uri="{FF2B5EF4-FFF2-40B4-BE49-F238E27FC236}">
+                <a16:creationId xmlns:a16="http://schemas.microsoft.com/office/drawing/2014/main" id="{0D3921C3-1B53-41A4-80F8-7E123978AC98}"/>
+              </a:ext>
+            </a:extLst>
+          </p:cNvPr>
+          <p:cNvCxnSpPr>
+            <a:cxnSpLocks/>
+            <a:stCxn id="5" idx="0"/>
+            <a:endCxn id="4" idx="3"/>
+          </p:cNvCxnSpPr>
+          <p:nvPr/>
+        </p:nvCxnSpPr>
+        <p:spPr>
+          <a:xfrm flipV="1">
+            <a:off x="1443016" y="5069774"/>
+            <a:ext cx="43314" cy="600032"/>
+          </a:xfrm>
+          <a:prstGeom prst="line">
+            <a:avLst/>
+          </a:prstGeom>
+          <a:ln>
+            <a:solidFill>
+              <a:srgbClr val="FF0000"/>
+            </a:solidFill>
+          </a:ln>
+        </p:spPr>
+        <p:style>
+          <a:lnRef idx="1">
+            <a:schemeClr val="accent1"/>
+          </a:lnRef>
+          <a:fillRef idx="0">
+            <a:schemeClr val="accent1"/>
+          </a:fillRef>
+          <a:effectRef idx="0">
+            <a:schemeClr val="accent1"/>
+          </a:effectRef>
+          <a:fontRef idx="minor">
+            <a:schemeClr val="tx1"/>
+          </a:fontRef>
+        </p:style>
+      </p:cxnSp>
+      <p:cxnSp>
+        <p:nvCxnSpPr>
+          <p:cNvPr id="18" name="Gerader Verbinder 17">
+            <a:extLst>
+              <a:ext uri="{FF2B5EF4-FFF2-40B4-BE49-F238E27FC236}">
+                <a16:creationId xmlns:a16="http://schemas.microsoft.com/office/drawing/2014/main" id="{8859BA9E-8233-468F-B715-C9C4E48A8CA1}"/>
+              </a:ext>
+            </a:extLst>
+          </p:cNvPr>
+          <p:cNvCxnSpPr>
+            <a:cxnSpLocks/>
+            <a:stCxn id="6" idx="0"/>
+            <a:endCxn id="7" idx="4"/>
+          </p:cNvCxnSpPr>
+          <p:nvPr/>
+        </p:nvCxnSpPr>
+        <p:spPr>
+          <a:xfrm flipH="1" flipV="1">
+            <a:off x="3325666" y="3678590"/>
+            <a:ext cx="86912" cy="416626"/>
+          </a:xfrm>
+          <a:prstGeom prst="line">
+            <a:avLst/>
+          </a:prstGeom>
+          <a:ln>
+            <a:solidFill>
+              <a:schemeClr val="tx1"/>
+            </a:solidFill>
+          </a:ln>
+        </p:spPr>
+        <p:style>
+          <a:lnRef idx="1">
+            <a:schemeClr val="accent1"/>
+          </a:lnRef>
+          <a:fillRef idx="0">
+            <a:schemeClr val="accent1"/>
+          </a:fillRef>
+          <a:effectRef idx="0">
+            <a:schemeClr val="accent1"/>
+          </a:effectRef>
+          <a:fontRef idx="minor">
+            <a:schemeClr val="tx1"/>
+          </a:fontRef>
+        </p:style>
+      </p:cxnSp>
+      <p:sp>
+        <p:nvSpPr>
+          <p:cNvPr id="26" name="Flussdiagramm: Verbinder 25">
+            <a:extLst>
+              <a:ext uri="{FF2B5EF4-FFF2-40B4-BE49-F238E27FC236}">
+                <a16:creationId xmlns:a16="http://schemas.microsoft.com/office/drawing/2014/main" id="{597E203F-29CA-41A1-9CA9-13A1E9502A8C}"/>
+              </a:ext>
+            </a:extLst>
+          </p:cNvPr>
+          <p:cNvSpPr/>
+          <p:nvPr/>
+        </p:nvSpPr>
+        <p:spPr>
+          <a:xfrm>
+            <a:off x="7567542" y="1895571"/>
+            <a:ext cx="720000" cy="720000"/>
+          </a:xfrm>
+          <a:prstGeom prst="flowChartConnector">
+            <a:avLst/>
+          </a:prstGeom>
+        </p:spPr>
+        <p:style>
+          <a:lnRef idx="2">
+            <a:schemeClr val="accent1">
+              <a:shade val="50000"/>
+            </a:schemeClr>
+          </a:lnRef>
+          <a:fillRef idx="1">
+            <a:schemeClr val="accent1"/>
+          </a:fillRef>
+          <a:effectRef idx="0">
+            <a:schemeClr val="accent1"/>
+          </a:effectRef>
+          <a:fontRef idx="minor">
+            <a:schemeClr val="lt1"/>
+          </a:fontRef>
+        </p:style>
+        <p:txBody>
+          <a:bodyPr rtlCol="0" anchor="ctr"/>
+          <a:lstStyle/>
+          <a:p>
+            <a:pPr algn="ctr"/>
+            <a:endParaRPr lang="de-DE"/>
+          </a:p>
+        </p:txBody>
+      </p:sp>
+      <p:sp>
+        <p:nvSpPr>
+          <p:cNvPr id="27" name="Flussdiagramm: Verbinder 26">
+            <a:extLst>
+              <a:ext uri="{FF2B5EF4-FFF2-40B4-BE49-F238E27FC236}">
+                <a16:creationId xmlns:a16="http://schemas.microsoft.com/office/drawing/2014/main" id="{52AF4961-6933-4C31-9597-42BB71E2FDA3}"/>
+              </a:ext>
+            </a:extLst>
+          </p:cNvPr>
+          <p:cNvSpPr/>
+          <p:nvPr/>
+        </p:nvSpPr>
+        <p:spPr>
+          <a:xfrm>
+            <a:off x="8503977" y="769720"/>
+            <a:ext cx="720000" cy="720000"/>
+          </a:xfrm>
+          <a:prstGeom prst="flowChartConnector">
+            <a:avLst/>
+          </a:prstGeom>
+        </p:spPr>
+        <p:style>
+          <a:lnRef idx="2">
+            <a:schemeClr val="accent1">
+              <a:shade val="50000"/>
+            </a:schemeClr>
+          </a:lnRef>
+          <a:fillRef idx="1">
+            <a:schemeClr val="accent1"/>
+          </a:fillRef>
+          <a:effectRef idx="0">
+            <a:schemeClr val="accent1"/>
+          </a:effectRef>
+          <a:fontRef idx="minor">
+            <a:schemeClr val="lt1"/>
+          </a:fontRef>
+        </p:style>
+        <p:txBody>
+          <a:bodyPr rtlCol="0" anchor="ctr"/>
+          <a:lstStyle/>
+          <a:p>
+            <a:pPr algn="ctr"/>
+            <a:endParaRPr lang="de-DE"/>
+          </a:p>
+        </p:txBody>
+      </p:sp>
+      <p:sp>
+        <p:nvSpPr>
+          <p:cNvPr id="28" name="Flussdiagramm: Verbinder 27">
+            <a:extLst>
+              <a:ext uri="{FF2B5EF4-FFF2-40B4-BE49-F238E27FC236}">
+                <a16:creationId xmlns:a16="http://schemas.microsoft.com/office/drawing/2014/main" id="{A54CE2CB-44C9-44EE-BA82-D39CB7650903}"/>
+              </a:ext>
+            </a:extLst>
+          </p:cNvPr>
+          <p:cNvSpPr/>
+          <p:nvPr/>
+        </p:nvSpPr>
+        <p:spPr>
+          <a:xfrm>
+            <a:off x="7999199" y="4350921"/>
+            <a:ext cx="720000" cy="720000"/>
+          </a:xfrm>
+          <a:prstGeom prst="flowChartConnector">
+            <a:avLst/>
+          </a:prstGeom>
+          <a:solidFill>
+            <a:srgbClr val="FF0000"/>
+          </a:solidFill>
+        </p:spPr>
+        <p:style>
+          <a:lnRef idx="2">
+            <a:schemeClr val="accent1">
+              <a:shade val="50000"/>
+            </a:schemeClr>
+          </a:lnRef>
+          <a:fillRef idx="1">
+            <a:schemeClr val="accent1"/>
+          </a:fillRef>
+          <a:effectRef idx="0">
+            <a:schemeClr val="accent1"/>
+          </a:effectRef>
+          <a:fontRef idx="minor">
+            <a:schemeClr val="lt1"/>
+          </a:fontRef>
+        </p:style>
+        <p:txBody>
+          <a:bodyPr rtlCol="0" anchor="ctr"/>
+          <a:lstStyle/>
+          <a:p>
+            <a:pPr algn="ctr"/>
+            <a:endParaRPr lang="de-DE"/>
+          </a:p>
+        </p:txBody>
+      </p:sp>
+      <p:sp>
+        <p:nvSpPr>
+          <p:cNvPr id="30" name="Flussdiagramm: Verbinder 29">
+            <a:extLst>
+              <a:ext uri="{FF2B5EF4-FFF2-40B4-BE49-F238E27FC236}">
+                <a16:creationId xmlns:a16="http://schemas.microsoft.com/office/drawing/2014/main" id="{D20B5D22-45C3-47DE-A120-0EFCB8D3CC1F}"/>
+              </a:ext>
+            </a:extLst>
+          </p:cNvPr>
+          <p:cNvSpPr/>
+          <p:nvPr/>
+        </p:nvSpPr>
+        <p:spPr>
+          <a:xfrm>
+            <a:off x="9223977" y="4949481"/>
+            <a:ext cx="720000" cy="720000"/>
+          </a:xfrm>
+          <a:prstGeom prst="flowChartConnector">
+            <a:avLst/>
+          </a:prstGeom>
+          <a:solidFill>
+            <a:srgbClr val="FF0000"/>
+          </a:solidFill>
+        </p:spPr>
+        <p:style>
+          <a:lnRef idx="2">
+            <a:schemeClr val="accent1">
+              <a:shade val="50000"/>
+            </a:schemeClr>
+          </a:lnRef>
+          <a:fillRef idx="1">
+            <a:schemeClr val="accent1"/>
+          </a:fillRef>
+          <a:effectRef idx="0">
+            <a:schemeClr val="accent1"/>
+          </a:effectRef>
+          <a:fontRef idx="minor">
+            <a:schemeClr val="lt1"/>
+          </a:fontRef>
+        </p:style>
+        <p:txBody>
+          <a:bodyPr rtlCol="0" anchor="ctr"/>
+          <a:lstStyle/>
+          <a:p>
+            <a:pPr algn="ctr"/>
+            <a:endParaRPr lang="de-DE"/>
+          </a:p>
+        </p:txBody>
+      </p:sp>
+      <p:sp>
+        <p:nvSpPr>
+          <p:cNvPr id="31" name="Flussdiagramm: Verbinder 30">
+            <a:extLst>
+              <a:ext uri="{FF2B5EF4-FFF2-40B4-BE49-F238E27FC236}">
+                <a16:creationId xmlns:a16="http://schemas.microsoft.com/office/drawing/2014/main" id="{2AB4E51C-152E-470F-A72F-294CAD943C8F}"/>
+              </a:ext>
+            </a:extLst>
+          </p:cNvPr>
+          <p:cNvSpPr/>
+          <p:nvPr/>
+        </p:nvSpPr>
+        <p:spPr>
+          <a:xfrm>
+            <a:off x="9583977" y="2854295"/>
+            <a:ext cx="720000" cy="720000"/>
+          </a:xfrm>
+          <a:prstGeom prst="flowChartConnector">
+            <a:avLst/>
+          </a:prstGeom>
+          <a:solidFill>
+            <a:schemeClr val="tx1"/>
+          </a:solidFill>
+        </p:spPr>
+        <p:style>
+          <a:lnRef idx="2">
+            <a:schemeClr val="accent1">
+              <a:shade val="50000"/>
+            </a:schemeClr>
+          </a:lnRef>
+          <a:fillRef idx="1">
+            <a:schemeClr val="accent1"/>
+          </a:fillRef>
+          <a:effectRef idx="0">
+            <a:schemeClr val="accent1"/>
+          </a:effectRef>
+          <a:fontRef idx="minor">
+            <a:schemeClr val="lt1"/>
+          </a:fontRef>
+        </p:style>
+        <p:txBody>
+          <a:bodyPr rtlCol="0" anchor="ctr"/>
+          <a:lstStyle/>
+          <a:p>
+            <a:pPr algn="ctr"/>
+            <a:endParaRPr lang="de-DE"/>
+          </a:p>
+        </p:txBody>
+      </p:sp>
+      <p:sp>
+        <p:nvSpPr>
+          <p:cNvPr id="32" name="Textfeld 31">
+            <a:extLst>
+              <a:ext uri="{FF2B5EF4-FFF2-40B4-BE49-F238E27FC236}">
+                <a16:creationId xmlns:a16="http://schemas.microsoft.com/office/drawing/2014/main" id="{444637D1-1E78-4D2D-8CF3-153C645D8319}"/>
+              </a:ext>
+            </a:extLst>
+          </p:cNvPr>
+          <p:cNvSpPr txBox="1"/>
+          <p:nvPr/>
+        </p:nvSpPr>
+        <p:spPr>
+          <a:xfrm>
+            <a:off x="9943977" y="2174817"/>
+            <a:ext cx="1418978" cy="646331"/>
+          </a:xfrm>
+          <a:prstGeom prst="rect">
+            <a:avLst/>
+          </a:prstGeom>
+          <a:noFill/>
+        </p:spPr>
+        <p:txBody>
+          <a:bodyPr wrap="none" rtlCol="0">
+            <a:spAutoFit/>
+          </a:bodyPr>
+          <a:lstStyle/>
+          <a:p>
+            <a:r>
+              <a:rPr lang="de-DE" dirty="0"/>
+              <a:t>Nils Petersen</a:t>
+            </a:r>
+          </a:p>
+          <a:p>
+            <a:r>
+              <a:rPr lang="de-DE" dirty="0"/>
+              <a:t>12 Millionen</a:t>
+            </a:r>
+          </a:p>
+        </p:txBody>
+      </p:sp>
+      <p:sp>
+        <p:nvSpPr>
+          <p:cNvPr id="34" name="Textfeld 33">
+            <a:extLst>
+              <a:ext uri="{FF2B5EF4-FFF2-40B4-BE49-F238E27FC236}">
+                <a16:creationId xmlns:a16="http://schemas.microsoft.com/office/drawing/2014/main" id="{8AB376A8-5847-456D-B4C6-E5FD3A00C17B}"/>
+              </a:ext>
+            </a:extLst>
+          </p:cNvPr>
+          <p:cNvSpPr txBox="1"/>
+          <p:nvPr/>
+        </p:nvSpPr>
+        <p:spPr>
+          <a:xfrm>
+            <a:off x="6805538" y="3960295"/>
+            <a:ext cx="1456809" cy="646331"/>
+          </a:xfrm>
+          <a:prstGeom prst="rect">
+            <a:avLst/>
+          </a:prstGeom>
+          <a:noFill/>
+        </p:spPr>
+        <p:txBody>
+          <a:bodyPr wrap="none" rtlCol="0">
+            <a:spAutoFit/>
+          </a:bodyPr>
+          <a:lstStyle/>
+          <a:p>
+            <a:r>
+              <a:rPr lang="de-DE" dirty="0"/>
+              <a:t>Mario Gomez</a:t>
+            </a:r>
+          </a:p>
+          <a:p>
+            <a:r>
+              <a:rPr lang="de-DE" dirty="0"/>
+              <a:t>6 Millionen</a:t>
+            </a:r>
+          </a:p>
+        </p:txBody>
+      </p:sp>
+      <p:sp>
+        <p:nvSpPr>
+          <p:cNvPr id="35" name="Textfeld 34">
+            <a:extLst>
+              <a:ext uri="{FF2B5EF4-FFF2-40B4-BE49-F238E27FC236}">
+                <a16:creationId xmlns:a16="http://schemas.microsoft.com/office/drawing/2014/main" id="{238443C3-C268-4DA6-AE3D-BABC1B0E72BF}"/>
+              </a:ext>
+            </a:extLst>
+          </p:cNvPr>
+          <p:cNvSpPr txBox="1"/>
+          <p:nvPr/>
+        </p:nvSpPr>
+        <p:spPr>
+          <a:xfrm>
+            <a:off x="7120684" y="2680981"/>
+            <a:ext cx="1598515" cy="646331"/>
+          </a:xfrm>
+          <a:prstGeom prst="rect">
+            <a:avLst/>
+          </a:prstGeom>
+          <a:noFill/>
+        </p:spPr>
+        <p:txBody>
+          <a:bodyPr wrap="none" rtlCol="0">
+            <a:spAutoFit/>
+          </a:bodyPr>
+          <a:lstStyle/>
+          <a:p>
+            <a:r>
+              <a:rPr lang="de-DE" dirty="0"/>
+              <a:t>Thomas Müller</a:t>
+            </a:r>
+          </a:p>
+          <a:p>
+            <a:r>
+              <a:rPr lang="de-DE" dirty="0"/>
+              <a:t>60 Millionen</a:t>
+            </a:r>
+          </a:p>
+        </p:txBody>
+      </p:sp>
+      <p:sp>
+        <p:nvSpPr>
+          <p:cNvPr id="36" name="Textfeld 35">
+            <a:extLst>
+              <a:ext uri="{FF2B5EF4-FFF2-40B4-BE49-F238E27FC236}">
+                <a16:creationId xmlns:a16="http://schemas.microsoft.com/office/drawing/2014/main" id="{39F74734-EF3C-43BD-9FC8-639005D69594}"/>
+              </a:ext>
+            </a:extLst>
+          </p:cNvPr>
+          <p:cNvSpPr txBox="1"/>
+          <p:nvPr/>
+        </p:nvSpPr>
+        <p:spPr>
+          <a:xfrm>
+            <a:off x="6873778" y="301507"/>
+            <a:ext cx="1539204" cy="646331"/>
+          </a:xfrm>
+          <a:prstGeom prst="rect">
+            <a:avLst/>
+          </a:prstGeom>
+          <a:noFill/>
+        </p:spPr>
+        <p:txBody>
+          <a:bodyPr wrap="none" rtlCol="0">
+            <a:spAutoFit/>
+          </a:bodyPr>
+          <a:lstStyle/>
+          <a:p>
+            <a:r>
+              <a:rPr lang="de-DE" dirty="0"/>
+              <a:t>Manuel Neuer</a:t>
+            </a:r>
+          </a:p>
+          <a:p>
+            <a:r>
+              <a:rPr lang="de-DE" dirty="0"/>
+              <a:t>35 Millionen</a:t>
+            </a:r>
+          </a:p>
+        </p:txBody>
+      </p:sp>
+      <p:sp>
+        <p:nvSpPr>
+          <p:cNvPr id="37" name="Textfeld 36">
+            <a:extLst>
+              <a:ext uri="{FF2B5EF4-FFF2-40B4-BE49-F238E27FC236}">
+                <a16:creationId xmlns:a16="http://schemas.microsoft.com/office/drawing/2014/main" id="{9FCA4647-85E2-4EF9-BD88-35736A8AB722}"/>
+              </a:ext>
+            </a:extLst>
+          </p:cNvPr>
+          <p:cNvSpPr txBox="1"/>
+          <p:nvPr/>
+        </p:nvSpPr>
+        <p:spPr>
+          <a:xfrm>
+            <a:off x="10001685" y="5103115"/>
+            <a:ext cx="1326132" cy="923330"/>
+          </a:xfrm>
+          <a:prstGeom prst="rect">
+            <a:avLst/>
+          </a:prstGeom>
+          <a:noFill/>
+        </p:spPr>
+        <p:txBody>
+          <a:bodyPr wrap="none" rtlCol="0">
+            <a:spAutoFit/>
+          </a:bodyPr>
+          <a:lstStyle/>
+          <a:p>
+            <a:r>
+              <a:rPr lang="de-DE" b="1" dirty="0"/>
+              <a:t>Wechsel:</a:t>
+            </a:r>
+          </a:p>
+          <a:p>
+            <a:r>
+              <a:rPr lang="de-DE" dirty="0"/>
+              <a:t>Marc Kempf</a:t>
+            </a:r>
+          </a:p>
+          <a:p>
+            <a:r>
+              <a:rPr lang="de-DE" dirty="0"/>
+              <a:t>4 Millionen</a:t>
+            </a:r>
+          </a:p>
+        </p:txBody>
+      </p:sp>
+      <p:cxnSp>
+        <p:nvCxnSpPr>
+          <p:cNvPr id="38" name="Gerader Verbinder 37">
+            <a:extLst>
+              <a:ext uri="{FF2B5EF4-FFF2-40B4-BE49-F238E27FC236}">
+                <a16:creationId xmlns:a16="http://schemas.microsoft.com/office/drawing/2014/main" id="{51A31653-E498-4AEF-9A6D-12FDCD110A23}"/>
+              </a:ext>
+            </a:extLst>
+          </p:cNvPr>
+          <p:cNvCxnSpPr>
+            <a:stCxn id="26" idx="7"/>
+            <a:endCxn id="27" idx="3"/>
+          </p:cNvCxnSpPr>
+          <p:nvPr/>
+        </p:nvCxnSpPr>
+        <p:spPr>
+          <a:xfrm flipV="1">
+            <a:off x="8182100" y="1384278"/>
+            <a:ext cx="427319" cy="616735"/>
+          </a:xfrm>
+          <a:prstGeom prst="line">
+            <a:avLst/>
+          </a:prstGeom>
+        </p:spPr>
+        <p:style>
+          <a:lnRef idx="1">
+            <a:schemeClr val="accent1"/>
+          </a:lnRef>
+          <a:fillRef idx="0">
+            <a:schemeClr val="accent1"/>
+          </a:fillRef>
+          <a:effectRef idx="0">
+            <a:schemeClr val="accent1"/>
+          </a:effectRef>
+          <a:fontRef idx="minor">
+            <a:schemeClr val="tx1"/>
+          </a:fontRef>
+        </p:style>
+      </p:cxnSp>
+      <p:cxnSp>
+        <p:nvCxnSpPr>
+          <p:cNvPr id="49" name="Gerader Verbinder 48">
+            <a:extLst>
+              <a:ext uri="{FF2B5EF4-FFF2-40B4-BE49-F238E27FC236}">
+                <a16:creationId xmlns:a16="http://schemas.microsoft.com/office/drawing/2014/main" id="{261CE57F-A0E3-4C82-8B2F-6116EF2F2550}"/>
+              </a:ext>
+            </a:extLst>
+          </p:cNvPr>
+          <p:cNvCxnSpPr>
+            <a:cxnSpLocks/>
+            <a:endCxn id="28" idx="3"/>
+          </p:cNvCxnSpPr>
+          <p:nvPr/>
+        </p:nvCxnSpPr>
+        <p:spPr>
+          <a:xfrm flipV="1">
+            <a:off x="8019938" y="4965479"/>
+            <a:ext cx="84703" cy="543232"/>
+          </a:xfrm>
+          <a:prstGeom prst="line">
+            <a:avLst/>
+          </a:prstGeom>
+          <a:ln>
+            <a:solidFill>
+              <a:srgbClr val="FF0000"/>
+            </a:solidFill>
+          </a:ln>
+        </p:spPr>
+        <p:style>
+          <a:lnRef idx="1">
+            <a:schemeClr val="accent1"/>
+          </a:lnRef>
+          <a:fillRef idx="0">
+            <a:schemeClr val="accent1"/>
+          </a:fillRef>
+          <a:effectRef idx="0">
+            <a:schemeClr val="accent1"/>
+          </a:effectRef>
+          <a:fontRef idx="minor">
+            <a:schemeClr val="tx1"/>
+          </a:fontRef>
+        </p:style>
+      </p:cxnSp>
+      <p:cxnSp>
+        <p:nvCxnSpPr>
+          <p:cNvPr id="52" name="Gerader Verbinder 51">
+            <a:extLst>
+              <a:ext uri="{FF2B5EF4-FFF2-40B4-BE49-F238E27FC236}">
+                <a16:creationId xmlns:a16="http://schemas.microsoft.com/office/drawing/2014/main" id="{83A4DD01-A5F2-4DAE-8C1D-16519993FFA6}"/>
+              </a:ext>
+            </a:extLst>
+          </p:cNvPr>
+          <p:cNvCxnSpPr>
+            <a:cxnSpLocks/>
+            <a:stCxn id="30" idx="0"/>
+            <a:endCxn id="28" idx="6"/>
+          </p:cNvCxnSpPr>
+          <p:nvPr/>
+        </p:nvCxnSpPr>
+        <p:spPr>
+          <a:xfrm flipH="1" flipV="1">
+            <a:off x="8719199" y="4710921"/>
+            <a:ext cx="864778" cy="238560"/>
+          </a:xfrm>
+          <a:prstGeom prst="line">
+            <a:avLst/>
+          </a:prstGeom>
+          <a:ln>
+            <a:solidFill>
+              <a:srgbClr val="FF0000"/>
+            </a:solidFill>
+          </a:ln>
+        </p:spPr>
+        <p:style>
+          <a:lnRef idx="1">
+            <a:schemeClr val="accent1"/>
+          </a:lnRef>
+          <a:fillRef idx="0">
+            <a:schemeClr val="accent1"/>
+          </a:fillRef>
+          <a:effectRef idx="0">
+            <a:schemeClr val="accent1"/>
+          </a:effectRef>
+          <a:fontRef idx="minor">
+            <a:schemeClr val="tx1"/>
+          </a:fontRef>
+        </p:style>
+      </p:cxnSp>
+      <p:sp>
+        <p:nvSpPr>
+          <p:cNvPr id="55" name="Flussdiagramm: Verbinder 54">
+            <a:extLst>
+              <a:ext uri="{FF2B5EF4-FFF2-40B4-BE49-F238E27FC236}">
+                <a16:creationId xmlns:a16="http://schemas.microsoft.com/office/drawing/2014/main" id="{A6272471-4F78-45CE-A73D-2F1B3D1ED838}"/>
+              </a:ext>
+            </a:extLst>
+          </p:cNvPr>
+          <p:cNvSpPr/>
+          <p:nvPr/>
+        </p:nvSpPr>
+        <p:spPr>
+          <a:xfrm>
+            <a:off x="9930329" y="2496346"/>
+            <a:ext cx="431657" cy="360000"/>
+          </a:xfrm>
+          <a:prstGeom prst="flowChartConnector">
+            <a:avLst/>
+          </a:prstGeom>
+          <a:noFill/>
+          <a:ln w="38100">
+            <a:solidFill>
+              <a:srgbClr val="FF0000"/>
+            </a:solidFill>
+          </a:ln>
+        </p:spPr>
+        <p:style>
+          <a:lnRef idx="2">
+            <a:schemeClr val="accent1">
+              <a:shade val="50000"/>
+            </a:schemeClr>
+          </a:lnRef>
+          <a:fillRef idx="1">
+            <a:schemeClr val="accent1"/>
+          </a:fillRef>
+          <a:effectRef idx="0">
+            <a:schemeClr val="accent1"/>
+          </a:effectRef>
+          <a:fontRef idx="minor">
+            <a:schemeClr val="lt1"/>
+          </a:fontRef>
+        </p:style>
+        <p:txBody>
+          <a:bodyPr rtlCol="0" anchor="ctr"/>
+          <a:lstStyle/>
+          <a:p>
+            <a:pPr algn="ctr"/>
+            <a:endParaRPr lang="de-DE"/>
+          </a:p>
+        </p:txBody>
+      </p:sp>
+      <p:cxnSp>
+        <p:nvCxnSpPr>
+          <p:cNvPr id="56" name="Gerader Verbinder 55">
+            <a:extLst>
+              <a:ext uri="{FF2B5EF4-FFF2-40B4-BE49-F238E27FC236}">
+                <a16:creationId xmlns:a16="http://schemas.microsoft.com/office/drawing/2014/main" id="{AE2D93D6-C62D-4322-A506-18A6C7C08284}"/>
+              </a:ext>
+            </a:extLst>
+          </p:cNvPr>
+          <p:cNvCxnSpPr>
+            <a:cxnSpLocks/>
+            <a:endCxn id="31" idx="5"/>
+          </p:cNvCxnSpPr>
+          <p:nvPr/>
+        </p:nvCxnSpPr>
+        <p:spPr>
+          <a:xfrm flipH="1" flipV="1">
+            <a:off x="10198535" y="3468853"/>
+            <a:ext cx="48182" cy="509852"/>
+          </a:xfrm>
+          <a:prstGeom prst="line">
+            <a:avLst/>
+          </a:prstGeom>
+          <a:ln>
+            <a:solidFill>
+              <a:schemeClr val="tx1"/>
+            </a:solidFill>
+          </a:ln>
+        </p:spPr>
+        <p:style>
+          <a:lnRef idx="1">
+            <a:schemeClr val="accent1"/>
+          </a:lnRef>
+          <a:fillRef idx="0">
+            <a:schemeClr val="accent1"/>
+          </a:fillRef>
+          <a:effectRef idx="0">
+            <a:schemeClr val="accent1"/>
+          </a:effectRef>
+          <a:fontRef idx="minor">
+            <a:schemeClr val="tx1"/>
+          </a:fontRef>
+        </p:style>
+      </p:cxnSp>
+      <p:sp>
+        <p:nvSpPr>
+          <p:cNvPr id="58" name="Multiplikationszeichen 57">
+            <a:extLst>
+              <a:ext uri="{FF2B5EF4-FFF2-40B4-BE49-F238E27FC236}">
+                <a16:creationId xmlns:a16="http://schemas.microsoft.com/office/drawing/2014/main" id="{61FF925F-4991-4D6B-AC6F-57A2D3DE48AB}"/>
+              </a:ext>
+            </a:extLst>
+          </p:cNvPr>
+          <p:cNvSpPr/>
+          <p:nvPr/>
+        </p:nvSpPr>
+        <p:spPr>
+          <a:xfrm>
+            <a:off x="7498582" y="5121861"/>
+            <a:ext cx="914400" cy="914400"/>
+          </a:xfrm>
+          <a:prstGeom prst="mathMultiply">
+            <a:avLst/>
+          </a:prstGeom>
+          <a:solidFill>
+            <a:srgbClr val="FFFF00"/>
+          </a:solidFill>
+          <a:ln w="28575">
+            <a:solidFill>
+              <a:schemeClr val="bg2">
+                <a:lumMod val="25000"/>
+              </a:schemeClr>
+            </a:solidFill>
+          </a:ln>
+        </p:spPr>
+        <p:style>
+          <a:lnRef idx="2">
+            <a:schemeClr val="accent1">
+              <a:shade val="50000"/>
+            </a:schemeClr>
+          </a:lnRef>
+          <a:fillRef idx="1">
+            <a:schemeClr val="accent1"/>
+          </a:fillRef>
+          <a:effectRef idx="0">
+            <a:schemeClr val="accent1"/>
+          </a:effectRef>
+          <a:fontRef idx="minor">
+            <a:schemeClr val="lt1"/>
+          </a:fontRef>
+        </p:style>
+        <p:txBody>
+          <a:bodyPr rtlCol="0" anchor="ctr"/>
+          <a:lstStyle/>
+          <a:p>
+            <a:pPr algn="ctr"/>
+            <a:endParaRPr lang="de-DE"/>
+          </a:p>
+        </p:txBody>
+      </p:sp>
+      <p:sp>
+        <p:nvSpPr>
+          <p:cNvPr id="59" name="Multiplikationszeichen 58">
+            <a:extLst>
+              <a:ext uri="{FF2B5EF4-FFF2-40B4-BE49-F238E27FC236}">
+                <a16:creationId xmlns:a16="http://schemas.microsoft.com/office/drawing/2014/main" id="{A6651717-258A-48C0-AA53-906C24F08CF9}"/>
+              </a:ext>
+            </a:extLst>
+          </p:cNvPr>
+          <p:cNvSpPr/>
+          <p:nvPr/>
+        </p:nvSpPr>
+        <p:spPr>
+          <a:xfrm>
+            <a:off x="9789517" y="3671110"/>
+            <a:ext cx="914400" cy="914400"/>
+          </a:xfrm>
+          <a:prstGeom prst="mathMultiply">
+            <a:avLst/>
+          </a:prstGeom>
+          <a:solidFill>
+            <a:srgbClr val="FFFF00"/>
+          </a:solidFill>
+          <a:ln w="28575">
+            <a:solidFill>
+              <a:schemeClr val="bg2">
+                <a:lumMod val="25000"/>
+              </a:schemeClr>
+            </a:solidFill>
+          </a:ln>
+        </p:spPr>
+        <p:style>
+          <a:lnRef idx="2">
+            <a:schemeClr val="accent1">
+              <a:shade val="50000"/>
+            </a:schemeClr>
+          </a:lnRef>
+          <a:fillRef idx="1">
+            <a:schemeClr val="accent1"/>
+          </a:fillRef>
+          <a:effectRef idx="0">
+            <a:schemeClr val="accent1"/>
+          </a:effectRef>
+          <a:fontRef idx="minor">
+            <a:schemeClr val="lt1"/>
+          </a:fontRef>
+        </p:style>
+        <p:txBody>
+          <a:bodyPr rtlCol="0" anchor="ctr"/>
+          <a:lstStyle/>
+          <a:p>
+            <a:pPr algn="ctr"/>
+            <a:endParaRPr lang="de-DE"/>
+          </a:p>
+        </p:txBody>
+      </p:sp>
+      <p:sp>
+        <p:nvSpPr>
+          <p:cNvPr id="60" name="Pfeil: nach rechts 59">
+            <a:extLst>
+              <a:ext uri="{FF2B5EF4-FFF2-40B4-BE49-F238E27FC236}">
+                <a16:creationId xmlns:a16="http://schemas.microsoft.com/office/drawing/2014/main" id="{E3526F6A-E1AE-4D31-BD87-99D52FFA0F05}"/>
+              </a:ext>
+            </a:extLst>
+          </p:cNvPr>
+          <p:cNvSpPr/>
+          <p:nvPr/>
+        </p:nvSpPr>
+        <p:spPr>
+          <a:xfrm>
+            <a:off x="5167209" y="3443077"/>
+            <a:ext cx="928791" cy="484632"/>
+          </a:xfrm>
+          <a:prstGeom prst="rightArrow">
+            <a:avLst/>
+          </a:prstGeom>
+          <a:solidFill>
+            <a:srgbClr val="00B050"/>
+          </a:solidFill>
+          <a:ln>
+            <a:solidFill>
+              <a:srgbClr val="00B050"/>
+            </a:solidFill>
+          </a:ln>
+        </p:spPr>
+        <p:style>
+          <a:lnRef idx="2">
+            <a:schemeClr val="accent1">
+              <a:shade val="50000"/>
+            </a:schemeClr>
+          </a:lnRef>
+          <a:fillRef idx="1">
+            <a:schemeClr val="accent1"/>
+          </a:fillRef>
+          <a:effectRef idx="0">
+            <a:schemeClr val="accent1"/>
+          </a:effectRef>
+          <a:fontRef idx="minor">
+            <a:schemeClr val="lt1"/>
+          </a:fontRef>
+        </p:style>
+        <p:txBody>
+          <a:bodyPr rtlCol="0" anchor="ctr"/>
+          <a:lstStyle/>
+          <a:p>
+            <a:pPr algn="ctr"/>
+            <a:endParaRPr lang="de-DE"/>
+          </a:p>
+        </p:txBody>
+      </p:sp>
+      <p:sp>
+        <p:nvSpPr>
+          <p:cNvPr id="61" name="Textfeld 60">
+            <a:extLst>
+              <a:ext uri="{FF2B5EF4-FFF2-40B4-BE49-F238E27FC236}">
+                <a16:creationId xmlns:a16="http://schemas.microsoft.com/office/drawing/2014/main" id="{B02973E3-15BC-451D-AC12-4830C8AB3FBC}"/>
+              </a:ext>
+            </a:extLst>
+          </p:cNvPr>
+          <p:cNvSpPr txBox="1"/>
+          <p:nvPr/>
+        </p:nvSpPr>
+        <p:spPr>
+          <a:xfrm>
+            <a:off x="3207224" y="404993"/>
+            <a:ext cx="1393330" cy="369332"/>
+          </a:xfrm>
+          <a:prstGeom prst="rect">
+            <a:avLst/>
+          </a:prstGeom>
+          <a:noFill/>
+        </p:spPr>
+        <p:txBody>
+          <a:bodyPr wrap="none" rtlCol="0">
+            <a:spAutoFit/>
+          </a:bodyPr>
+          <a:lstStyle/>
+          <a:p>
+            <a:r>
+              <a:rPr lang="de-DE" b="1" dirty="0">
+                <a:highlight>
+                  <a:srgbClr val="FFFF00"/>
+                </a:highlight>
+              </a:rPr>
+              <a:t>4. April 2018</a:t>
+            </a:r>
+          </a:p>
+        </p:txBody>
+      </p:sp>
+      <p:sp>
+        <p:nvSpPr>
+          <p:cNvPr id="62" name="Textfeld 61">
+            <a:extLst>
+              <a:ext uri="{FF2B5EF4-FFF2-40B4-BE49-F238E27FC236}">
+                <a16:creationId xmlns:a16="http://schemas.microsoft.com/office/drawing/2014/main" id="{60A769BE-8776-4C13-A60A-10B1EC6DB429}"/>
+              </a:ext>
+            </a:extLst>
+          </p:cNvPr>
+          <p:cNvSpPr txBox="1"/>
+          <p:nvPr/>
+        </p:nvSpPr>
+        <p:spPr>
+          <a:xfrm>
+            <a:off x="9665204" y="232652"/>
+            <a:ext cx="1316386" cy="369332"/>
+          </a:xfrm>
+          <a:prstGeom prst="rect">
+            <a:avLst/>
+          </a:prstGeom>
+          <a:noFill/>
+        </p:spPr>
+        <p:txBody>
+          <a:bodyPr wrap="none" rtlCol="0">
+            <a:spAutoFit/>
+          </a:bodyPr>
+          <a:lstStyle/>
+          <a:p>
+            <a:r>
+              <a:rPr lang="de-DE" b="1" dirty="0">
+                <a:highlight>
+                  <a:srgbClr val="FFFF00"/>
+                </a:highlight>
+              </a:rPr>
+              <a:t>1. Juni 2018</a:t>
+            </a:r>
+          </a:p>
+        </p:txBody>
+      </p:sp>
+      <p:sp>
+        <p:nvSpPr>
+          <p:cNvPr id="63" name="Sprechblase: oval 62">
+            <a:extLst>
+              <a:ext uri="{FF2B5EF4-FFF2-40B4-BE49-F238E27FC236}">
+                <a16:creationId xmlns:a16="http://schemas.microsoft.com/office/drawing/2014/main" id="{F87996B5-9445-47A3-821E-ABBDDBF85D90}"/>
+              </a:ext>
+            </a:extLst>
+          </p:cNvPr>
+          <p:cNvSpPr/>
+          <p:nvPr/>
+        </p:nvSpPr>
+        <p:spPr>
+          <a:xfrm>
+            <a:off x="9789517" y="1020191"/>
+            <a:ext cx="2071659" cy="882068"/>
+          </a:xfrm>
+          <a:prstGeom prst="wedgeEllipseCallout">
+            <a:avLst/>
+          </a:prstGeom>
+          <a:noFill/>
+          <a:ln>
+            <a:solidFill>
+              <a:srgbClr val="FF0000"/>
+            </a:solidFill>
+          </a:ln>
+        </p:spPr>
+        <p:style>
+          <a:lnRef idx="2">
+            <a:schemeClr val="accent1">
+              <a:shade val="50000"/>
+            </a:schemeClr>
+          </a:lnRef>
+          <a:fillRef idx="1">
+            <a:schemeClr val="accent1"/>
+          </a:fillRef>
+          <a:effectRef idx="0">
+            <a:schemeClr val="accent1"/>
+          </a:effectRef>
+          <a:fontRef idx="minor">
+            <a:schemeClr val="lt1"/>
+          </a:fontRef>
+        </p:style>
+        <p:txBody>
+          <a:bodyPr rtlCol="0" anchor="ctr"/>
+          <a:lstStyle/>
+          <a:p>
+            <a:pPr algn="ctr"/>
+            <a:r>
+              <a:rPr lang="de-DE" sz="1600" dirty="0">
+                <a:solidFill>
+                  <a:schemeClr val="tx1"/>
+                </a:solidFill>
+              </a:rPr>
+              <a:t>Event: Nominiert für Nationalteam</a:t>
+            </a:r>
+          </a:p>
+        </p:txBody>
+      </p:sp>
+    </p:spTree>
+    <p:extLst>
+      <p:ext uri="{BB962C8B-B14F-4D97-AF65-F5344CB8AC3E}">
+        <p14:creationId xmlns:p14="http://schemas.microsoft.com/office/powerpoint/2010/main" val="291869085"/>
+      </p:ext>
+    </p:extLst>
+  </p:cSld>
+  <p:clrMapOvr>
+    <a:masterClrMapping/>
+  </p:clrMapOvr>
+</p:sld>
+</file>
+
 <file path=ppt/slides/slide2.xml><?xml version="1.0" encoding="utf-8"?>
 <p:sld xmlns:a="http://schemas.openxmlformats.org/drawingml/2006/main" xmlns:r="http://schemas.openxmlformats.org/officeDocument/2006/relationships" xmlns:p="http://schemas.openxmlformats.org/presentationml/2006/main">
   <p:cSld>
@@ -3833,7 +5605,7 @@
           <a:p>
             <a:r>
               <a:rPr lang="de-DE" dirty="0"/>
-              <a:t>Parallele Datenverarbeitung?</a:t>
+              <a:t>Parallele Datenverarbeitung? Synchron / asynchron (Tornado)</a:t>
             </a:r>
           </a:p>
         </p:txBody>
@@ -4180,7 +5952,7 @@
           <p:cNvPr id="2" name="Titel 1">
             <a:extLst>
               <a:ext uri="{FF2B5EF4-FFF2-40B4-BE49-F238E27FC236}">
-                <a16:creationId xmlns:a16="http://schemas.microsoft.com/office/drawing/2014/main" id="{2B00C3F5-E63D-4259-A5B0-CB9C04B45DCD}"/>
+                <a16:creationId xmlns:a16="http://schemas.microsoft.com/office/drawing/2014/main" id="{77C0DCAD-6C32-4824-8209-0FBAB04A712F}"/>
               </a:ext>
             </a:extLst>
           </p:cNvPr>
@@ -4197,8 +5969,12 @@
           <a:lstStyle/>
           <a:p>
             <a:r>
-              <a:rPr lang="de-DE" dirty="0"/>
-              <a:t>Die Matrix</a:t>
+              <a:rPr lang="de-DE" dirty="0" err="1"/>
+              <a:t>To</a:t>
+            </a:r>
+            <a:r>
+              <a:rPr lang="de-DE" dirty="0"/>
+              <a:t>-Do</a:t>
             </a:r>
           </a:p>
         </p:txBody>
@@ -4208,7 +5984,7 @@
           <p:cNvPr id="3" name="Inhaltsplatzhalter 2">
             <a:extLst>
               <a:ext uri="{FF2B5EF4-FFF2-40B4-BE49-F238E27FC236}">
-                <a16:creationId xmlns:a16="http://schemas.microsoft.com/office/drawing/2014/main" id="{705ACAAD-A6C2-4DFE-B596-4B2B8371FF8B}"/>
+                <a16:creationId xmlns:a16="http://schemas.microsoft.com/office/drawing/2014/main" id="{AC7246E0-1F75-4806-8725-76B517EE3BBA}"/>
               </a:ext>
             </a:extLst>
           </p:cNvPr>
@@ -4225,12 +6001,25 @@
           <a:lstStyle/>
           <a:p>
             <a:r>
+              <a:rPr lang="de-DE" dirty="0"/>
+              <a:t>präzise Problembeschreibung für "Aggregate auf temporalen Graphen" </a:t>
+            </a:r>
+          </a:p>
+          <a:p>
+            <a:endParaRPr lang="de-DE" dirty="0"/>
+          </a:p>
+          <a:p>
+            <a:r>
+              <a:rPr lang="de-DE" dirty="0"/>
+              <a:t>Use </a:t>
+            </a:r>
+            <a:r>
               <a:rPr lang="de-DE" dirty="0" err="1"/>
-              <a:t>Bsphafte</a:t>
-            </a:r>
-            <a:r>
-              <a:rPr lang="de-DE" dirty="0"/>
-              <a:t> Matrix skizzieren</a:t>
+              <a:t>cases</a:t>
+            </a:r>
+            <a:r>
+              <a:rPr lang="de-DE" dirty="0"/>
+              <a:t> festlegen</a:t>
             </a:r>
           </a:p>
         </p:txBody>
@@ -4238,7 +6027,7 @@
     </p:spTree>
     <p:extLst>
       <p:ext uri="{BB962C8B-B14F-4D97-AF65-F5344CB8AC3E}">
-        <p14:creationId xmlns:p14="http://schemas.microsoft.com/office/powerpoint/2010/main" val="2872599388"/>
+        <p14:creationId xmlns:p14="http://schemas.microsoft.com/office/powerpoint/2010/main" val="923207118"/>
       </p:ext>
     </p:extLst>
   </p:cSld>

--- a/Bewertungsmatrix.pptx
+++ b/Bewertungsmatrix.pptx
@@ -4,6 +4,9 @@
   <p:sldMasterIdLst>
     <p:sldMasterId id="2147483648" r:id="rId1"/>
   </p:sldMasterIdLst>
+  <p:notesMasterIdLst>
+    <p:notesMasterId r:id="rId22"/>
+  </p:notesMasterIdLst>
   <p:sldIdLst>
     <p:sldId id="256" r:id="rId2"/>
     <p:sldId id="257" r:id="rId3"/>
@@ -15,7 +18,16 @@
     <p:sldId id="263" r:id="rId9"/>
     <p:sldId id="265" r:id="rId10"/>
     <p:sldId id="264" r:id="rId11"/>
-    <p:sldId id="266" r:id="rId12"/>
+    <p:sldId id="275" r:id="rId12"/>
+    <p:sldId id="267" r:id="rId13"/>
+    <p:sldId id="268" r:id="rId14"/>
+    <p:sldId id="272" r:id="rId15"/>
+    <p:sldId id="273" r:id="rId16"/>
+    <p:sldId id="269" r:id="rId17"/>
+    <p:sldId id="270" r:id="rId18"/>
+    <p:sldId id="271" r:id="rId19"/>
+    <p:sldId id="266" r:id="rId20"/>
+    <p:sldId id="274" r:id="rId21"/>
   </p:sldIdLst>
   <p:sldSz cx="12192000" cy="6858000"/>
   <p:notesSz cx="6858000" cy="9144000"/>
@@ -122,6 +134,534 @@
 </p:presentation>
 </file>
 
+<file path=ppt/notesMasters/notesMaster1.xml><?xml version="1.0" encoding="utf-8"?>
+<p:notesMaster xmlns:a="http://schemas.openxmlformats.org/drawingml/2006/main" xmlns:r="http://schemas.openxmlformats.org/officeDocument/2006/relationships" xmlns:p="http://schemas.openxmlformats.org/presentationml/2006/main">
+  <p:cSld>
+    <p:bg>
+      <p:bgRef idx="1001">
+        <a:schemeClr val="bg1"/>
+      </p:bgRef>
+    </p:bg>
+    <p:spTree>
+      <p:nvGrpSpPr>
+        <p:cNvPr id="1" name=""/>
+        <p:cNvGrpSpPr/>
+        <p:nvPr/>
+      </p:nvGrpSpPr>
+      <p:grpSpPr>
+        <a:xfrm>
+          <a:off x="0" y="0"/>
+          <a:ext cx="0" cy="0"/>
+          <a:chOff x="0" y="0"/>
+          <a:chExt cx="0" cy="0"/>
+        </a:xfrm>
+      </p:grpSpPr>
+      <p:sp>
+        <p:nvSpPr>
+          <p:cNvPr id="2" name="Kopfzeilenplatzhalter 1"/>
+          <p:cNvSpPr>
+            <a:spLocks noGrp="1"/>
+          </p:cNvSpPr>
+          <p:nvPr>
+            <p:ph type="hdr" sz="quarter"/>
+          </p:nvPr>
+        </p:nvSpPr>
+        <p:spPr>
+          <a:xfrm>
+            <a:off x="0" y="0"/>
+            <a:ext cx="2971800" cy="458788"/>
+          </a:xfrm>
+          <a:prstGeom prst="rect">
+            <a:avLst/>
+          </a:prstGeom>
+        </p:spPr>
+        <p:txBody>
+          <a:bodyPr vert="horz" lIns="91440" tIns="45720" rIns="91440" bIns="45720" rtlCol="0"/>
+          <a:lstStyle>
+            <a:lvl1pPr algn="l">
+              <a:defRPr sz="1200"/>
+            </a:lvl1pPr>
+          </a:lstStyle>
+          <a:p>
+            <a:endParaRPr lang="de-DE"/>
+          </a:p>
+        </p:txBody>
+      </p:sp>
+      <p:sp>
+        <p:nvSpPr>
+          <p:cNvPr id="3" name="Datumsplatzhalter 2"/>
+          <p:cNvSpPr>
+            <a:spLocks noGrp="1"/>
+          </p:cNvSpPr>
+          <p:nvPr>
+            <p:ph type="dt" idx="1"/>
+          </p:nvPr>
+        </p:nvSpPr>
+        <p:spPr>
+          <a:xfrm>
+            <a:off x="3884613" y="0"/>
+            <a:ext cx="2971800" cy="458788"/>
+          </a:xfrm>
+          <a:prstGeom prst="rect">
+            <a:avLst/>
+          </a:prstGeom>
+        </p:spPr>
+        <p:txBody>
+          <a:bodyPr vert="horz" lIns="91440" tIns="45720" rIns="91440" bIns="45720" rtlCol="0"/>
+          <a:lstStyle>
+            <a:lvl1pPr algn="r">
+              <a:defRPr sz="1200"/>
+            </a:lvl1pPr>
+          </a:lstStyle>
+          <a:p>
+            <a:fld id="{C186884D-CF9C-498C-8F09-CC25657E25A2}" type="datetimeFigureOut">
+              <a:rPr lang="de-DE" smtClean="0"/>
+              <a:t>20.06.2018</a:t>
+            </a:fld>
+            <a:endParaRPr lang="de-DE"/>
+          </a:p>
+        </p:txBody>
+      </p:sp>
+      <p:sp>
+        <p:nvSpPr>
+          <p:cNvPr id="4" name="Folienbildplatzhalter 3"/>
+          <p:cNvSpPr>
+            <a:spLocks noGrp="1" noRot="1" noChangeAspect="1"/>
+          </p:cNvSpPr>
+          <p:nvPr>
+            <p:ph type="sldImg" idx="2"/>
+          </p:nvPr>
+        </p:nvSpPr>
+        <p:spPr>
+          <a:xfrm>
+            <a:off x="685800" y="1143000"/>
+            <a:ext cx="5486400" cy="3086100"/>
+          </a:xfrm>
+          <a:prstGeom prst="rect">
+            <a:avLst/>
+          </a:prstGeom>
+          <a:noFill/>
+          <a:ln w="12700">
+            <a:solidFill>
+              <a:prstClr val="black"/>
+            </a:solidFill>
+          </a:ln>
+        </p:spPr>
+        <p:txBody>
+          <a:bodyPr vert="horz" lIns="91440" tIns="45720" rIns="91440" bIns="45720" rtlCol="0" anchor="ctr"/>
+          <a:lstStyle/>
+          <a:p>
+            <a:endParaRPr lang="de-DE"/>
+          </a:p>
+        </p:txBody>
+      </p:sp>
+      <p:sp>
+        <p:nvSpPr>
+          <p:cNvPr id="5" name="Notizenplatzhalter 4"/>
+          <p:cNvSpPr>
+            <a:spLocks noGrp="1"/>
+          </p:cNvSpPr>
+          <p:nvPr>
+            <p:ph type="body" sz="quarter" idx="3"/>
+          </p:nvPr>
+        </p:nvSpPr>
+        <p:spPr>
+          <a:xfrm>
+            <a:off x="685800" y="4400550"/>
+            <a:ext cx="5486400" cy="3600450"/>
+          </a:xfrm>
+          <a:prstGeom prst="rect">
+            <a:avLst/>
+          </a:prstGeom>
+        </p:spPr>
+        <p:txBody>
+          <a:bodyPr vert="horz" lIns="91440" tIns="45720" rIns="91440" bIns="45720" rtlCol="0"/>
+          <a:lstStyle/>
+          <a:p>
+            <a:pPr lvl="0"/>
+            <a:r>
+              <a:rPr lang="de-DE"/>
+              <a:t>Mastertextformat bearbeiten</a:t>
+            </a:r>
+          </a:p>
+          <a:p>
+            <a:pPr lvl="1"/>
+            <a:r>
+              <a:rPr lang="de-DE"/>
+              <a:t>Zweite Ebene</a:t>
+            </a:r>
+          </a:p>
+          <a:p>
+            <a:pPr lvl="2"/>
+            <a:r>
+              <a:rPr lang="de-DE"/>
+              <a:t>Dritte Ebene</a:t>
+            </a:r>
+          </a:p>
+          <a:p>
+            <a:pPr lvl="3"/>
+            <a:r>
+              <a:rPr lang="de-DE"/>
+              <a:t>Vierte Ebene</a:t>
+            </a:r>
+          </a:p>
+          <a:p>
+            <a:pPr lvl="4"/>
+            <a:r>
+              <a:rPr lang="de-DE"/>
+              <a:t>Fünfte Ebene</a:t>
+            </a:r>
+          </a:p>
+        </p:txBody>
+      </p:sp>
+      <p:sp>
+        <p:nvSpPr>
+          <p:cNvPr id="6" name="Fußzeilenplatzhalter 5"/>
+          <p:cNvSpPr>
+            <a:spLocks noGrp="1"/>
+          </p:cNvSpPr>
+          <p:nvPr>
+            <p:ph type="ftr" sz="quarter" idx="4"/>
+          </p:nvPr>
+        </p:nvSpPr>
+        <p:spPr>
+          <a:xfrm>
+            <a:off x="0" y="8685213"/>
+            <a:ext cx="2971800" cy="458787"/>
+          </a:xfrm>
+          <a:prstGeom prst="rect">
+            <a:avLst/>
+          </a:prstGeom>
+        </p:spPr>
+        <p:txBody>
+          <a:bodyPr vert="horz" lIns="91440" tIns="45720" rIns="91440" bIns="45720" rtlCol="0" anchor="b"/>
+          <a:lstStyle>
+            <a:lvl1pPr algn="l">
+              <a:defRPr sz="1200"/>
+            </a:lvl1pPr>
+          </a:lstStyle>
+          <a:p>
+            <a:endParaRPr lang="de-DE"/>
+          </a:p>
+        </p:txBody>
+      </p:sp>
+      <p:sp>
+        <p:nvSpPr>
+          <p:cNvPr id="7" name="Foliennummernplatzhalter 6"/>
+          <p:cNvSpPr>
+            <a:spLocks noGrp="1"/>
+          </p:cNvSpPr>
+          <p:nvPr>
+            <p:ph type="sldNum" sz="quarter" idx="5"/>
+          </p:nvPr>
+        </p:nvSpPr>
+        <p:spPr>
+          <a:xfrm>
+            <a:off x="3884613" y="8685213"/>
+            <a:ext cx="2971800" cy="458787"/>
+          </a:xfrm>
+          <a:prstGeom prst="rect">
+            <a:avLst/>
+          </a:prstGeom>
+        </p:spPr>
+        <p:txBody>
+          <a:bodyPr vert="horz" lIns="91440" tIns="45720" rIns="91440" bIns="45720" rtlCol="0" anchor="b"/>
+          <a:lstStyle>
+            <a:lvl1pPr algn="r">
+              <a:defRPr sz="1200"/>
+            </a:lvl1pPr>
+          </a:lstStyle>
+          <a:p>
+            <a:fld id="{8E2B2159-553F-44D2-A7EA-4585E9EF0B5F}" type="slidenum">
+              <a:rPr lang="de-DE" smtClean="0"/>
+              <a:t>‹Nr.›</a:t>
+            </a:fld>
+            <a:endParaRPr lang="de-DE"/>
+          </a:p>
+        </p:txBody>
+      </p:sp>
+    </p:spTree>
+    <p:extLst>
+      <p:ext uri="{BB962C8B-B14F-4D97-AF65-F5344CB8AC3E}">
+        <p14:creationId xmlns:p14="http://schemas.microsoft.com/office/powerpoint/2010/main" val="1125757813"/>
+      </p:ext>
+    </p:extLst>
+  </p:cSld>
+  <p:clrMap bg1="lt1" tx1="dk1" bg2="lt2" tx2="dk2" accent1="accent1" accent2="accent2" accent3="accent3" accent4="accent4" accent5="accent5" accent6="accent6" hlink="hlink" folHlink="folHlink"/>
+  <p:notesStyle>
+    <a:lvl1pPr marL="0" algn="l" defTabSz="914400" rtl="0" eaLnBrk="1" latinLnBrk="0" hangingPunct="1">
+      <a:defRPr sz="1200" kern="1200">
+        <a:solidFill>
+          <a:schemeClr val="tx1"/>
+        </a:solidFill>
+        <a:latin typeface="+mn-lt"/>
+        <a:ea typeface="+mn-ea"/>
+        <a:cs typeface="+mn-cs"/>
+      </a:defRPr>
+    </a:lvl1pPr>
+    <a:lvl2pPr marL="457200" algn="l" defTabSz="914400" rtl="0" eaLnBrk="1" latinLnBrk="0" hangingPunct="1">
+      <a:defRPr sz="1200" kern="1200">
+        <a:solidFill>
+          <a:schemeClr val="tx1"/>
+        </a:solidFill>
+        <a:latin typeface="+mn-lt"/>
+        <a:ea typeface="+mn-ea"/>
+        <a:cs typeface="+mn-cs"/>
+      </a:defRPr>
+    </a:lvl2pPr>
+    <a:lvl3pPr marL="914400" algn="l" defTabSz="914400" rtl="0" eaLnBrk="1" latinLnBrk="0" hangingPunct="1">
+      <a:defRPr sz="1200" kern="1200">
+        <a:solidFill>
+          <a:schemeClr val="tx1"/>
+        </a:solidFill>
+        <a:latin typeface="+mn-lt"/>
+        <a:ea typeface="+mn-ea"/>
+        <a:cs typeface="+mn-cs"/>
+      </a:defRPr>
+    </a:lvl3pPr>
+    <a:lvl4pPr marL="1371600" algn="l" defTabSz="914400" rtl="0" eaLnBrk="1" latinLnBrk="0" hangingPunct="1">
+      <a:defRPr sz="1200" kern="1200">
+        <a:solidFill>
+          <a:schemeClr val="tx1"/>
+        </a:solidFill>
+        <a:latin typeface="+mn-lt"/>
+        <a:ea typeface="+mn-ea"/>
+        <a:cs typeface="+mn-cs"/>
+      </a:defRPr>
+    </a:lvl4pPr>
+    <a:lvl5pPr marL="1828800" algn="l" defTabSz="914400" rtl="0" eaLnBrk="1" latinLnBrk="0" hangingPunct="1">
+      <a:defRPr sz="1200" kern="1200">
+        <a:solidFill>
+          <a:schemeClr val="tx1"/>
+        </a:solidFill>
+        <a:latin typeface="+mn-lt"/>
+        <a:ea typeface="+mn-ea"/>
+        <a:cs typeface="+mn-cs"/>
+      </a:defRPr>
+    </a:lvl5pPr>
+    <a:lvl6pPr marL="2286000" algn="l" defTabSz="914400" rtl="0" eaLnBrk="1" latinLnBrk="0" hangingPunct="1">
+      <a:defRPr sz="1200" kern="1200">
+        <a:solidFill>
+          <a:schemeClr val="tx1"/>
+        </a:solidFill>
+        <a:latin typeface="+mn-lt"/>
+        <a:ea typeface="+mn-ea"/>
+        <a:cs typeface="+mn-cs"/>
+      </a:defRPr>
+    </a:lvl6pPr>
+    <a:lvl7pPr marL="2743200" algn="l" defTabSz="914400" rtl="0" eaLnBrk="1" latinLnBrk="0" hangingPunct="1">
+      <a:defRPr sz="1200" kern="1200">
+        <a:solidFill>
+          <a:schemeClr val="tx1"/>
+        </a:solidFill>
+        <a:latin typeface="+mn-lt"/>
+        <a:ea typeface="+mn-ea"/>
+        <a:cs typeface="+mn-cs"/>
+      </a:defRPr>
+    </a:lvl7pPr>
+    <a:lvl8pPr marL="3200400" algn="l" defTabSz="914400" rtl="0" eaLnBrk="1" latinLnBrk="0" hangingPunct="1">
+      <a:defRPr sz="1200" kern="1200">
+        <a:solidFill>
+          <a:schemeClr val="tx1"/>
+        </a:solidFill>
+        <a:latin typeface="+mn-lt"/>
+        <a:ea typeface="+mn-ea"/>
+        <a:cs typeface="+mn-cs"/>
+      </a:defRPr>
+    </a:lvl8pPr>
+    <a:lvl9pPr marL="3657600" algn="l" defTabSz="914400" rtl="0" eaLnBrk="1" latinLnBrk="0" hangingPunct="1">
+      <a:defRPr sz="1200" kern="1200">
+        <a:solidFill>
+          <a:schemeClr val="tx1"/>
+        </a:solidFill>
+        <a:latin typeface="+mn-lt"/>
+        <a:ea typeface="+mn-ea"/>
+        <a:cs typeface="+mn-cs"/>
+      </a:defRPr>
+    </a:lvl9pPr>
+  </p:notesStyle>
+</p:notesMaster>
+</file>
+
+<file path=ppt/notesSlides/notesSlide1.xml><?xml version="1.0" encoding="utf-8"?>
+<p:notes xmlns:a="http://schemas.openxmlformats.org/drawingml/2006/main" xmlns:r="http://schemas.openxmlformats.org/officeDocument/2006/relationships" xmlns:p="http://schemas.openxmlformats.org/presentationml/2006/main">
+  <p:cSld>
+    <p:spTree>
+      <p:nvGrpSpPr>
+        <p:cNvPr id="1" name=""/>
+        <p:cNvGrpSpPr/>
+        <p:nvPr/>
+      </p:nvGrpSpPr>
+      <p:grpSpPr>
+        <a:xfrm>
+          <a:off x="0" y="0"/>
+          <a:ext cx="0" cy="0"/>
+          <a:chOff x="0" y="0"/>
+          <a:chExt cx="0" cy="0"/>
+        </a:xfrm>
+      </p:grpSpPr>
+      <p:sp>
+        <p:nvSpPr>
+          <p:cNvPr id="2" name="Folienbildplatzhalter 1"/>
+          <p:cNvSpPr>
+            <a:spLocks noGrp="1" noRot="1" noChangeAspect="1"/>
+          </p:cNvSpPr>
+          <p:nvPr>
+            <p:ph type="sldImg"/>
+          </p:nvPr>
+        </p:nvSpPr>
+        <p:spPr/>
+      </p:sp>
+      <p:sp>
+        <p:nvSpPr>
+          <p:cNvPr id="3" name="Notizenplatzhalter 2"/>
+          <p:cNvSpPr>
+            <a:spLocks noGrp="1"/>
+          </p:cNvSpPr>
+          <p:nvPr>
+            <p:ph type="body" idx="1"/>
+          </p:nvPr>
+        </p:nvSpPr>
+        <p:spPr/>
+        <p:txBody>
+          <a:bodyPr/>
+          <a:lstStyle/>
+          <a:p>
+            <a:r>
+              <a:rPr lang="de-DE" dirty="0"/>
+              <a:t>Je Knoten MAX Wert mitführen und bei 1 Vergleich jeweils und wenn neues Maximum, dann MAX Wert erneuern. Eventuell interessante Information und Verknüpfung zu </a:t>
+            </a:r>
+            <a:r>
+              <a:rPr lang="de-DE" dirty="0" err="1"/>
+              <a:t>Sune</a:t>
+            </a:r>
+            <a:r>
+              <a:rPr lang="de-DE" dirty="0"/>
+              <a:t> Lehman denkbar. </a:t>
+            </a:r>
+          </a:p>
+        </p:txBody>
+      </p:sp>
+      <p:sp>
+        <p:nvSpPr>
+          <p:cNvPr id="4" name="Foliennummernplatzhalter 3"/>
+          <p:cNvSpPr>
+            <a:spLocks noGrp="1"/>
+          </p:cNvSpPr>
+          <p:nvPr>
+            <p:ph type="sldNum" sz="quarter" idx="10"/>
+          </p:nvPr>
+        </p:nvSpPr>
+        <p:spPr/>
+        <p:txBody>
+          <a:bodyPr/>
+          <a:lstStyle/>
+          <a:p>
+            <a:fld id="{8E2B2159-553F-44D2-A7EA-4585E9EF0B5F}" type="slidenum">
+              <a:rPr lang="de-DE" smtClean="0"/>
+              <a:t>14</a:t>
+            </a:fld>
+            <a:endParaRPr lang="de-DE"/>
+          </a:p>
+        </p:txBody>
+      </p:sp>
+    </p:spTree>
+    <p:extLst>
+      <p:ext uri="{BB962C8B-B14F-4D97-AF65-F5344CB8AC3E}">
+        <p14:creationId xmlns:p14="http://schemas.microsoft.com/office/powerpoint/2010/main" val="3825179516"/>
+      </p:ext>
+    </p:extLst>
+  </p:cSld>
+  <p:clrMapOvr>
+    <a:masterClrMapping/>
+  </p:clrMapOvr>
+</p:notes>
+</file>
+
+<file path=ppt/notesSlides/notesSlide2.xml><?xml version="1.0" encoding="utf-8"?>
+<p:notes xmlns:a="http://schemas.openxmlformats.org/drawingml/2006/main" xmlns:r="http://schemas.openxmlformats.org/officeDocument/2006/relationships" xmlns:p="http://schemas.openxmlformats.org/presentationml/2006/main">
+  <p:cSld>
+    <p:spTree>
+      <p:nvGrpSpPr>
+        <p:cNvPr id="1" name=""/>
+        <p:cNvGrpSpPr/>
+        <p:nvPr/>
+      </p:nvGrpSpPr>
+      <p:grpSpPr>
+        <a:xfrm>
+          <a:off x="0" y="0"/>
+          <a:ext cx="0" cy="0"/>
+          <a:chOff x="0" y="0"/>
+          <a:chExt cx="0" cy="0"/>
+        </a:xfrm>
+      </p:grpSpPr>
+      <p:sp>
+        <p:nvSpPr>
+          <p:cNvPr id="2" name="Folienbildplatzhalter 1"/>
+          <p:cNvSpPr>
+            <a:spLocks noGrp="1" noRot="1" noChangeAspect="1"/>
+          </p:cNvSpPr>
+          <p:nvPr>
+            <p:ph type="sldImg"/>
+          </p:nvPr>
+        </p:nvSpPr>
+        <p:spPr/>
+      </p:sp>
+      <p:sp>
+        <p:nvSpPr>
+          <p:cNvPr id="3" name="Notizenplatzhalter 2"/>
+          <p:cNvSpPr>
+            <a:spLocks noGrp="1"/>
+          </p:cNvSpPr>
+          <p:nvPr>
+            <p:ph type="body" idx="1"/>
+          </p:nvPr>
+        </p:nvSpPr>
+        <p:spPr/>
+        <p:txBody>
+          <a:bodyPr/>
+          <a:lstStyle/>
+          <a:p>
+            <a:endParaRPr lang="de-DE" dirty="0"/>
+          </a:p>
+        </p:txBody>
+      </p:sp>
+      <p:sp>
+        <p:nvSpPr>
+          <p:cNvPr id="4" name="Foliennummernplatzhalter 3"/>
+          <p:cNvSpPr>
+            <a:spLocks noGrp="1"/>
+          </p:cNvSpPr>
+          <p:nvPr>
+            <p:ph type="sldNum" sz="quarter" idx="10"/>
+          </p:nvPr>
+        </p:nvSpPr>
+        <p:spPr/>
+        <p:txBody>
+          <a:bodyPr/>
+          <a:lstStyle/>
+          <a:p>
+            <a:fld id="{8E2B2159-553F-44D2-A7EA-4585E9EF0B5F}" type="slidenum">
+              <a:rPr lang="de-DE" smtClean="0"/>
+              <a:t>18</a:t>
+            </a:fld>
+            <a:endParaRPr lang="de-DE"/>
+          </a:p>
+        </p:txBody>
+      </p:sp>
+    </p:spTree>
+    <p:extLst>
+      <p:ext uri="{BB962C8B-B14F-4D97-AF65-F5344CB8AC3E}">
+        <p14:creationId xmlns:p14="http://schemas.microsoft.com/office/powerpoint/2010/main" val="3396188048"/>
+      </p:ext>
+    </p:extLst>
+  </p:cSld>
+  <p:clrMapOvr>
+    <a:masterClrMapping/>
+  </p:clrMapOvr>
+</p:notes>
+</file>
+
 <file path=ppt/slideLayouts/slideLayout1.xml><?xml version="1.0" encoding="utf-8"?>
 <p:sldLayout xmlns:a="http://schemas.openxmlformats.org/drawingml/2006/main" xmlns:r="http://schemas.openxmlformats.org/officeDocument/2006/relationships" xmlns:p="http://schemas.openxmlformats.org/presentationml/2006/main" type="title" preserve="1">
   <p:cSld name="Titelfolie">
@@ -269,7 +809,7 @@
           <a:p>
             <a:fld id="{AB6B1791-49E8-42BA-A706-CD3267C31A09}" type="datetimeFigureOut">
               <a:rPr lang="de-DE" smtClean="0"/>
-              <a:t>04.06.2018</a:t>
+              <a:t>18.06.2018</a:t>
             </a:fld>
             <a:endParaRPr lang="de-DE"/>
           </a:p>
@@ -467,7 +1007,7 @@
           <a:p>
             <a:fld id="{AB6B1791-49E8-42BA-A706-CD3267C31A09}" type="datetimeFigureOut">
               <a:rPr lang="de-DE" smtClean="0"/>
-              <a:t>04.06.2018</a:t>
+              <a:t>18.06.2018</a:t>
             </a:fld>
             <a:endParaRPr lang="de-DE"/>
           </a:p>
@@ -675,7 +1215,7 @@
           <a:p>
             <a:fld id="{AB6B1791-49E8-42BA-A706-CD3267C31A09}" type="datetimeFigureOut">
               <a:rPr lang="de-DE" smtClean="0"/>
-              <a:t>04.06.2018</a:t>
+              <a:t>18.06.2018</a:t>
             </a:fld>
             <a:endParaRPr lang="de-DE"/>
           </a:p>
@@ -873,7 +1413,7 @@
           <a:p>
             <a:fld id="{AB6B1791-49E8-42BA-A706-CD3267C31A09}" type="datetimeFigureOut">
               <a:rPr lang="de-DE" smtClean="0"/>
-              <a:t>04.06.2018</a:t>
+              <a:t>18.06.2018</a:t>
             </a:fld>
             <a:endParaRPr lang="de-DE"/>
           </a:p>
@@ -1148,7 +1688,7 @@
           <a:p>
             <a:fld id="{AB6B1791-49E8-42BA-A706-CD3267C31A09}" type="datetimeFigureOut">
               <a:rPr lang="de-DE" smtClean="0"/>
-              <a:t>04.06.2018</a:t>
+              <a:t>18.06.2018</a:t>
             </a:fld>
             <a:endParaRPr lang="de-DE"/>
           </a:p>
@@ -1413,7 +1953,7 @@
           <a:p>
             <a:fld id="{AB6B1791-49E8-42BA-A706-CD3267C31A09}" type="datetimeFigureOut">
               <a:rPr lang="de-DE" smtClean="0"/>
-              <a:t>04.06.2018</a:t>
+              <a:t>18.06.2018</a:t>
             </a:fld>
             <a:endParaRPr lang="de-DE"/>
           </a:p>
@@ -1825,7 +2365,7 @@
           <a:p>
             <a:fld id="{AB6B1791-49E8-42BA-A706-CD3267C31A09}" type="datetimeFigureOut">
               <a:rPr lang="de-DE" smtClean="0"/>
-              <a:t>04.06.2018</a:t>
+              <a:t>18.06.2018</a:t>
             </a:fld>
             <a:endParaRPr lang="de-DE"/>
           </a:p>
@@ -1966,7 +2506,7 @@
           <a:p>
             <a:fld id="{AB6B1791-49E8-42BA-A706-CD3267C31A09}" type="datetimeFigureOut">
               <a:rPr lang="de-DE" smtClean="0"/>
-              <a:t>04.06.2018</a:t>
+              <a:t>18.06.2018</a:t>
             </a:fld>
             <a:endParaRPr lang="de-DE"/>
           </a:p>
@@ -2079,7 +2619,7 @@
           <a:p>
             <a:fld id="{AB6B1791-49E8-42BA-A706-CD3267C31A09}" type="datetimeFigureOut">
               <a:rPr lang="de-DE" smtClean="0"/>
-              <a:t>04.06.2018</a:t>
+              <a:t>18.06.2018</a:t>
             </a:fld>
             <a:endParaRPr lang="de-DE"/>
           </a:p>
@@ -2390,7 +2930,7 @@
           <a:p>
             <a:fld id="{AB6B1791-49E8-42BA-A706-CD3267C31A09}" type="datetimeFigureOut">
               <a:rPr lang="de-DE" smtClean="0"/>
-              <a:t>04.06.2018</a:t>
+              <a:t>18.06.2018</a:t>
             </a:fld>
             <a:endParaRPr lang="de-DE"/>
           </a:p>
@@ -2678,7 +3218,7 @@
           <a:p>
             <a:fld id="{AB6B1791-49E8-42BA-A706-CD3267C31A09}" type="datetimeFigureOut">
               <a:rPr lang="de-DE" smtClean="0"/>
-              <a:t>04.06.2018</a:t>
+              <a:t>18.06.2018</a:t>
             </a:fld>
             <a:endParaRPr lang="de-DE"/>
           </a:p>
@@ -2919,7 +3459,7 @@
           <a:p>
             <a:fld id="{AB6B1791-49E8-42BA-A706-CD3267C31A09}" type="datetimeFigureOut">
               <a:rPr lang="de-DE" smtClean="0"/>
-              <a:t>04.06.2018</a:t>
+              <a:t>18.06.2018</a:t>
             </a:fld>
             <a:endParaRPr lang="de-DE"/>
           </a:p>
@@ -3522,6 +4062,1381 @@
       </p:grpSpPr>
       <p:sp>
         <p:nvSpPr>
+          <p:cNvPr id="2" name="Titel 1">
+            <a:extLst>
+              <a:ext uri="{FF2B5EF4-FFF2-40B4-BE49-F238E27FC236}">
+                <a16:creationId xmlns:a16="http://schemas.microsoft.com/office/drawing/2014/main" id="{1C440A56-41C2-4DDD-856B-E3D546F0D3CA}"/>
+              </a:ext>
+            </a:extLst>
+          </p:cNvPr>
+          <p:cNvSpPr>
+            <a:spLocks noGrp="1"/>
+          </p:cNvSpPr>
+          <p:nvPr>
+            <p:ph type="title"/>
+          </p:nvPr>
+        </p:nvSpPr>
+        <p:spPr/>
+        <p:txBody>
+          <a:bodyPr/>
+          <a:lstStyle/>
+          <a:p>
+            <a:r>
+              <a:rPr lang="de-DE" dirty="0"/>
+              <a:t>Temporaler Graph nach [2]</a:t>
+            </a:r>
+          </a:p>
+        </p:txBody>
+      </p:sp>
+      <p:sp>
+        <p:nvSpPr>
+          <p:cNvPr id="3" name="Inhaltsplatzhalter 2">
+            <a:extLst>
+              <a:ext uri="{FF2B5EF4-FFF2-40B4-BE49-F238E27FC236}">
+                <a16:creationId xmlns:a16="http://schemas.microsoft.com/office/drawing/2014/main" id="{EAE5D7CF-FCAE-40C4-BEC3-D213D60C8599}"/>
+              </a:ext>
+            </a:extLst>
+          </p:cNvPr>
+          <p:cNvSpPr>
+            <a:spLocks noGrp="1"/>
+          </p:cNvSpPr>
+          <p:nvPr>
+            <p:ph idx="1"/>
+          </p:nvPr>
+        </p:nvSpPr>
+        <p:spPr/>
+        <p:txBody>
+          <a:bodyPr>
+            <a:normAutofit lnSpcReduction="10000"/>
+          </a:bodyPr>
+          <a:lstStyle/>
+          <a:p>
+            <a:r>
+              <a:rPr lang="de-DE" dirty="0"/>
+              <a:t>Graph G = (V,E)</a:t>
+            </a:r>
+          </a:p>
+          <a:p>
+            <a:r>
+              <a:rPr lang="de-DE" dirty="0"/>
+              <a:t>Knoten v = (</a:t>
+            </a:r>
+            <a:r>
+              <a:rPr lang="de-DE" dirty="0" err="1"/>
+              <a:t>id</a:t>
+            </a:r>
+            <a:r>
+              <a:rPr lang="de-DE" dirty="0"/>
+              <a:t>, P, </a:t>
+            </a:r>
+            <a:r>
+              <a:rPr lang="de-DE" dirty="0" err="1"/>
+              <a:t>DynP</a:t>
+            </a:r>
+            <a:r>
+              <a:rPr lang="de-DE" dirty="0"/>
+              <a:t>) ∈ V</a:t>
+            </a:r>
+          </a:p>
+          <a:p>
+            <a:pPr lvl="1"/>
+            <a:r>
+              <a:rPr lang="de-DE" dirty="0"/>
+              <a:t>P ist ein Set von statischen Properties (unveränderlich)</a:t>
+            </a:r>
+          </a:p>
+          <a:p>
+            <a:pPr lvl="1"/>
+            <a:r>
+              <a:rPr lang="de-DE" dirty="0" err="1"/>
+              <a:t>DynP</a:t>
+            </a:r>
+            <a:r>
+              <a:rPr lang="de-DE" dirty="0"/>
+              <a:t> ist ein Set von dynamischen </a:t>
+            </a:r>
+            <a:r>
+              <a:rPr lang="de-DE" dirty="0" err="1"/>
+              <a:t>Proporties</a:t>
+            </a:r>
+            <a:endParaRPr lang="de-DE" dirty="0"/>
+          </a:p>
+          <a:p>
+            <a:pPr lvl="2"/>
+            <a:r>
+              <a:rPr lang="de-DE" dirty="0" err="1"/>
+              <a:t>dp</a:t>
+            </a:r>
+            <a:r>
+              <a:rPr lang="de-DE" dirty="0"/>
+              <a:t> = (</a:t>
+            </a:r>
+            <a:r>
+              <a:rPr lang="de-DE" dirty="0" err="1"/>
+              <a:t>name</a:t>
+            </a:r>
+            <a:r>
+              <a:rPr lang="de-DE" dirty="0"/>
+              <a:t>, </a:t>
+            </a:r>
+            <a:r>
+              <a:rPr lang="de-DE" dirty="0" err="1"/>
+              <a:t>vlist</a:t>
+            </a:r>
+            <a:r>
+              <a:rPr lang="de-DE" dirty="0"/>
+              <a:t>) ∈ </a:t>
+            </a:r>
+            <a:r>
+              <a:rPr lang="de-DE" dirty="0" err="1"/>
+              <a:t>DynP</a:t>
+            </a:r>
+            <a:r>
+              <a:rPr lang="de-DE" dirty="0"/>
+              <a:t>, mit </a:t>
+            </a:r>
+            <a:r>
+              <a:rPr lang="de-DE" dirty="0" err="1"/>
+              <a:t>vlist</a:t>
+            </a:r>
+            <a:r>
+              <a:rPr lang="de-DE" dirty="0"/>
+              <a:t> als Liste von (t, </a:t>
+            </a:r>
+            <a:r>
+              <a:rPr lang="de-DE" dirty="0" err="1"/>
+              <a:t>value</a:t>
+            </a:r>
+            <a:r>
+              <a:rPr lang="de-DE" dirty="0"/>
+              <a:t>), wobei t bedeutet, dass ab Zeitpunkt t der entsprechende Wert gültig ist. Bei Liste mit (t1, value1), (t2, value2), …, (</a:t>
+            </a:r>
+            <a:r>
+              <a:rPr lang="de-DE" dirty="0" err="1"/>
+              <a:t>tn</a:t>
+            </a:r>
+            <a:r>
+              <a:rPr lang="de-DE" dirty="0"/>
+              <a:t>, </a:t>
+            </a:r>
+            <a:r>
+              <a:rPr lang="de-DE" dirty="0" err="1"/>
+              <a:t>value</a:t>
+            </a:r>
+            <a:r>
+              <a:rPr lang="de-DE" dirty="0"/>
+              <a:t> n) gilt t1 &lt; t2 … &lt; </a:t>
+            </a:r>
+            <a:r>
+              <a:rPr lang="de-DE" dirty="0" err="1"/>
+              <a:t>tn</a:t>
+            </a:r>
+            <a:r>
+              <a:rPr lang="de-DE" dirty="0"/>
+              <a:t> . D.h. </a:t>
+            </a:r>
+            <a:r>
+              <a:rPr lang="de-DE" dirty="0" err="1"/>
+              <a:t>tn</a:t>
+            </a:r>
+            <a:r>
+              <a:rPr lang="de-DE" dirty="0"/>
+              <a:t> ist stets der aktuelle Wert.</a:t>
+            </a:r>
+          </a:p>
+          <a:p>
+            <a:pPr lvl="2"/>
+            <a:endParaRPr lang="de-DE" dirty="0"/>
+          </a:p>
+          <a:p>
+            <a:r>
+              <a:rPr lang="de-DE" dirty="0"/>
+              <a:t>Kante e = (</a:t>
+            </a:r>
+            <a:r>
+              <a:rPr lang="de-DE" dirty="0" err="1"/>
+              <a:t>id</a:t>
+            </a:r>
+            <a:r>
+              <a:rPr lang="de-DE" dirty="0"/>
+              <a:t>, </a:t>
+            </a:r>
+            <a:r>
+              <a:rPr lang="de-DE" dirty="0" err="1"/>
+              <a:t>vs</a:t>
+            </a:r>
+            <a:r>
+              <a:rPr lang="de-DE" dirty="0"/>
+              <a:t>, </a:t>
+            </a:r>
+            <a:r>
+              <a:rPr lang="de-DE" dirty="0" err="1"/>
+              <a:t>ve</a:t>
+            </a:r>
+            <a:r>
+              <a:rPr lang="de-DE" dirty="0"/>
+              <a:t>, </a:t>
+            </a:r>
+            <a:r>
+              <a:rPr lang="de-DE" dirty="0" err="1"/>
+              <a:t>ty</a:t>
+            </a:r>
+            <a:r>
+              <a:rPr lang="de-DE" dirty="0"/>
+              <a:t>, P, </a:t>
+            </a:r>
+            <a:r>
+              <a:rPr lang="de-DE" dirty="0" err="1"/>
+              <a:t>DynP</a:t>
+            </a:r>
+            <a:r>
+              <a:rPr lang="de-DE" dirty="0"/>
+              <a:t>) ∈ E</a:t>
+            </a:r>
+          </a:p>
+          <a:p>
+            <a:pPr lvl="1"/>
+            <a:r>
+              <a:rPr lang="de-DE" dirty="0"/>
+              <a:t>Vs und </a:t>
+            </a:r>
+            <a:r>
+              <a:rPr lang="de-DE" dirty="0" err="1"/>
+              <a:t>ve</a:t>
+            </a:r>
+            <a:r>
+              <a:rPr lang="de-DE" dirty="0"/>
+              <a:t> </a:t>
+            </a:r>
+            <a:r>
+              <a:rPr lang="de-DE" dirty="0" err="1"/>
+              <a:t>start</a:t>
+            </a:r>
+            <a:r>
+              <a:rPr lang="de-DE" dirty="0"/>
+              <a:t> und end Knoten, </a:t>
+            </a:r>
+            <a:r>
+              <a:rPr lang="de-DE" dirty="0" err="1"/>
+              <a:t>ty</a:t>
+            </a:r>
+            <a:r>
+              <a:rPr lang="de-DE" dirty="0"/>
+              <a:t> Typ der Kante, P und </a:t>
+            </a:r>
+            <a:r>
+              <a:rPr lang="de-DE" dirty="0" err="1"/>
+              <a:t>DynP</a:t>
+            </a:r>
+            <a:r>
+              <a:rPr lang="de-DE" dirty="0"/>
+              <a:t> wie bei Knoten (dynamische Property z.B. „</a:t>
+            </a:r>
+            <a:r>
+              <a:rPr lang="de-DE" dirty="0" err="1"/>
+              <a:t>isValid</a:t>
+            </a:r>
+            <a:r>
+              <a:rPr lang="de-DE" dirty="0"/>
+              <a:t>“ mit </a:t>
+            </a:r>
+            <a:r>
+              <a:rPr lang="de-DE" dirty="0" err="1"/>
+              <a:t>true</a:t>
+            </a:r>
+            <a:r>
+              <a:rPr lang="de-DE" dirty="0"/>
+              <a:t> und </a:t>
+            </a:r>
+            <a:r>
+              <a:rPr lang="de-DE" dirty="0" err="1"/>
+              <a:t>false</a:t>
+            </a:r>
+            <a:r>
+              <a:rPr lang="de-DE" dirty="0"/>
+              <a:t> je Zeitpunkt t einbauen, um auch zu einem Zeitpunkt nicht existierende Kante realisieren zu können</a:t>
+            </a:r>
+          </a:p>
+          <a:p>
+            <a:pPr marL="914400" lvl="2" indent="0">
+              <a:buNone/>
+            </a:pPr>
+            <a:endParaRPr lang="de-DE" dirty="0"/>
+          </a:p>
+          <a:p>
+            <a:pPr lvl="1"/>
+            <a:endParaRPr lang="de-DE" dirty="0"/>
+          </a:p>
+        </p:txBody>
+      </p:sp>
+    </p:spTree>
+    <p:extLst>
+      <p:ext uri="{BB962C8B-B14F-4D97-AF65-F5344CB8AC3E}">
+        <p14:creationId xmlns:p14="http://schemas.microsoft.com/office/powerpoint/2010/main" val="3374740356"/>
+      </p:ext>
+    </p:extLst>
+  </p:cSld>
+  <p:clrMapOvr>
+    <a:masterClrMapping/>
+  </p:clrMapOvr>
+</p:sld>
+</file>
+
+<file path=ppt/slides/slide12.xml><?xml version="1.0" encoding="utf-8"?>
+<p:sld xmlns:a="http://schemas.openxmlformats.org/drawingml/2006/main" xmlns:r="http://schemas.openxmlformats.org/officeDocument/2006/relationships" xmlns:p="http://schemas.openxmlformats.org/presentationml/2006/main">
+  <p:cSld>
+    <p:spTree>
+      <p:nvGrpSpPr>
+        <p:cNvPr id="1" name=""/>
+        <p:cNvGrpSpPr/>
+        <p:nvPr/>
+      </p:nvGrpSpPr>
+      <p:grpSpPr>
+        <a:xfrm>
+          <a:off x="0" y="0"/>
+          <a:ext cx="0" cy="0"/>
+          <a:chOff x="0" y="0"/>
+          <a:chExt cx="0" cy="0"/>
+        </a:xfrm>
+      </p:grpSpPr>
+      <p:sp>
+        <p:nvSpPr>
+          <p:cNvPr id="2" name="Titel 1">
+            <a:extLst>
+              <a:ext uri="{FF2B5EF4-FFF2-40B4-BE49-F238E27FC236}">
+                <a16:creationId xmlns:a16="http://schemas.microsoft.com/office/drawing/2014/main" id="{D736BC27-AE58-40CA-B63E-755AD3EE22C4}"/>
+              </a:ext>
+            </a:extLst>
+          </p:cNvPr>
+          <p:cNvSpPr>
+            <a:spLocks noGrp="1"/>
+          </p:cNvSpPr>
+          <p:nvPr>
+            <p:ph type="title"/>
+          </p:nvPr>
+        </p:nvSpPr>
+        <p:spPr/>
+        <p:txBody>
+          <a:bodyPr/>
+          <a:lstStyle/>
+          <a:p>
+            <a:r>
+              <a:rPr lang="de-DE" dirty="0"/>
+              <a:t>Bestandteile Graph (1)</a:t>
+            </a:r>
+          </a:p>
+        </p:txBody>
+      </p:sp>
+      <p:sp>
+        <p:nvSpPr>
+          <p:cNvPr id="3" name="Inhaltsplatzhalter 2">
+            <a:extLst>
+              <a:ext uri="{FF2B5EF4-FFF2-40B4-BE49-F238E27FC236}">
+                <a16:creationId xmlns:a16="http://schemas.microsoft.com/office/drawing/2014/main" id="{4ABE963E-EDC9-4A38-82F9-86E8A410D02E}"/>
+              </a:ext>
+            </a:extLst>
+          </p:cNvPr>
+          <p:cNvSpPr>
+            <a:spLocks noGrp="1"/>
+          </p:cNvSpPr>
+          <p:nvPr>
+            <p:ph idx="1"/>
+          </p:nvPr>
+        </p:nvSpPr>
+        <p:spPr>
+          <a:xfrm>
+            <a:off x="838200" y="1494692"/>
+            <a:ext cx="10515600" cy="4682271"/>
+          </a:xfrm>
+        </p:spPr>
+        <p:txBody>
+          <a:bodyPr>
+            <a:normAutofit lnSpcReduction="10000"/>
+          </a:bodyPr>
+          <a:lstStyle/>
+          <a:p>
+            <a:r>
+              <a:rPr lang="de-DE" dirty="0"/>
+              <a:t>Kanten, Knoten</a:t>
+            </a:r>
+          </a:p>
+          <a:p>
+            <a:r>
+              <a:rPr lang="de-DE" dirty="0"/>
+              <a:t>Attribute/Properties eines Knoten:</a:t>
+            </a:r>
+          </a:p>
+          <a:p>
+            <a:pPr lvl="1"/>
+            <a:r>
+              <a:rPr lang="de-DE" dirty="0"/>
+              <a:t>Feste Properties wie z.B. In-/ und Out-Degree</a:t>
+            </a:r>
+          </a:p>
+          <a:p>
+            <a:pPr lvl="1"/>
+            <a:r>
+              <a:rPr lang="de-DE" dirty="0"/>
+              <a:t>Variable Properties je nach Anwendungsfall</a:t>
+            </a:r>
+          </a:p>
+          <a:p>
+            <a:r>
+              <a:rPr lang="de-DE" dirty="0"/>
+              <a:t>Teilgraph jeder Form denkbar – AGG-</a:t>
+            </a:r>
+            <a:r>
+              <a:rPr lang="de-DE" dirty="0" err="1"/>
+              <a:t>Fkt</a:t>
+            </a:r>
+            <a:r>
+              <a:rPr lang="de-DE" dirty="0"/>
+              <a:t>. auf </a:t>
+            </a:r>
+          </a:p>
+          <a:p>
+            <a:pPr lvl="1"/>
+            <a:r>
+              <a:rPr lang="de-DE" dirty="0"/>
+              <a:t>einen Knoten – COUNT eingehende Kanten</a:t>
+            </a:r>
+          </a:p>
+          <a:p>
+            <a:pPr lvl="1"/>
+            <a:r>
+              <a:rPr lang="de-DE" dirty="0"/>
+              <a:t>eine Gruppe von Knoten – SUM auf </a:t>
+            </a:r>
+            <a:r>
+              <a:rPr lang="de-DE" dirty="0" err="1"/>
+              <a:t>Proporty</a:t>
+            </a:r>
+            <a:r>
+              <a:rPr lang="de-DE" dirty="0"/>
+              <a:t> „X“ aller Knoten der Gruppe</a:t>
+            </a:r>
+          </a:p>
+          <a:p>
+            <a:pPr lvl="1"/>
+            <a:r>
+              <a:rPr lang="de-DE" dirty="0"/>
+              <a:t>alle Knoten des Graphen</a:t>
+            </a:r>
+          </a:p>
+          <a:p>
+            <a:r>
+              <a:rPr lang="de-DE" dirty="0" err="1"/>
+              <a:t>Timestamps</a:t>
+            </a:r>
+            <a:r>
+              <a:rPr lang="de-DE" dirty="0"/>
+              <a:t> oder Zeitintervalle, die anzeigen, ob Kante zwischen 2 Knoten aktiv</a:t>
+            </a:r>
+          </a:p>
+          <a:p>
+            <a:pPr lvl="1"/>
+            <a:r>
+              <a:rPr lang="de-DE" dirty="0"/>
+              <a:t>Entscheidung für Zeitintervalle, die je Kante nicht überlappen dürfen</a:t>
+            </a:r>
+          </a:p>
+          <a:p>
+            <a:pPr lvl="1"/>
+            <a:r>
+              <a:rPr lang="de-DE" dirty="0"/>
+              <a:t>Auch </a:t>
+            </a:r>
+            <a:r>
+              <a:rPr lang="de-DE" dirty="0" err="1"/>
+              <a:t>Timestamp</a:t>
+            </a:r>
+            <a:r>
+              <a:rPr lang="de-DE" dirty="0"/>
+              <a:t> okay, der sich auf Intervall mappen lässt</a:t>
+            </a:r>
+          </a:p>
+        </p:txBody>
+      </p:sp>
+    </p:spTree>
+    <p:extLst>
+      <p:ext uri="{BB962C8B-B14F-4D97-AF65-F5344CB8AC3E}">
+        <p14:creationId xmlns:p14="http://schemas.microsoft.com/office/powerpoint/2010/main" val="3473946377"/>
+      </p:ext>
+    </p:extLst>
+  </p:cSld>
+  <p:clrMapOvr>
+    <a:masterClrMapping/>
+  </p:clrMapOvr>
+</p:sld>
+</file>
+
+<file path=ppt/slides/slide13.xml><?xml version="1.0" encoding="utf-8"?>
+<p:sld xmlns:a="http://schemas.openxmlformats.org/drawingml/2006/main" xmlns:r="http://schemas.openxmlformats.org/officeDocument/2006/relationships" xmlns:p="http://schemas.openxmlformats.org/presentationml/2006/main">
+  <p:cSld>
+    <p:spTree>
+      <p:nvGrpSpPr>
+        <p:cNvPr id="1" name=""/>
+        <p:cNvGrpSpPr/>
+        <p:nvPr/>
+      </p:nvGrpSpPr>
+      <p:grpSpPr>
+        <a:xfrm>
+          <a:off x="0" y="0"/>
+          <a:ext cx="0" cy="0"/>
+          <a:chOff x="0" y="0"/>
+          <a:chExt cx="0" cy="0"/>
+        </a:xfrm>
+      </p:grpSpPr>
+      <p:sp>
+        <p:nvSpPr>
+          <p:cNvPr id="2" name="Titel 1">
+            <a:extLst>
+              <a:ext uri="{FF2B5EF4-FFF2-40B4-BE49-F238E27FC236}">
+                <a16:creationId xmlns:a16="http://schemas.microsoft.com/office/drawing/2014/main" id="{0796F704-428F-4920-AD88-E389F7FC0D02}"/>
+              </a:ext>
+            </a:extLst>
+          </p:cNvPr>
+          <p:cNvSpPr>
+            <a:spLocks noGrp="1"/>
+          </p:cNvSpPr>
+          <p:nvPr>
+            <p:ph type="title"/>
+          </p:nvPr>
+        </p:nvSpPr>
+        <p:spPr/>
+        <p:txBody>
+          <a:bodyPr/>
+          <a:lstStyle/>
+          <a:p>
+            <a:r>
+              <a:rPr lang="de-DE" dirty="0"/>
+              <a:t>Mögliche Modellierungen des Zeitaspekts</a:t>
+            </a:r>
+          </a:p>
+        </p:txBody>
+      </p:sp>
+      <p:sp>
+        <p:nvSpPr>
+          <p:cNvPr id="3" name="Inhaltsplatzhalter 2">
+            <a:extLst>
+              <a:ext uri="{FF2B5EF4-FFF2-40B4-BE49-F238E27FC236}">
+                <a16:creationId xmlns:a16="http://schemas.microsoft.com/office/drawing/2014/main" id="{0CA0B7DE-740F-4800-86F1-E4827D27CD16}"/>
+              </a:ext>
+            </a:extLst>
+          </p:cNvPr>
+          <p:cNvSpPr>
+            <a:spLocks noGrp="1"/>
+          </p:cNvSpPr>
+          <p:nvPr>
+            <p:ph idx="1"/>
+          </p:nvPr>
+        </p:nvSpPr>
+        <p:spPr/>
+        <p:txBody>
+          <a:bodyPr>
+            <a:normAutofit lnSpcReduction="10000"/>
+          </a:bodyPr>
+          <a:lstStyle/>
+          <a:p>
+            <a:r>
+              <a:rPr lang="de-DE" dirty="0"/>
+              <a:t>Je Kante eine Funktion, die angibt, ob Kante zu bestimmten Zeitpunkt aktiv (Presence)</a:t>
+            </a:r>
+          </a:p>
+          <a:p>
+            <a:r>
+              <a:rPr lang="de-DE" dirty="0"/>
+              <a:t>Je Kante k eine Art Dauer, die Informationstransport von Knoten A via k zu Knoten B braucht (</a:t>
+            </a:r>
+            <a:r>
+              <a:rPr lang="de-DE" dirty="0" err="1"/>
+              <a:t>Latency</a:t>
+            </a:r>
+            <a:r>
+              <a:rPr lang="de-DE" dirty="0"/>
+              <a:t>)</a:t>
+            </a:r>
+          </a:p>
+          <a:p>
+            <a:r>
+              <a:rPr lang="de-DE" dirty="0"/>
+              <a:t>Presence und </a:t>
+            </a:r>
+            <a:r>
+              <a:rPr lang="de-DE" dirty="0" err="1"/>
+              <a:t>Latency</a:t>
+            </a:r>
+            <a:r>
+              <a:rPr lang="de-DE" dirty="0"/>
+              <a:t> auch für Knoten denkbar</a:t>
+            </a:r>
+          </a:p>
+          <a:p>
+            <a:r>
+              <a:rPr lang="de-DE" dirty="0"/>
+              <a:t>Mehrere nicht ineinander übergehende Zeitintervalle je Kante möglich („Verbindung entsteht, wird getrennt, entsteht wieder“)</a:t>
+            </a:r>
+          </a:p>
+          <a:p>
+            <a:endParaRPr lang="de-DE" dirty="0"/>
+          </a:p>
+          <a:p>
+            <a:pPr>
+              <a:buFont typeface="Wingdings" panose="05000000000000000000" pitchFamily="2" charset="2"/>
+              <a:buChar char="Ø"/>
+            </a:pPr>
+            <a:r>
+              <a:rPr lang="de-DE" dirty="0"/>
+              <a:t>Für die Repräsentation des Graphen je </a:t>
+            </a:r>
+            <a:r>
+              <a:rPr lang="de-DE" dirty="0" err="1"/>
+              <a:t>Relationship</a:t>
+            </a:r>
+            <a:r>
+              <a:rPr lang="de-DE" dirty="0"/>
+              <a:t> Source und Target Knoten sowie Zeitintervall nötig</a:t>
+            </a:r>
+          </a:p>
+        </p:txBody>
+      </p:sp>
+    </p:spTree>
+    <p:extLst>
+      <p:ext uri="{BB962C8B-B14F-4D97-AF65-F5344CB8AC3E}">
+        <p14:creationId xmlns:p14="http://schemas.microsoft.com/office/powerpoint/2010/main" val="1854919232"/>
+      </p:ext>
+    </p:extLst>
+  </p:cSld>
+  <p:clrMapOvr>
+    <a:masterClrMapping/>
+  </p:clrMapOvr>
+</p:sld>
+</file>
+
+<file path=ppt/slides/slide14.xml><?xml version="1.0" encoding="utf-8"?>
+<p:sld xmlns:a="http://schemas.openxmlformats.org/drawingml/2006/main" xmlns:r="http://schemas.openxmlformats.org/officeDocument/2006/relationships" xmlns:p="http://schemas.openxmlformats.org/presentationml/2006/main">
+  <p:cSld>
+    <p:spTree>
+      <p:nvGrpSpPr>
+        <p:cNvPr id="1" name=""/>
+        <p:cNvGrpSpPr/>
+        <p:nvPr/>
+      </p:nvGrpSpPr>
+      <p:grpSpPr>
+        <a:xfrm>
+          <a:off x="0" y="0"/>
+          <a:ext cx="0" cy="0"/>
+          <a:chOff x="0" y="0"/>
+          <a:chExt cx="0" cy="0"/>
+        </a:xfrm>
+      </p:grpSpPr>
+      <p:sp>
+        <p:nvSpPr>
+          <p:cNvPr id="2" name="Titel 1">
+            <a:extLst>
+              <a:ext uri="{FF2B5EF4-FFF2-40B4-BE49-F238E27FC236}">
+                <a16:creationId xmlns:a16="http://schemas.microsoft.com/office/drawing/2014/main" id="{FCAE77A7-1894-405F-A145-F474D8F12CA2}"/>
+              </a:ext>
+            </a:extLst>
+          </p:cNvPr>
+          <p:cNvSpPr>
+            <a:spLocks noGrp="1"/>
+          </p:cNvSpPr>
+          <p:nvPr>
+            <p:ph type="title"/>
+          </p:nvPr>
+        </p:nvSpPr>
+        <p:spPr/>
+        <p:txBody>
+          <a:bodyPr/>
+          <a:lstStyle/>
+          <a:p>
+            <a:r>
+              <a:rPr lang="de-DE" dirty="0"/>
+              <a:t>„Community Level“ (1)</a:t>
+            </a:r>
+          </a:p>
+        </p:txBody>
+      </p:sp>
+      <p:sp>
+        <p:nvSpPr>
+          <p:cNvPr id="3" name="Inhaltsplatzhalter 2">
+            <a:extLst>
+              <a:ext uri="{FF2B5EF4-FFF2-40B4-BE49-F238E27FC236}">
+                <a16:creationId xmlns:a16="http://schemas.microsoft.com/office/drawing/2014/main" id="{CBBD3421-2EA8-4E4D-BFC5-A55B28F0F8E3}"/>
+              </a:ext>
+            </a:extLst>
+          </p:cNvPr>
+          <p:cNvSpPr>
+            <a:spLocks noGrp="1"/>
+          </p:cNvSpPr>
+          <p:nvPr>
+            <p:ph idx="1"/>
+          </p:nvPr>
+        </p:nvSpPr>
+        <p:spPr/>
+        <p:txBody>
+          <a:bodyPr>
+            <a:normAutofit/>
+          </a:bodyPr>
+          <a:lstStyle/>
+          <a:p>
+            <a:r>
+              <a:rPr lang="de-DE" dirty="0"/>
+              <a:t>Welche Community Level werden betrachtet?</a:t>
+            </a:r>
+          </a:p>
+          <a:p>
+            <a:pPr lvl="1"/>
+            <a:r>
+              <a:rPr lang="de-DE" dirty="0"/>
+              <a:t>Ganzer Graph</a:t>
+            </a:r>
+          </a:p>
+          <a:p>
+            <a:pPr lvl="1"/>
+            <a:r>
+              <a:rPr lang="de-DE" dirty="0"/>
+              <a:t>Communities</a:t>
+            </a:r>
+          </a:p>
+          <a:p>
+            <a:pPr lvl="2"/>
+            <a:r>
+              <a:rPr lang="de-DE" dirty="0"/>
+              <a:t>Community als Ansammlung von Knoten, die durch mehr Kanten untereinander verbunden sind als zu restlichen Knoten im Graph</a:t>
+            </a:r>
+          </a:p>
+          <a:p>
+            <a:pPr lvl="2"/>
+            <a:r>
+              <a:rPr lang="de-DE" dirty="0"/>
+              <a:t>2 Herangehensweisen für das Bilden von Communities: </a:t>
+            </a:r>
+          </a:p>
+          <a:p>
+            <a:pPr marL="1371600" lvl="3" indent="0">
+              <a:buNone/>
+            </a:pPr>
+            <a:r>
+              <a:rPr lang="de-DE" dirty="0"/>
+              <a:t>a) Clustering </a:t>
+            </a:r>
+            <a:r>
+              <a:rPr lang="de-DE" dirty="0" err="1"/>
+              <a:t>algorithms</a:t>
+            </a:r>
+            <a:r>
+              <a:rPr lang="de-DE" dirty="0"/>
+              <a:t> (Knoten mit gleichen Attributen) oder b) Community </a:t>
+            </a:r>
+            <a:r>
+              <a:rPr lang="de-DE" dirty="0" err="1"/>
+              <a:t>Detection</a:t>
+            </a:r>
+            <a:r>
+              <a:rPr lang="de-DE" dirty="0"/>
+              <a:t> (Knoten dichter miteinander verbunden als mit anderen) [1]</a:t>
+            </a:r>
+          </a:p>
+          <a:p>
+            <a:pPr lvl="2"/>
+            <a:r>
+              <a:rPr lang="de-DE" dirty="0"/>
+              <a:t>Wie wird Community </a:t>
+            </a:r>
+            <a:r>
+              <a:rPr lang="de-DE" dirty="0" err="1"/>
+              <a:t>Detection</a:t>
+            </a:r>
+            <a:r>
+              <a:rPr lang="de-DE" dirty="0"/>
+              <a:t> durchgeführt? Z.B. Label Propagation Algorithmus auf statischem Graphen – </a:t>
+            </a:r>
+            <a:r>
+              <a:rPr lang="de-DE" dirty="0" err="1"/>
+              <a:t>Detection</a:t>
+            </a:r>
+            <a:r>
+              <a:rPr lang="de-DE" dirty="0"/>
+              <a:t> einmal zu Beginn auf ganzem Graphen oder je Snapshot neu? Geeignete Methode Modell finden</a:t>
+            </a:r>
+          </a:p>
+        </p:txBody>
+      </p:sp>
+    </p:spTree>
+    <p:extLst>
+      <p:ext uri="{BB962C8B-B14F-4D97-AF65-F5344CB8AC3E}">
+        <p14:creationId xmlns:p14="http://schemas.microsoft.com/office/powerpoint/2010/main" val="2587583419"/>
+      </p:ext>
+    </p:extLst>
+  </p:cSld>
+  <p:clrMapOvr>
+    <a:masterClrMapping/>
+  </p:clrMapOvr>
+</p:sld>
+</file>
+
+<file path=ppt/slides/slide15.xml><?xml version="1.0" encoding="utf-8"?>
+<p:sld xmlns:a="http://schemas.openxmlformats.org/drawingml/2006/main" xmlns:r="http://schemas.openxmlformats.org/officeDocument/2006/relationships" xmlns:p="http://schemas.openxmlformats.org/presentationml/2006/main">
+  <p:cSld>
+    <p:spTree>
+      <p:nvGrpSpPr>
+        <p:cNvPr id="1" name=""/>
+        <p:cNvGrpSpPr/>
+        <p:nvPr/>
+      </p:nvGrpSpPr>
+      <p:grpSpPr>
+        <a:xfrm>
+          <a:off x="0" y="0"/>
+          <a:ext cx="0" cy="0"/>
+          <a:chOff x="0" y="0"/>
+          <a:chExt cx="0" cy="0"/>
+        </a:xfrm>
+      </p:grpSpPr>
+      <p:sp>
+        <p:nvSpPr>
+          <p:cNvPr id="2" name="Titel 1">
+            <a:extLst>
+              <a:ext uri="{FF2B5EF4-FFF2-40B4-BE49-F238E27FC236}">
+                <a16:creationId xmlns:a16="http://schemas.microsoft.com/office/drawing/2014/main" id="{85DDDEDB-25FF-497E-A386-5833DCDC55A9}"/>
+              </a:ext>
+            </a:extLst>
+          </p:cNvPr>
+          <p:cNvSpPr>
+            <a:spLocks noGrp="1"/>
+          </p:cNvSpPr>
+          <p:nvPr>
+            <p:ph type="title"/>
+          </p:nvPr>
+        </p:nvSpPr>
+        <p:spPr/>
+        <p:txBody>
+          <a:bodyPr/>
+          <a:lstStyle/>
+          <a:p>
+            <a:r>
+              <a:rPr lang="de-DE" dirty="0"/>
+              <a:t>„Community Level“ (2)</a:t>
+            </a:r>
+          </a:p>
+        </p:txBody>
+      </p:sp>
+      <p:sp>
+        <p:nvSpPr>
+          <p:cNvPr id="3" name="Inhaltsplatzhalter 2">
+            <a:extLst>
+              <a:ext uri="{FF2B5EF4-FFF2-40B4-BE49-F238E27FC236}">
+                <a16:creationId xmlns:a16="http://schemas.microsoft.com/office/drawing/2014/main" id="{5B209D8D-9C18-4D20-9E78-99E6E6A9D33D}"/>
+              </a:ext>
+            </a:extLst>
+          </p:cNvPr>
+          <p:cNvSpPr>
+            <a:spLocks noGrp="1"/>
+          </p:cNvSpPr>
+          <p:nvPr>
+            <p:ph idx="1"/>
+          </p:nvPr>
+        </p:nvSpPr>
+        <p:spPr/>
+        <p:txBody>
+          <a:bodyPr/>
+          <a:lstStyle/>
+          <a:p>
+            <a:pPr lvl="1"/>
+            <a:r>
+              <a:rPr lang="de-DE" dirty="0"/>
+              <a:t>Welche Community Level werden betrachtet?</a:t>
+            </a:r>
+          </a:p>
+          <a:p>
+            <a:pPr lvl="2"/>
+            <a:r>
+              <a:rPr lang="de-DE" dirty="0"/>
+              <a:t>Einzelner Knoten – 2  Hauptuntersuchungsmerkmale (plus weitere):</a:t>
+            </a:r>
+          </a:p>
+          <a:p>
+            <a:pPr lvl="3"/>
+            <a:r>
+              <a:rPr lang="de-DE" dirty="0"/>
+              <a:t>In wie vielen Snapshots existiert Snapshot überhaupt (Existenz als Voraussetzung für Aggregatsberechnung)</a:t>
+            </a:r>
+          </a:p>
+          <a:p>
+            <a:pPr lvl="3"/>
+            <a:r>
+              <a:rPr lang="de-DE" dirty="0"/>
+              <a:t>Anzahl In- und Out-Degree (COUNT)</a:t>
+            </a:r>
+          </a:p>
+          <a:p>
+            <a:pPr lvl="3"/>
+            <a:r>
+              <a:rPr lang="de-DE" dirty="0"/>
+              <a:t>(immer Teil der gleichen Community?)</a:t>
+            </a:r>
+          </a:p>
+          <a:p>
+            <a:pPr lvl="3"/>
+            <a:r>
+              <a:rPr lang="de-DE" dirty="0"/>
+              <a:t>(Teil wie vieler Communities? – </a:t>
+            </a:r>
+            <a:r>
+              <a:rPr lang="de-DE" dirty="0" err="1"/>
+              <a:t>Sune</a:t>
+            </a:r>
+            <a:r>
+              <a:rPr lang="de-DE" dirty="0"/>
+              <a:t>)</a:t>
+            </a:r>
+          </a:p>
+          <a:p>
+            <a:pPr lvl="3"/>
+            <a:r>
+              <a:rPr lang="de-DE" dirty="0"/>
+              <a:t>(zu welchem Zeitpunkt war der höchste „Degree-Count“? (MAX)</a:t>
+            </a:r>
+          </a:p>
+          <a:p>
+            <a:endParaRPr lang="de-DE" dirty="0"/>
+          </a:p>
+        </p:txBody>
+      </p:sp>
+    </p:spTree>
+    <p:extLst>
+      <p:ext uri="{BB962C8B-B14F-4D97-AF65-F5344CB8AC3E}">
+        <p14:creationId xmlns:p14="http://schemas.microsoft.com/office/powerpoint/2010/main" val="3720381745"/>
+      </p:ext>
+    </p:extLst>
+  </p:cSld>
+  <p:clrMapOvr>
+    <a:masterClrMapping/>
+  </p:clrMapOvr>
+</p:sld>
+</file>
+
+<file path=ppt/slides/slide16.xml><?xml version="1.0" encoding="utf-8"?>
+<p:sld xmlns:a="http://schemas.openxmlformats.org/drawingml/2006/main" xmlns:r="http://schemas.openxmlformats.org/officeDocument/2006/relationships" xmlns:p="http://schemas.openxmlformats.org/presentationml/2006/main">
+  <p:cSld>
+    <p:spTree>
+      <p:nvGrpSpPr>
+        <p:cNvPr id="1" name=""/>
+        <p:cNvGrpSpPr/>
+        <p:nvPr/>
+      </p:nvGrpSpPr>
+      <p:grpSpPr>
+        <a:xfrm>
+          <a:off x="0" y="0"/>
+          <a:ext cx="0" cy="0"/>
+          <a:chOff x="0" y="0"/>
+          <a:chExt cx="0" cy="0"/>
+        </a:xfrm>
+      </p:grpSpPr>
+      <p:sp>
+        <p:nvSpPr>
+          <p:cNvPr id="2" name="Titel 1">
+            <a:extLst>
+              <a:ext uri="{FF2B5EF4-FFF2-40B4-BE49-F238E27FC236}">
+                <a16:creationId xmlns:a16="http://schemas.microsoft.com/office/drawing/2014/main" id="{6F395ADC-EF33-4D6A-8505-474D45E0526F}"/>
+              </a:ext>
+            </a:extLst>
+          </p:cNvPr>
+          <p:cNvSpPr>
+            <a:spLocks noGrp="1"/>
+          </p:cNvSpPr>
+          <p:nvPr>
+            <p:ph type="title"/>
+          </p:nvPr>
+        </p:nvSpPr>
+        <p:spPr/>
+        <p:txBody>
+          <a:bodyPr/>
+          <a:lstStyle/>
+          <a:p>
+            <a:r>
+              <a:rPr lang="de-DE" dirty="0"/>
+              <a:t>Aggregate</a:t>
+            </a:r>
+          </a:p>
+        </p:txBody>
+      </p:sp>
+      <p:sp>
+        <p:nvSpPr>
+          <p:cNvPr id="3" name="Inhaltsplatzhalter 2">
+            <a:extLst>
+              <a:ext uri="{FF2B5EF4-FFF2-40B4-BE49-F238E27FC236}">
+                <a16:creationId xmlns:a16="http://schemas.microsoft.com/office/drawing/2014/main" id="{9707EFB3-AF2C-4342-BF57-1B30D92A4D8B}"/>
+              </a:ext>
+            </a:extLst>
+          </p:cNvPr>
+          <p:cNvSpPr>
+            <a:spLocks noGrp="1"/>
+          </p:cNvSpPr>
+          <p:nvPr>
+            <p:ph idx="1"/>
+          </p:nvPr>
+        </p:nvSpPr>
+        <p:spPr/>
+        <p:txBody>
+          <a:bodyPr/>
+          <a:lstStyle/>
+          <a:p>
+            <a:r>
+              <a:rPr lang="de-DE" dirty="0"/>
+              <a:t>Multi-Level Aggregate</a:t>
+            </a:r>
+          </a:p>
+          <a:p>
+            <a:pPr lvl="1"/>
+            <a:r>
+              <a:rPr lang="de-DE" dirty="0"/>
+              <a:t>First-level und </a:t>
+            </a:r>
+            <a:r>
+              <a:rPr lang="de-DE" dirty="0" err="1"/>
+              <a:t>second</a:t>
+            </a:r>
+            <a:r>
+              <a:rPr lang="de-DE" dirty="0"/>
+              <a:t>-level </a:t>
+            </a:r>
+            <a:r>
+              <a:rPr lang="de-DE" dirty="0" err="1"/>
+              <a:t>aggregates</a:t>
+            </a:r>
+            <a:endParaRPr lang="de-DE" dirty="0"/>
+          </a:p>
+          <a:p>
+            <a:r>
+              <a:rPr lang="de-DE" dirty="0"/>
+              <a:t>First-Level Aggregate SUM und COUNT</a:t>
+            </a:r>
+          </a:p>
+          <a:p>
+            <a:r>
+              <a:rPr lang="de-DE" dirty="0"/>
+              <a:t>Second-Level Aggregat in der Arbeit MAX</a:t>
+            </a:r>
+          </a:p>
+          <a:p>
+            <a:pPr lvl="1"/>
+            <a:endParaRPr lang="de-DE" dirty="0"/>
+          </a:p>
+        </p:txBody>
+      </p:sp>
+    </p:spTree>
+    <p:extLst>
+      <p:ext uri="{BB962C8B-B14F-4D97-AF65-F5344CB8AC3E}">
+        <p14:creationId xmlns:p14="http://schemas.microsoft.com/office/powerpoint/2010/main" val="1898977173"/>
+      </p:ext>
+    </p:extLst>
+  </p:cSld>
+  <p:clrMapOvr>
+    <a:masterClrMapping/>
+  </p:clrMapOvr>
+</p:sld>
+</file>
+
+<file path=ppt/slides/slide17.xml><?xml version="1.0" encoding="utf-8"?>
+<p:sld xmlns:a="http://schemas.openxmlformats.org/drawingml/2006/main" xmlns:r="http://schemas.openxmlformats.org/officeDocument/2006/relationships" xmlns:p="http://schemas.openxmlformats.org/presentationml/2006/main">
+  <p:cSld>
+    <p:spTree>
+      <p:nvGrpSpPr>
+        <p:cNvPr id="1" name=""/>
+        <p:cNvGrpSpPr/>
+        <p:nvPr/>
+      </p:nvGrpSpPr>
+      <p:grpSpPr>
+        <a:xfrm>
+          <a:off x="0" y="0"/>
+          <a:ext cx="0" cy="0"/>
+          <a:chOff x="0" y="0"/>
+          <a:chExt cx="0" cy="0"/>
+        </a:xfrm>
+      </p:grpSpPr>
+      <p:sp>
+        <p:nvSpPr>
+          <p:cNvPr id="2" name="Titel 1">
+            <a:extLst>
+              <a:ext uri="{FF2B5EF4-FFF2-40B4-BE49-F238E27FC236}">
+                <a16:creationId xmlns:a16="http://schemas.microsoft.com/office/drawing/2014/main" id="{986368E9-E87E-4C13-8327-4B2C1B1B44EF}"/>
+              </a:ext>
+            </a:extLst>
+          </p:cNvPr>
+          <p:cNvSpPr>
+            <a:spLocks noGrp="1"/>
+          </p:cNvSpPr>
+          <p:nvPr>
+            <p:ph type="title"/>
+          </p:nvPr>
+        </p:nvSpPr>
+        <p:spPr/>
+        <p:txBody>
+          <a:bodyPr/>
+          <a:lstStyle/>
+          <a:p>
+            <a:r>
+              <a:rPr lang="de-DE" dirty="0"/>
+              <a:t>Berechnungs-Ansätze</a:t>
+            </a:r>
+          </a:p>
+        </p:txBody>
+      </p:sp>
+      <p:sp>
+        <p:nvSpPr>
+          <p:cNvPr id="3" name="Inhaltsplatzhalter 2">
+            <a:extLst>
+              <a:ext uri="{FF2B5EF4-FFF2-40B4-BE49-F238E27FC236}">
+                <a16:creationId xmlns:a16="http://schemas.microsoft.com/office/drawing/2014/main" id="{D368E98C-AA40-4964-95F0-BC8046A3BFFD}"/>
+              </a:ext>
+            </a:extLst>
+          </p:cNvPr>
+          <p:cNvSpPr>
+            <a:spLocks noGrp="1"/>
+          </p:cNvSpPr>
+          <p:nvPr>
+            <p:ph idx="1"/>
+          </p:nvPr>
+        </p:nvSpPr>
+        <p:spPr/>
+        <p:txBody>
+          <a:bodyPr/>
+          <a:lstStyle/>
+          <a:p>
+            <a:r>
+              <a:rPr lang="de-DE" dirty="0"/>
+              <a:t>Iterativ vs. Inkrementell</a:t>
+            </a:r>
+          </a:p>
+          <a:p>
+            <a:r>
+              <a:rPr lang="de-DE" dirty="0"/>
+              <a:t>Snapshot vs. Stream vs. </a:t>
+            </a:r>
+            <a:r>
+              <a:rPr lang="de-DE" dirty="0" err="1"/>
+              <a:t>Sliding</a:t>
+            </a:r>
+            <a:r>
+              <a:rPr lang="de-DE" dirty="0"/>
+              <a:t> </a:t>
+            </a:r>
+            <a:r>
+              <a:rPr lang="de-DE" dirty="0" err="1"/>
+              <a:t>Window</a:t>
+            </a:r>
+            <a:endParaRPr lang="de-DE" dirty="0"/>
+          </a:p>
+          <a:p>
+            <a:r>
+              <a:rPr lang="de-DE" dirty="0"/>
+              <a:t>Snapshot selbst zu einem exakten Zeitpunkt</a:t>
+            </a:r>
+          </a:p>
+          <a:p>
+            <a:endParaRPr lang="de-DE" dirty="0"/>
+          </a:p>
+          <a:p>
+            <a:endParaRPr lang="de-DE" dirty="0"/>
+          </a:p>
+        </p:txBody>
+      </p:sp>
+    </p:spTree>
+    <p:extLst>
+      <p:ext uri="{BB962C8B-B14F-4D97-AF65-F5344CB8AC3E}">
+        <p14:creationId xmlns:p14="http://schemas.microsoft.com/office/powerpoint/2010/main" val="4008171559"/>
+      </p:ext>
+    </p:extLst>
+  </p:cSld>
+  <p:clrMapOvr>
+    <a:masterClrMapping/>
+  </p:clrMapOvr>
+</p:sld>
+</file>
+
+<file path=ppt/slides/slide18.xml><?xml version="1.0" encoding="utf-8"?>
+<p:sld xmlns:a="http://schemas.openxmlformats.org/drawingml/2006/main" xmlns:r="http://schemas.openxmlformats.org/officeDocument/2006/relationships" xmlns:p="http://schemas.openxmlformats.org/presentationml/2006/main">
+  <p:cSld>
+    <p:spTree>
+      <p:nvGrpSpPr>
+        <p:cNvPr id="1" name=""/>
+        <p:cNvGrpSpPr/>
+        <p:nvPr/>
+      </p:nvGrpSpPr>
+      <p:grpSpPr>
+        <a:xfrm>
+          <a:off x="0" y="0"/>
+          <a:ext cx="0" cy="0"/>
+          <a:chOff x="0" y="0"/>
+          <a:chExt cx="0" cy="0"/>
+        </a:xfrm>
+      </p:grpSpPr>
+      <p:sp>
+        <p:nvSpPr>
+          <p:cNvPr id="2" name="Titel 1">
+            <a:extLst>
+              <a:ext uri="{FF2B5EF4-FFF2-40B4-BE49-F238E27FC236}">
+                <a16:creationId xmlns:a16="http://schemas.microsoft.com/office/drawing/2014/main" id="{EAF93ADA-768F-4885-86C4-0EE90A0BEF2F}"/>
+              </a:ext>
+            </a:extLst>
+          </p:cNvPr>
+          <p:cNvSpPr>
+            <a:spLocks noGrp="1"/>
+          </p:cNvSpPr>
+          <p:nvPr>
+            <p:ph type="title"/>
+          </p:nvPr>
+        </p:nvSpPr>
+        <p:spPr/>
+        <p:txBody>
+          <a:bodyPr/>
+          <a:lstStyle/>
+          <a:p>
+            <a:r>
+              <a:rPr lang="de-DE" dirty="0" err="1"/>
+              <a:t>Sune</a:t>
+            </a:r>
+            <a:r>
+              <a:rPr lang="de-DE" dirty="0"/>
+              <a:t> Lehmann</a:t>
+            </a:r>
+          </a:p>
+        </p:txBody>
+      </p:sp>
+      <p:sp>
+        <p:nvSpPr>
+          <p:cNvPr id="3" name="Inhaltsplatzhalter 2">
+            <a:extLst>
+              <a:ext uri="{FF2B5EF4-FFF2-40B4-BE49-F238E27FC236}">
+                <a16:creationId xmlns:a16="http://schemas.microsoft.com/office/drawing/2014/main" id="{94BCBA02-9916-42B5-83F6-2C3200083E9F}"/>
+              </a:ext>
+            </a:extLst>
+          </p:cNvPr>
+          <p:cNvSpPr>
+            <a:spLocks noGrp="1"/>
+          </p:cNvSpPr>
+          <p:nvPr>
+            <p:ph idx="1"/>
+          </p:nvPr>
+        </p:nvSpPr>
+        <p:spPr/>
+        <p:txBody>
+          <a:bodyPr>
+            <a:normAutofit fontScale="92500" lnSpcReduction="20000"/>
+          </a:bodyPr>
+          <a:lstStyle/>
+          <a:p>
+            <a:r>
+              <a:rPr lang="de-DE" dirty="0"/>
+              <a:t>Knoten kann Teil mehrerer Gruppen/Communities sein</a:t>
+            </a:r>
+          </a:p>
+          <a:p>
+            <a:r>
+              <a:rPr lang="de-DE" dirty="0"/>
+              <a:t>Immer wieder auftauchende Gruppen bilden sog. Cores</a:t>
+            </a:r>
+          </a:p>
+          <a:p>
+            <a:r>
+              <a:rPr lang="de-DE" dirty="0"/>
+              <a:t>Core als Fundamente sozialer </a:t>
+            </a:r>
+            <a:r>
+              <a:rPr lang="de-DE" dirty="0" err="1"/>
+              <a:t>Netwerke</a:t>
+            </a:r>
+            <a:endParaRPr lang="de-DE" dirty="0"/>
+          </a:p>
+          <a:p>
+            <a:r>
+              <a:rPr lang="de-DE" dirty="0"/>
+              <a:t>Das tatsächliche zu einem bestimmten Zeitpunkt Zusammenfinden mehrerer Knoten eines Cores wird als sog. </a:t>
+            </a:r>
+            <a:r>
+              <a:rPr lang="de-DE" dirty="0" err="1"/>
+              <a:t>Gatherings</a:t>
+            </a:r>
+            <a:r>
+              <a:rPr lang="de-DE" dirty="0"/>
+              <a:t> bezeichnet</a:t>
+            </a:r>
+          </a:p>
+          <a:p>
+            <a:r>
+              <a:rPr lang="de-DE" dirty="0" err="1"/>
+              <a:t>Gatherings</a:t>
+            </a:r>
+            <a:r>
+              <a:rPr lang="de-DE" dirty="0"/>
+              <a:t> stellen Instanzen der Cores dar</a:t>
+            </a:r>
+          </a:p>
+          <a:p>
+            <a:pPr marL="0" indent="0">
+              <a:buNone/>
+            </a:pPr>
+            <a:endParaRPr lang="de-DE" dirty="0"/>
+          </a:p>
+          <a:p>
+            <a:pPr>
+              <a:buFont typeface="Wingdings" panose="05000000000000000000" pitchFamily="2" charset="2"/>
+              <a:buChar char="Ø"/>
+            </a:pPr>
+            <a:r>
+              <a:rPr lang="de-DE" dirty="0"/>
+              <a:t> Cores und deren Aktivierung als Grund für dynamische Netzwerke</a:t>
+            </a:r>
+          </a:p>
+          <a:p>
+            <a:pPr>
+              <a:buFont typeface="Wingdings" panose="05000000000000000000" pitchFamily="2" charset="2"/>
+              <a:buChar char="Ø"/>
+            </a:pPr>
+            <a:r>
+              <a:rPr lang="de-DE" dirty="0"/>
+              <a:t>Bei der „richtigen Gruppierung“ der Knoten diese Erkenntnis beachten, dass Knoten Teil mehrerer Communities sein kann. Zu welcher dann zuordnen? Oder Teil mehrerer?</a:t>
+            </a:r>
+          </a:p>
+          <a:p>
+            <a:endParaRPr lang="de-DE" dirty="0"/>
+          </a:p>
+        </p:txBody>
+      </p:sp>
+    </p:spTree>
+    <p:extLst>
+      <p:ext uri="{BB962C8B-B14F-4D97-AF65-F5344CB8AC3E}">
+        <p14:creationId xmlns:p14="http://schemas.microsoft.com/office/powerpoint/2010/main" val="2239550165"/>
+      </p:ext>
+    </p:extLst>
+  </p:cSld>
+  <p:clrMapOvr>
+    <a:masterClrMapping/>
+  </p:clrMapOvr>
+</p:sld>
+</file>
+
+<file path=ppt/slides/slide19.xml><?xml version="1.0" encoding="utf-8"?>
+<p:sld xmlns:a="http://schemas.openxmlformats.org/drawingml/2006/main" xmlns:r="http://schemas.openxmlformats.org/officeDocument/2006/relationships" xmlns:p="http://schemas.openxmlformats.org/presentationml/2006/main">
+  <p:cSld>
+    <p:spTree>
+      <p:nvGrpSpPr>
+        <p:cNvPr id="1" name=""/>
+        <p:cNvGrpSpPr/>
+        <p:nvPr/>
+      </p:nvGrpSpPr>
+      <p:grpSpPr>
+        <a:xfrm>
+          <a:off x="0" y="0"/>
+          <a:ext cx="0" cy="0"/>
+          <a:chOff x="0" y="0"/>
+          <a:chExt cx="0" cy="0"/>
+        </a:xfrm>
+      </p:grpSpPr>
+      <p:sp>
+        <p:nvSpPr>
           <p:cNvPr id="2" name="Flussdiagramm: Verbinder 1">
             <a:extLst>
               <a:ext uri="{FF2B5EF4-FFF2-40B4-BE49-F238E27FC236}">
@@ -5297,6 +7212,129 @@
 </p:sld>
 </file>
 
+<file path=ppt/slides/slide20.xml><?xml version="1.0" encoding="utf-8"?>
+<p:sld xmlns:a="http://schemas.openxmlformats.org/drawingml/2006/main" xmlns:r="http://schemas.openxmlformats.org/officeDocument/2006/relationships" xmlns:p="http://schemas.openxmlformats.org/presentationml/2006/main">
+  <p:cSld>
+    <p:spTree>
+      <p:nvGrpSpPr>
+        <p:cNvPr id="1" name=""/>
+        <p:cNvGrpSpPr/>
+        <p:nvPr/>
+      </p:nvGrpSpPr>
+      <p:grpSpPr>
+        <a:xfrm>
+          <a:off x="0" y="0"/>
+          <a:ext cx="0" cy="0"/>
+          <a:chOff x="0" y="0"/>
+          <a:chExt cx="0" cy="0"/>
+        </a:xfrm>
+      </p:grpSpPr>
+      <p:sp>
+        <p:nvSpPr>
+          <p:cNvPr id="2" name="Titel 1">
+            <a:extLst>
+              <a:ext uri="{FF2B5EF4-FFF2-40B4-BE49-F238E27FC236}">
+                <a16:creationId xmlns:a16="http://schemas.microsoft.com/office/drawing/2014/main" id="{56A0F7A5-6603-4CDB-B988-4EEB9221E811}"/>
+              </a:ext>
+            </a:extLst>
+          </p:cNvPr>
+          <p:cNvSpPr>
+            <a:spLocks noGrp="1"/>
+          </p:cNvSpPr>
+          <p:nvPr>
+            <p:ph type="title"/>
+          </p:nvPr>
+        </p:nvSpPr>
+        <p:spPr/>
+        <p:txBody>
+          <a:bodyPr/>
+          <a:lstStyle/>
+          <a:p>
+            <a:r>
+              <a:rPr lang="de-DE" dirty="0"/>
+              <a:t>Links</a:t>
+            </a:r>
+          </a:p>
+        </p:txBody>
+      </p:sp>
+      <p:sp>
+        <p:nvSpPr>
+          <p:cNvPr id="3" name="Inhaltsplatzhalter 2">
+            <a:extLst>
+              <a:ext uri="{FF2B5EF4-FFF2-40B4-BE49-F238E27FC236}">
+                <a16:creationId xmlns:a16="http://schemas.microsoft.com/office/drawing/2014/main" id="{B7ED35C3-7671-4326-8451-546FA22C2094}"/>
+              </a:ext>
+            </a:extLst>
+          </p:cNvPr>
+          <p:cNvSpPr>
+            <a:spLocks noGrp="1"/>
+          </p:cNvSpPr>
+          <p:nvPr>
+            <p:ph idx="1"/>
+          </p:nvPr>
+        </p:nvSpPr>
+        <p:spPr/>
+        <p:txBody>
+          <a:bodyPr/>
+          <a:lstStyle/>
+          <a:p>
+            <a:r>
+              <a:rPr lang="de-DE" dirty="0"/>
+              <a:t>[1]: </a:t>
+            </a:r>
+            <a:r>
+              <a:rPr lang="de-DE" dirty="0">
+                <a:hlinkClick r:id="rId2"/>
+              </a:rPr>
+              <a:t>https://www-cs.stanford.edu/~jure/pubs/cesna-icdm13.pdf</a:t>
+            </a:r>
+            <a:endParaRPr lang="de-DE" dirty="0"/>
+          </a:p>
+          <a:p>
+            <a:r>
+              <a:rPr lang="de-DE" dirty="0"/>
+              <a:t>[2]: </a:t>
+            </a:r>
+            <a:r>
+              <a:rPr lang="de-DE" dirty="0">
+                <a:hlinkClick r:id="rId3"/>
+              </a:rPr>
+              <a:t>http://mashuai.buaa.edu.cn/pubs/cikm-demo2016.pdf</a:t>
+            </a:r>
+            <a:r>
+              <a:rPr lang="de-DE" dirty="0"/>
+              <a:t> (</a:t>
+            </a:r>
+            <a:r>
+              <a:rPr lang="de-DE" dirty="0" err="1"/>
+              <a:t>TGraph</a:t>
+            </a:r>
+            <a:r>
+              <a:rPr lang="de-DE" dirty="0"/>
+              <a:t>)</a:t>
+            </a:r>
+          </a:p>
+          <a:p>
+            <a:endParaRPr lang="de-DE" dirty="0"/>
+          </a:p>
+          <a:p>
+            <a:endParaRPr lang="de-DE" dirty="0"/>
+          </a:p>
+        </p:txBody>
+      </p:sp>
+    </p:spTree>
+    <p:extLst>
+      <p:ext uri="{BB962C8B-B14F-4D97-AF65-F5344CB8AC3E}">
+        <p14:creationId xmlns:p14="http://schemas.microsoft.com/office/powerpoint/2010/main" val="937086141"/>
+      </p:ext>
+    </p:extLst>
+  </p:cSld>
+  <p:clrMapOvr>
+    <a:masterClrMapping/>
+  </p:clrMapOvr>
+</p:sld>
+</file>
+
 <file path=ppt/slides/slide3.xml><?xml version="1.0" encoding="utf-8"?>
 <p:sld xmlns:a="http://schemas.openxmlformats.org/drawingml/2006/main" xmlns:r="http://schemas.openxmlformats.org/officeDocument/2006/relationships" xmlns:p="http://schemas.openxmlformats.org/presentationml/2006/main">
   <p:cSld>
@@ -5695,8 +7733,13 @@
           <a:p>
             <a:r>
               <a:rPr lang="de-DE" dirty="0"/>
-              <a:t>Snapshot Technik</a:t>
-            </a:r>
+              <a:t>Snapshot Technik vs. Time </a:t>
+            </a:r>
+            <a:r>
+              <a:rPr lang="de-DE" dirty="0" err="1"/>
+              <a:t>Window</a:t>
+            </a:r>
+            <a:endParaRPr lang="de-DE" dirty="0"/>
           </a:p>
           <a:p>
             <a:r>
@@ -6330,4 +8373,299 @@
     </a:ext>
   </a:extLst>
 </a:theme>
+</file>
+
+<file path=ppt/theme/theme2.xml><?xml version="1.0" encoding="utf-8"?>
+<a:theme xmlns:a="http://schemas.openxmlformats.org/drawingml/2006/main" name="Office">
+  <a:themeElements>
+    <a:clrScheme name="Office">
+      <a:dk1>
+        <a:sysClr val="windowText" lastClr="000000"/>
+      </a:dk1>
+      <a:lt1>
+        <a:sysClr val="window" lastClr="FFFFFF"/>
+      </a:lt1>
+      <a:dk2>
+        <a:srgbClr val="44546A"/>
+      </a:dk2>
+      <a:lt2>
+        <a:srgbClr val="E7E6E6"/>
+      </a:lt2>
+      <a:accent1>
+        <a:srgbClr val="4472C4"/>
+      </a:accent1>
+      <a:accent2>
+        <a:srgbClr val="ED7D31"/>
+      </a:accent2>
+      <a:accent3>
+        <a:srgbClr val="A5A5A5"/>
+      </a:accent3>
+      <a:accent4>
+        <a:srgbClr val="FFC000"/>
+      </a:accent4>
+      <a:accent5>
+        <a:srgbClr val="5B9BD5"/>
+      </a:accent5>
+      <a:accent6>
+        <a:srgbClr val="70AD47"/>
+      </a:accent6>
+      <a:hlink>
+        <a:srgbClr val="0563C1"/>
+      </a:hlink>
+      <a:folHlink>
+        <a:srgbClr val="954F72"/>
+      </a:folHlink>
+    </a:clrScheme>
+    <a:fontScheme name="Office">
+      <a:majorFont>
+        <a:latin typeface="Calibri Light" panose="020F0302020204030204"/>
+        <a:ea typeface=""/>
+        <a:cs typeface=""/>
+        <a:font script="Jpan" typeface="游ゴシック Light"/>
+        <a:font script="Hang" typeface="맑은 고딕"/>
+        <a:font script="Hans" typeface="等线 Light"/>
+        <a:font script="Hant" typeface="新細明體"/>
+        <a:font script="Arab" typeface="Times New Roman"/>
+        <a:font script="Hebr" typeface="Times New Roman"/>
+        <a:font script="Thai" typeface="Angsana New"/>
+        <a:font script="Ethi" typeface="Nyala"/>
+        <a:font script="Beng" typeface="Vrinda"/>
+        <a:font script="Gujr" typeface="Shruti"/>
+        <a:font script="Khmr" typeface="MoolBoran"/>
+        <a:font script="Knda" typeface="Tunga"/>
+        <a:font script="Guru" typeface="Raavi"/>
+        <a:font script="Cans" typeface="Euphemia"/>
+        <a:font script="Cher" typeface="Plantagenet Cherokee"/>
+        <a:font script="Yiii" typeface="Microsoft Yi Baiti"/>
+        <a:font script="Tibt" typeface="Microsoft Himalaya"/>
+        <a:font script="Thaa" typeface="MV Boli"/>
+        <a:font script="Deva" typeface="Mangal"/>
+        <a:font script="Telu" typeface="Gautami"/>
+        <a:font script="Taml" typeface="Latha"/>
+        <a:font script="Syrc" typeface="Estrangelo Edessa"/>
+        <a:font script="Orya" typeface="Kalinga"/>
+        <a:font script="Mlym" typeface="Kartika"/>
+        <a:font script="Laoo" typeface="DokChampa"/>
+        <a:font script="Sinh" typeface="Iskoola Pota"/>
+        <a:font script="Mong" typeface="Mongolian Baiti"/>
+        <a:font script="Viet" typeface="Times New Roman"/>
+        <a:font script="Uigh" typeface="Microsoft Uighur"/>
+        <a:font script="Geor" typeface="Sylfaen"/>
+        <a:font script="Armn" typeface="Arial"/>
+        <a:font script="Bugi" typeface="Leelawadee UI"/>
+        <a:font script="Bopo" typeface="Microsoft JhengHei"/>
+        <a:font script="Java" typeface="Javanese Text"/>
+        <a:font script="Lisu" typeface="Segoe UI"/>
+        <a:font script="Mymr" typeface="Myanmar Text"/>
+        <a:font script="Nkoo" typeface="Ebrima"/>
+        <a:font script="Olck" typeface="Nirmala UI"/>
+        <a:font script="Osma" typeface="Ebrima"/>
+        <a:font script="Phag" typeface="Phagspa"/>
+        <a:font script="Syrn" typeface="Estrangelo Edessa"/>
+        <a:font script="Syrj" typeface="Estrangelo Edessa"/>
+        <a:font script="Syre" typeface="Estrangelo Edessa"/>
+        <a:font script="Sora" typeface="Nirmala UI"/>
+        <a:font script="Tale" typeface="Microsoft Tai Le"/>
+        <a:font script="Talu" typeface="Microsoft New Tai Lue"/>
+        <a:font script="Tfng" typeface="Ebrima"/>
+      </a:majorFont>
+      <a:minorFont>
+        <a:latin typeface="Calibri" panose="020F0502020204030204"/>
+        <a:ea typeface=""/>
+        <a:cs typeface=""/>
+        <a:font script="Jpan" typeface="游ゴシック"/>
+        <a:font script="Hang" typeface="맑은 고딕"/>
+        <a:font script="Hans" typeface="等线"/>
+        <a:font script="Hant" typeface="新細明體"/>
+        <a:font script="Arab" typeface="Arial"/>
+        <a:font script="Hebr" typeface="Arial"/>
+        <a:font script="Thai" typeface="Cordia New"/>
+        <a:font script="Ethi" typeface="Nyala"/>
+        <a:font script="Beng" typeface="Vrinda"/>
+        <a:font script="Gujr" typeface="Shruti"/>
+        <a:font script="Khmr" typeface="DaunPenh"/>
+        <a:font script="Knda" typeface="Tunga"/>
+        <a:font script="Guru" typeface="Raavi"/>
+        <a:font script="Cans" typeface="Euphemia"/>
+        <a:font script="Cher" typeface="Plantagenet Cherokee"/>
+        <a:font script="Yiii" typeface="Microsoft Yi Baiti"/>
+        <a:font script="Tibt" typeface="Microsoft Himalaya"/>
+        <a:font script="Thaa" typeface="MV Boli"/>
+        <a:font script="Deva" typeface="Mangal"/>
+        <a:font script="Telu" typeface="Gautami"/>
+        <a:font script="Taml" typeface="Latha"/>
+        <a:font script="Syrc" typeface="Estrangelo Edessa"/>
+        <a:font script="Orya" typeface="Kalinga"/>
+        <a:font script="Mlym" typeface="Kartika"/>
+        <a:font script="Laoo" typeface="DokChampa"/>
+        <a:font script="Sinh" typeface="Iskoola Pota"/>
+        <a:font script="Mong" typeface="Mongolian Baiti"/>
+        <a:font script="Viet" typeface="Arial"/>
+        <a:font script="Uigh" typeface="Microsoft Uighur"/>
+        <a:font script="Geor" typeface="Sylfaen"/>
+        <a:font script="Armn" typeface="Arial"/>
+        <a:font script="Bugi" typeface="Leelawadee UI"/>
+        <a:font script="Bopo" typeface="Microsoft JhengHei"/>
+        <a:font script="Java" typeface="Javanese Text"/>
+        <a:font script="Lisu" typeface="Segoe UI"/>
+        <a:font script="Mymr" typeface="Myanmar Text"/>
+        <a:font script="Nkoo" typeface="Ebrima"/>
+        <a:font script="Olck" typeface="Nirmala UI"/>
+        <a:font script="Osma" typeface="Ebrima"/>
+        <a:font script="Phag" typeface="Phagspa"/>
+        <a:font script="Syrn" typeface="Estrangelo Edessa"/>
+        <a:font script="Syrj" typeface="Estrangelo Edessa"/>
+        <a:font script="Syre" typeface="Estrangelo Edessa"/>
+        <a:font script="Sora" typeface="Nirmala UI"/>
+        <a:font script="Tale" typeface="Microsoft Tai Le"/>
+        <a:font script="Talu" typeface="Microsoft New Tai Lue"/>
+        <a:font script="Tfng" typeface="Ebrima"/>
+      </a:minorFont>
+    </a:fontScheme>
+    <a:fmtScheme name="Office">
+      <a:fillStyleLst>
+        <a:solidFill>
+          <a:schemeClr val="phClr"/>
+        </a:solidFill>
+        <a:gradFill rotWithShape="1">
+          <a:gsLst>
+            <a:gs pos="0">
+              <a:schemeClr val="phClr">
+                <a:lumMod val="110000"/>
+                <a:satMod val="105000"/>
+                <a:tint val="67000"/>
+              </a:schemeClr>
+            </a:gs>
+            <a:gs pos="50000">
+              <a:schemeClr val="phClr">
+                <a:lumMod val="105000"/>
+                <a:satMod val="103000"/>
+                <a:tint val="73000"/>
+              </a:schemeClr>
+            </a:gs>
+            <a:gs pos="100000">
+              <a:schemeClr val="phClr">
+                <a:lumMod val="105000"/>
+                <a:satMod val="109000"/>
+                <a:tint val="81000"/>
+              </a:schemeClr>
+            </a:gs>
+          </a:gsLst>
+          <a:lin ang="5400000" scaled="0"/>
+        </a:gradFill>
+        <a:gradFill rotWithShape="1">
+          <a:gsLst>
+            <a:gs pos="0">
+              <a:schemeClr val="phClr">
+                <a:satMod val="103000"/>
+                <a:lumMod val="102000"/>
+                <a:tint val="94000"/>
+              </a:schemeClr>
+            </a:gs>
+            <a:gs pos="50000">
+              <a:schemeClr val="phClr">
+                <a:satMod val="110000"/>
+                <a:lumMod val="100000"/>
+                <a:shade val="100000"/>
+              </a:schemeClr>
+            </a:gs>
+            <a:gs pos="100000">
+              <a:schemeClr val="phClr">
+                <a:lumMod val="99000"/>
+                <a:satMod val="120000"/>
+                <a:shade val="78000"/>
+              </a:schemeClr>
+            </a:gs>
+          </a:gsLst>
+          <a:lin ang="5400000" scaled="0"/>
+        </a:gradFill>
+      </a:fillStyleLst>
+      <a:lnStyleLst>
+        <a:ln w="6350" cap="flat" cmpd="sng" algn="ctr">
+          <a:solidFill>
+            <a:schemeClr val="phClr"/>
+          </a:solidFill>
+          <a:prstDash val="solid"/>
+          <a:miter lim="800000"/>
+        </a:ln>
+        <a:ln w="12700" cap="flat" cmpd="sng" algn="ctr">
+          <a:solidFill>
+            <a:schemeClr val="phClr"/>
+          </a:solidFill>
+          <a:prstDash val="solid"/>
+          <a:miter lim="800000"/>
+        </a:ln>
+        <a:ln w="19050" cap="flat" cmpd="sng" algn="ctr">
+          <a:solidFill>
+            <a:schemeClr val="phClr"/>
+          </a:solidFill>
+          <a:prstDash val="solid"/>
+          <a:miter lim="800000"/>
+        </a:ln>
+      </a:lnStyleLst>
+      <a:effectStyleLst>
+        <a:effectStyle>
+          <a:effectLst/>
+        </a:effectStyle>
+        <a:effectStyle>
+          <a:effectLst/>
+        </a:effectStyle>
+        <a:effectStyle>
+          <a:effectLst>
+            <a:outerShdw blurRad="57150" dist="19050" dir="5400000" algn="ctr" rotWithShape="0">
+              <a:srgbClr val="000000">
+                <a:alpha val="63000"/>
+              </a:srgbClr>
+            </a:outerShdw>
+          </a:effectLst>
+        </a:effectStyle>
+      </a:effectStyleLst>
+      <a:bgFillStyleLst>
+        <a:solidFill>
+          <a:schemeClr val="phClr"/>
+        </a:solidFill>
+        <a:solidFill>
+          <a:schemeClr val="phClr">
+            <a:tint val="95000"/>
+            <a:satMod val="170000"/>
+          </a:schemeClr>
+        </a:solidFill>
+        <a:gradFill rotWithShape="1">
+          <a:gsLst>
+            <a:gs pos="0">
+              <a:schemeClr val="phClr">
+                <a:tint val="93000"/>
+                <a:satMod val="150000"/>
+                <a:shade val="98000"/>
+                <a:lumMod val="102000"/>
+              </a:schemeClr>
+            </a:gs>
+            <a:gs pos="50000">
+              <a:schemeClr val="phClr">
+                <a:tint val="98000"/>
+                <a:satMod val="130000"/>
+                <a:shade val="90000"/>
+                <a:lumMod val="103000"/>
+              </a:schemeClr>
+            </a:gs>
+            <a:gs pos="100000">
+              <a:schemeClr val="phClr">
+                <a:shade val="63000"/>
+                <a:satMod val="120000"/>
+              </a:schemeClr>
+            </a:gs>
+          </a:gsLst>
+          <a:lin ang="5400000" scaled="0"/>
+        </a:gradFill>
+      </a:bgFillStyleLst>
+    </a:fmtScheme>
+  </a:themeElements>
+  <a:objectDefaults/>
+  <a:extraClrSchemeLst/>
+  <a:extLst>
+    <a:ext uri="{05A4C25C-085E-4340-85A3-A5531E510DB2}">
+      <thm15:themeFamily xmlns:thm15="http://schemas.microsoft.com/office/thememl/2012/main" name="Office Theme" id="{62F939B6-93AF-4DB8-9C6B-D6C7DFDC589F}" vid="{4A3C46E8-61CC-4603-A589-7422A47A8E4A}"/>
+    </a:ext>
+  </a:extLst>
+</a:theme>
 </file>
--- a/Bewertungsmatrix.pptx
+++ b/Bewertungsmatrix.pptx
@@ -809,7 +809,7 @@
           <a:p>
             <a:fld id="{AB6B1791-49E8-42BA-A706-CD3267C31A09}" type="datetimeFigureOut">
               <a:rPr lang="de-DE" smtClean="0"/>
-              <a:t>18.06.2018</a:t>
+              <a:t>20.06.2018</a:t>
             </a:fld>
             <a:endParaRPr lang="de-DE"/>
           </a:p>
@@ -1007,7 +1007,7 @@
           <a:p>
             <a:fld id="{AB6B1791-49E8-42BA-A706-CD3267C31A09}" type="datetimeFigureOut">
               <a:rPr lang="de-DE" smtClean="0"/>
-              <a:t>18.06.2018</a:t>
+              <a:t>20.06.2018</a:t>
             </a:fld>
             <a:endParaRPr lang="de-DE"/>
           </a:p>
@@ -1215,7 +1215,7 @@
           <a:p>
             <a:fld id="{AB6B1791-49E8-42BA-A706-CD3267C31A09}" type="datetimeFigureOut">
               <a:rPr lang="de-DE" smtClean="0"/>
-              <a:t>18.06.2018</a:t>
+              <a:t>20.06.2018</a:t>
             </a:fld>
             <a:endParaRPr lang="de-DE"/>
           </a:p>
@@ -1413,7 +1413,7 @@
           <a:p>
             <a:fld id="{AB6B1791-49E8-42BA-A706-CD3267C31A09}" type="datetimeFigureOut">
               <a:rPr lang="de-DE" smtClean="0"/>
-              <a:t>18.06.2018</a:t>
+              <a:t>20.06.2018</a:t>
             </a:fld>
             <a:endParaRPr lang="de-DE"/>
           </a:p>
@@ -1688,7 +1688,7 @@
           <a:p>
             <a:fld id="{AB6B1791-49E8-42BA-A706-CD3267C31A09}" type="datetimeFigureOut">
               <a:rPr lang="de-DE" smtClean="0"/>
-              <a:t>18.06.2018</a:t>
+              <a:t>20.06.2018</a:t>
             </a:fld>
             <a:endParaRPr lang="de-DE"/>
           </a:p>
@@ -1953,7 +1953,7 @@
           <a:p>
             <a:fld id="{AB6B1791-49E8-42BA-A706-CD3267C31A09}" type="datetimeFigureOut">
               <a:rPr lang="de-DE" smtClean="0"/>
-              <a:t>18.06.2018</a:t>
+              <a:t>20.06.2018</a:t>
             </a:fld>
             <a:endParaRPr lang="de-DE"/>
           </a:p>
@@ -2365,7 +2365,7 @@
           <a:p>
             <a:fld id="{AB6B1791-49E8-42BA-A706-CD3267C31A09}" type="datetimeFigureOut">
               <a:rPr lang="de-DE" smtClean="0"/>
-              <a:t>18.06.2018</a:t>
+              <a:t>20.06.2018</a:t>
             </a:fld>
             <a:endParaRPr lang="de-DE"/>
           </a:p>
@@ -2506,7 +2506,7 @@
           <a:p>
             <a:fld id="{AB6B1791-49E8-42BA-A706-CD3267C31A09}" type="datetimeFigureOut">
               <a:rPr lang="de-DE" smtClean="0"/>
-              <a:t>18.06.2018</a:t>
+              <a:t>20.06.2018</a:t>
             </a:fld>
             <a:endParaRPr lang="de-DE"/>
           </a:p>
@@ -2619,7 +2619,7 @@
           <a:p>
             <a:fld id="{AB6B1791-49E8-42BA-A706-CD3267C31A09}" type="datetimeFigureOut">
               <a:rPr lang="de-DE" smtClean="0"/>
-              <a:t>18.06.2018</a:t>
+              <a:t>20.06.2018</a:t>
             </a:fld>
             <a:endParaRPr lang="de-DE"/>
           </a:p>
@@ -2930,7 +2930,7 @@
           <a:p>
             <a:fld id="{AB6B1791-49E8-42BA-A706-CD3267C31A09}" type="datetimeFigureOut">
               <a:rPr lang="de-DE" smtClean="0"/>
-              <a:t>18.06.2018</a:t>
+              <a:t>20.06.2018</a:t>
             </a:fld>
             <a:endParaRPr lang="de-DE"/>
           </a:p>
@@ -3218,7 +3218,7 @@
           <a:p>
             <a:fld id="{AB6B1791-49E8-42BA-A706-CD3267C31A09}" type="datetimeFigureOut">
               <a:rPr lang="de-DE" smtClean="0"/>
-              <a:t>18.06.2018</a:t>
+              <a:t>20.06.2018</a:t>
             </a:fld>
             <a:endParaRPr lang="de-DE"/>
           </a:p>
@@ -3459,7 +3459,7 @@
           <a:p>
             <a:fld id="{AB6B1791-49E8-42BA-A706-CD3267C31A09}" type="datetimeFigureOut">
               <a:rPr lang="de-DE" smtClean="0"/>
-              <a:t>18.06.2018</a:t>
+              <a:t>20.06.2018</a:t>
             </a:fld>
             <a:endParaRPr lang="de-DE"/>
           </a:p>
@@ -5207,7 +5207,7 @@
           <a:p>
             <a:r>
               <a:rPr lang="de-DE" dirty="0"/>
-              <a:t>Iterativ vs. Inkrementell</a:t>
+              <a:t>Iterativ vs. Inkrementell [3] [4]</a:t>
             </a:r>
           </a:p>
           <a:p>
@@ -7275,7 +7275,9 @@
         </p:nvSpPr>
         <p:spPr/>
         <p:txBody>
-          <a:bodyPr/>
+          <a:bodyPr>
+            <a:normAutofit fontScale="92500" lnSpcReduction="10000"/>
+          </a:bodyPr>
           <a:lstStyle/>
           <a:p>
             <a:r>
@@ -7315,7 +7317,162 @@
             </a:r>
           </a:p>
           <a:p>
-            <a:endParaRPr lang="de-DE" dirty="0"/>
+            <a:r>
+              <a:rPr lang="de-DE" dirty="0"/>
+              <a:t>[3]: </a:t>
+            </a:r>
+            <a:r>
+              <a:rPr lang="de-DE" dirty="0" err="1"/>
+              <a:t>Bongki</a:t>
+            </a:r>
+            <a:r>
+              <a:rPr lang="de-DE" dirty="0"/>
+              <a:t> Moon, Inés Fernando Vega López, and </a:t>
+            </a:r>
+            <a:r>
+              <a:rPr lang="de-DE" dirty="0" err="1"/>
+              <a:t>Vijaykumar</a:t>
+            </a:r>
+            <a:r>
+              <a:rPr lang="de-DE" dirty="0"/>
+              <a:t> Immanuel. </a:t>
+            </a:r>
+            <a:r>
+              <a:rPr lang="de-DE" dirty="0" err="1"/>
+              <a:t>Scalable</a:t>
+            </a:r>
+            <a:r>
+              <a:rPr lang="de-DE" dirty="0"/>
+              <a:t> </a:t>
+            </a:r>
+            <a:r>
+              <a:rPr lang="de-DE" dirty="0" err="1"/>
+              <a:t>algorithms</a:t>
+            </a:r>
+            <a:r>
+              <a:rPr lang="de-DE" dirty="0"/>
+              <a:t> </a:t>
+            </a:r>
+            <a:r>
+              <a:rPr lang="de-DE" dirty="0" err="1"/>
+              <a:t>for</a:t>
+            </a:r>
+            <a:r>
+              <a:rPr lang="de-DE" dirty="0"/>
+              <a:t> large temporal </a:t>
+            </a:r>
+            <a:r>
+              <a:rPr lang="de-DE" dirty="0" err="1"/>
+              <a:t>aggregation</a:t>
+            </a:r>
+            <a:r>
+              <a:rPr lang="de-DE" dirty="0"/>
+              <a:t>. In </a:t>
+            </a:r>
+            <a:r>
+              <a:rPr lang="de-DE" i="1" dirty="0"/>
+              <a:t>ICDE</a:t>
+            </a:r>
+            <a:r>
+              <a:rPr lang="de-DE" dirty="0"/>
+              <a:t>, </a:t>
+            </a:r>
+            <a:r>
+              <a:rPr lang="de-DE" dirty="0" err="1"/>
+              <a:t>pages</a:t>
+            </a:r>
+            <a:r>
+              <a:rPr lang="de-DE" dirty="0"/>
+              <a:t> 145–154, 2000</a:t>
+            </a:r>
+          </a:p>
+          <a:p>
+            <a:r>
+              <a:rPr lang="de-DE" dirty="0"/>
+              <a:t>[4]: </a:t>
+            </a:r>
+            <a:r>
+              <a:rPr lang="en-US" dirty="0"/>
+              <a:t>Jun Yang and Jennifer </a:t>
+            </a:r>
+            <a:r>
+              <a:rPr lang="en-US" dirty="0" err="1"/>
+              <a:t>Widom</a:t>
+            </a:r>
+            <a:r>
+              <a:rPr lang="en-US" dirty="0"/>
+              <a:t>. Incremental computation and maintenance of </a:t>
+            </a:r>
+            <a:r>
+              <a:rPr lang="de-DE" dirty="0"/>
+              <a:t>temporal </a:t>
+            </a:r>
+            <a:r>
+              <a:rPr lang="de-DE" dirty="0" err="1"/>
+              <a:t>aggregates</a:t>
+            </a:r>
+            <a:r>
+              <a:rPr lang="de-DE" dirty="0"/>
+              <a:t>. </a:t>
+            </a:r>
+            <a:r>
+              <a:rPr lang="de-DE" i="1" dirty="0"/>
+              <a:t>VLDB J.</a:t>
+            </a:r>
+            <a:r>
+              <a:rPr lang="de-DE" dirty="0"/>
+              <a:t>, 12(3):262–283, 2003</a:t>
+            </a:r>
+          </a:p>
+          <a:p>
+            <a:r>
+              <a:rPr lang="de-DE" dirty="0"/>
+              <a:t>[5]: </a:t>
+            </a:r>
+            <a:r>
+              <a:rPr lang="en-US" dirty="0"/>
+              <a:t>Arvind </a:t>
+            </a:r>
+            <a:r>
+              <a:rPr lang="en-US" dirty="0" err="1"/>
+              <a:t>Arasu</a:t>
+            </a:r>
+            <a:r>
+              <a:rPr lang="en-US" dirty="0"/>
+              <a:t> and Jennifer </a:t>
+            </a:r>
+            <a:r>
+              <a:rPr lang="en-US" dirty="0" err="1"/>
+              <a:t>Widom</a:t>
+            </a:r>
+            <a:r>
+              <a:rPr lang="en-US" dirty="0"/>
+              <a:t>. Resource sharing in continuous </a:t>
+            </a:r>
+            <a:r>
+              <a:rPr lang="en-US" dirty="0" err="1"/>
+              <a:t>slidingwindow</a:t>
+            </a:r>
+            <a:r>
+              <a:rPr lang="en-US" dirty="0"/>
+              <a:t> aggregates. In </a:t>
+            </a:r>
+            <a:r>
+              <a:rPr lang="en-US" i="1" dirty="0"/>
+              <a:t>(e)Proceedings of the Thirtieth International Conference on Very Large Data Bases, Toronto, Canada, August 31 - September 3 2004</a:t>
+            </a:r>
+            <a:r>
+              <a:rPr lang="en-US" dirty="0"/>
+              <a:t>, </a:t>
+            </a:r>
+            <a:r>
+              <a:rPr lang="de-DE" dirty="0" err="1"/>
+              <a:t>pages</a:t>
+            </a:r>
+            <a:r>
+              <a:rPr lang="de-DE" dirty="0"/>
+              <a:t> 336–347, 2004</a:t>
+            </a:r>
           </a:p>
           <a:p>
             <a:endParaRPr lang="de-DE" dirty="0"/>

--- a/Bewertungsmatrix.pptx
+++ b/Bewertungsmatrix.pptx
@@ -5,7 +5,7 @@
     <p:sldMasterId id="2147483648" r:id="rId1"/>
   </p:sldMasterIdLst>
   <p:notesMasterIdLst>
-    <p:notesMasterId r:id="rId22"/>
+    <p:notesMasterId r:id="rId25"/>
   </p:notesMasterIdLst>
   <p:sldIdLst>
     <p:sldId id="256" r:id="rId2"/>
@@ -26,8 +26,11 @@
     <p:sldId id="269" r:id="rId17"/>
     <p:sldId id="270" r:id="rId18"/>
     <p:sldId id="271" r:id="rId19"/>
-    <p:sldId id="266" r:id="rId20"/>
-    <p:sldId id="274" r:id="rId21"/>
+    <p:sldId id="276" r:id="rId20"/>
+    <p:sldId id="278" r:id="rId21"/>
+    <p:sldId id="277" r:id="rId22"/>
+    <p:sldId id="266" r:id="rId23"/>
+    <p:sldId id="274" r:id="rId24"/>
   </p:sldIdLst>
   <p:sldSz cx="12192000" cy="6858000"/>
   <p:notesSz cx="6858000" cy="9144000"/>
@@ -216,7 +219,7 @@
           <a:p>
             <a:fld id="{C186884D-CF9C-498C-8F09-CC25657E25A2}" type="datetimeFigureOut">
               <a:rPr lang="de-DE" smtClean="0"/>
-              <a:t>20.06.2018</a:t>
+              <a:t>26.06.2018</a:t>
             </a:fld>
             <a:endParaRPr lang="de-DE"/>
           </a:p>
@@ -529,15 +532,27 @@
           <a:p>
             <a:r>
               <a:rPr lang="de-DE" dirty="0"/>
-              <a:t>Je Knoten MAX Wert mitführen und bei 1 Vergleich jeweils und wenn neues Maximum, dann MAX Wert erneuern. Eventuell interessante Information und Verknüpfung zu </a:t>
-            </a:r>
-            <a:r>
-              <a:rPr lang="de-DE" dirty="0" err="1"/>
-              <a:t>Sune</a:t>
-            </a:r>
-            <a:r>
-              <a:rPr lang="de-DE" dirty="0"/>
-              <a:t> Lehman denkbar. </a:t>
+              <a:t>Kante löschen ist problematisch</a:t>
+            </a:r>
+          </a:p>
+          <a:p>
+            <a:r>
+              <a:rPr lang="de-DE" dirty="0"/>
+              <a:t>Für Ausbreitungsgraphen ausreichend</a:t>
+            </a:r>
+          </a:p>
+          <a:p>
+            <a:r>
+              <a:rPr lang="de-DE" dirty="0"/>
+              <a:t>Existiert Kante vor dem Zeitpunkt 1? Jedes </a:t>
+            </a:r>
+            <a:r>
+              <a:rPr lang="de-DE" dirty="0" err="1"/>
+              <a:t>Prop</a:t>
+            </a:r>
+            <a:r>
+              <a:rPr lang="de-DE" dirty="0"/>
+              <a:t> einzeln versioniert, niedrigste Gültigkeitsdauer gleich mit Kanten/Knoten</a:t>
             </a:r>
           </a:p>
         </p:txBody>
@@ -559,7 +574,7 @@
           <a:p>
             <a:fld id="{8E2B2159-553F-44D2-A7EA-4585E9EF0B5F}" type="slidenum">
               <a:rPr lang="de-DE" smtClean="0"/>
-              <a:t>14</a:t>
+              <a:t>11</a:t>
             </a:fld>
             <a:endParaRPr lang="de-DE"/>
           </a:p>
@@ -568,7 +583,7 @@
     </p:spTree>
     <p:extLst>
       <p:ext uri="{BB962C8B-B14F-4D97-AF65-F5344CB8AC3E}">
-        <p14:creationId xmlns:p14="http://schemas.microsoft.com/office/powerpoint/2010/main" val="3825179516"/>
+        <p14:creationId xmlns:p14="http://schemas.microsoft.com/office/powerpoint/2010/main" val="803047881"/>
       </p:ext>
     </p:extLst>
   </p:cSld>
@@ -622,7 +637,758 @@
           <a:bodyPr/>
           <a:lstStyle/>
           <a:p>
+            <a:r>
+              <a:rPr lang="de-DE" dirty="0"/>
+              <a:t>Out </a:t>
+            </a:r>
+            <a:r>
+              <a:rPr lang="de-DE" dirty="0" err="1"/>
+              <a:t>degree</a:t>
+            </a:r>
+            <a:r>
+              <a:rPr lang="de-DE" dirty="0"/>
+              <a:t> kein wirklicher Property, können stand </a:t>
+            </a:r>
+            <a:r>
+              <a:rPr lang="de-DE" dirty="0" err="1"/>
+              <a:t>alone</a:t>
+            </a:r>
+            <a:r>
+              <a:rPr lang="de-DE" dirty="0"/>
+              <a:t>, können aus Struktur kommen </a:t>
+            </a:r>
+            <a:r>
+              <a:rPr lang="de-DE" dirty="0" err="1"/>
+              <a:t>etc</a:t>
+            </a:r>
+            <a:r>
+              <a:rPr lang="de-DE" dirty="0"/>
+              <a:t>, was alles möglich?</a:t>
+            </a:r>
+          </a:p>
+          <a:p>
+            <a:r>
+              <a:rPr lang="de-DE" dirty="0" err="1"/>
+              <a:t>Matriellisierete</a:t>
+            </a:r>
+            <a:r>
+              <a:rPr lang="de-DE" dirty="0"/>
+              <a:t>  Sicht / Caches / View Maintenance / </a:t>
+            </a:r>
+            <a:r>
+              <a:rPr lang="de-DE" dirty="0" err="1"/>
+              <a:t>Graphproblem</a:t>
+            </a:r>
+            <a:r>
+              <a:rPr lang="de-DE" dirty="0"/>
+              <a:t> anders dazu? Vorausberechnung von Sichten / Fest vs. Variable konkreter Definieren / </a:t>
+            </a:r>
+          </a:p>
+        </p:txBody>
+      </p:sp>
+      <p:sp>
+        <p:nvSpPr>
+          <p:cNvPr id="4" name="Foliennummernplatzhalter 3"/>
+          <p:cNvSpPr>
+            <a:spLocks noGrp="1"/>
+          </p:cNvSpPr>
+          <p:nvPr>
+            <p:ph type="sldNum" sz="quarter" idx="10"/>
+          </p:nvPr>
+        </p:nvSpPr>
+        <p:spPr/>
+        <p:txBody>
+          <a:bodyPr/>
+          <a:lstStyle/>
+          <a:p>
+            <a:fld id="{8E2B2159-553F-44D2-A7EA-4585E9EF0B5F}" type="slidenum">
+              <a:rPr lang="de-DE" smtClean="0"/>
+              <a:t>12</a:t>
+            </a:fld>
+            <a:endParaRPr lang="de-DE"/>
+          </a:p>
+        </p:txBody>
+      </p:sp>
+    </p:spTree>
+    <p:extLst>
+      <p:ext uri="{BB962C8B-B14F-4D97-AF65-F5344CB8AC3E}">
+        <p14:creationId xmlns:p14="http://schemas.microsoft.com/office/powerpoint/2010/main" val="2765601225"/>
+      </p:ext>
+    </p:extLst>
+  </p:cSld>
+  <p:clrMapOvr>
+    <a:masterClrMapping/>
+  </p:clrMapOvr>
+</p:notes>
+</file>
+
+<file path=ppt/notesSlides/notesSlide3.xml><?xml version="1.0" encoding="utf-8"?>
+<p:notes xmlns:a="http://schemas.openxmlformats.org/drawingml/2006/main" xmlns:r="http://schemas.openxmlformats.org/officeDocument/2006/relationships" xmlns:p="http://schemas.openxmlformats.org/presentationml/2006/main">
+  <p:cSld>
+    <p:spTree>
+      <p:nvGrpSpPr>
+        <p:cNvPr id="1" name=""/>
+        <p:cNvGrpSpPr/>
+        <p:nvPr/>
+      </p:nvGrpSpPr>
+      <p:grpSpPr>
+        <a:xfrm>
+          <a:off x="0" y="0"/>
+          <a:ext cx="0" cy="0"/>
+          <a:chOff x="0" y="0"/>
+          <a:chExt cx="0" cy="0"/>
+        </a:xfrm>
+      </p:grpSpPr>
+      <p:sp>
+        <p:nvSpPr>
+          <p:cNvPr id="2" name="Folienbildplatzhalter 1"/>
+          <p:cNvSpPr>
+            <a:spLocks noGrp="1" noRot="1" noChangeAspect="1"/>
+          </p:cNvSpPr>
+          <p:nvPr>
+            <p:ph type="sldImg"/>
+          </p:nvPr>
+        </p:nvSpPr>
+        <p:spPr/>
+      </p:sp>
+      <p:sp>
+        <p:nvSpPr>
+          <p:cNvPr id="3" name="Notizenplatzhalter 2"/>
+          <p:cNvSpPr>
+            <a:spLocks noGrp="1"/>
+          </p:cNvSpPr>
+          <p:nvPr>
+            <p:ph type="body" idx="1"/>
+          </p:nvPr>
+        </p:nvSpPr>
+        <p:spPr/>
+        <p:txBody>
+          <a:bodyPr/>
+          <a:lstStyle/>
+          <a:p>
+            <a:r>
+              <a:rPr lang="de-DE" dirty="0"/>
+              <a:t>Teil der Historie wird man speichern müssen, Minimum ist was man aktuell hat</a:t>
+            </a:r>
+          </a:p>
+        </p:txBody>
+      </p:sp>
+      <p:sp>
+        <p:nvSpPr>
+          <p:cNvPr id="4" name="Foliennummernplatzhalter 3"/>
+          <p:cNvSpPr>
+            <a:spLocks noGrp="1"/>
+          </p:cNvSpPr>
+          <p:nvPr>
+            <p:ph type="sldNum" sz="quarter" idx="10"/>
+          </p:nvPr>
+        </p:nvSpPr>
+        <p:spPr/>
+        <p:txBody>
+          <a:bodyPr/>
+          <a:lstStyle/>
+          <a:p>
+            <a:fld id="{8E2B2159-553F-44D2-A7EA-4585E9EF0B5F}" type="slidenum">
+              <a:rPr lang="de-DE" smtClean="0"/>
+              <a:t>13</a:t>
+            </a:fld>
+            <a:endParaRPr lang="de-DE"/>
+          </a:p>
+        </p:txBody>
+      </p:sp>
+    </p:spTree>
+    <p:extLst>
+      <p:ext uri="{BB962C8B-B14F-4D97-AF65-F5344CB8AC3E}">
+        <p14:creationId xmlns:p14="http://schemas.microsoft.com/office/powerpoint/2010/main" val="1005077236"/>
+      </p:ext>
+    </p:extLst>
+  </p:cSld>
+  <p:clrMapOvr>
+    <a:masterClrMapping/>
+  </p:clrMapOvr>
+</p:notes>
+</file>
+
+<file path=ppt/notesSlides/notesSlide4.xml><?xml version="1.0" encoding="utf-8"?>
+<p:notes xmlns:a="http://schemas.openxmlformats.org/drawingml/2006/main" xmlns:r="http://schemas.openxmlformats.org/officeDocument/2006/relationships" xmlns:p="http://schemas.openxmlformats.org/presentationml/2006/main">
+  <p:cSld>
+    <p:spTree>
+      <p:nvGrpSpPr>
+        <p:cNvPr id="1" name=""/>
+        <p:cNvGrpSpPr/>
+        <p:nvPr/>
+      </p:nvGrpSpPr>
+      <p:grpSpPr>
+        <a:xfrm>
+          <a:off x="0" y="0"/>
+          <a:ext cx="0" cy="0"/>
+          <a:chOff x="0" y="0"/>
+          <a:chExt cx="0" cy="0"/>
+        </a:xfrm>
+      </p:grpSpPr>
+      <p:sp>
+        <p:nvSpPr>
+          <p:cNvPr id="2" name="Folienbildplatzhalter 1"/>
+          <p:cNvSpPr>
+            <a:spLocks noGrp="1" noRot="1" noChangeAspect="1"/>
+          </p:cNvSpPr>
+          <p:nvPr>
+            <p:ph type="sldImg"/>
+          </p:nvPr>
+        </p:nvSpPr>
+        <p:spPr/>
+      </p:sp>
+      <p:sp>
+        <p:nvSpPr>
+          <p:cNvPr id="3" name="Notizenplatzhalter 2"/>
+          <p:cNvSpPr>
+            <a:spLocks noGrp="1"/>
+          </p:cNvSpPr>
+          <p:nvPr>
+            <p:ph type="body" idx="1"/>
+          </p:nvPr>
+        </p:nvSpPr>
+        <p:spPr/>
+        <p:txBody>
+          <a:bodyPr/>
+          <a:lstStyle/>
+          <a:p>
+            <a:r>
+              <a:rPr lang="de-DE" dirty="0"/>
+              <a:t>Je Knoten MAX Wert mitführen und bei 1 Vergleich jeweils und wenn neues Maximum, dann MAX Wert erneuern. Eventuell interessante Information und Verknüpfung zu </a:t>
+            </a:r>
+            <a:r>
+              <a:rPr lang="de-DE" dirty="0" err="1"/>
+              <a:t>Sune</a:t>
+            </a:r>
+            <a:r>
+              <a:rPr lang="de-DE" dirty="0"/>
+              <a:t> Lehman denkbar. Strukturelle vs. Werte // </a:t>
+            </a:r>
+            <a:r>
+              <a:rPr lang="de-DE" dirty="0" err="1"/>
+              <a:t>nachbarschafts</a:t>
+            </a:r>
+            <a:r>
+              <a:rPr lang="de-DE" dirty="0"/>
+              <a:t>, n-</a:t>
+            </a:r>
+            <a:r>
+              <a:rPr lang="de-DE" dirty="0" err="1"/>
+              <a:t>hop</a:t>
+            </a:r>
+            <a:r>
+              <a:rPr lang="de-DE" dirty="0"/>
+              <a:t> oder beliebig iterativ // wie viel voraus berechnen und wie viel bei Bedarf? Optimierungsprobleme, was </a:t>
+            </a:r>
+            <a:r>
+              <a:rPr lang="de-DE" dirty="0" err="1"/>
+              <a:t>is</a:t>
+            </a:r>
+            <a:r>
+              <a:rPr lang="de-DE" dirty="0"/>
+              <a:t> Optimierungsziel? Wie weit herausberechnen // </a:t>
+            </a:r>
+            <a:r>
+              <a:rPr lang="de-DE" dirty="0" err="1"/>
+              <a:t>TGraph</a:t>
+            </a:r>
+            <a:r>
+              <a:rPr lang="de-DE" dirty="0"/>
+              <a:t> beliebige Iterationen//  //  welche Aggregate erlauben sie // kann </a:t>
+            </a:r>
+            <a:r>
+              <a:rPr lang="de-DE" dirty="0" err="1"/>
+              <a:t>TGRaph</a:t>
+            </a:r>
+            <a:r>
+              <a:rPr lang="de-DE" dirty="0"/>
+              <a:t> geschachtelte </a:t>
+            </a:r>
+            <a:r>
+              <a:rPr lang="de-DE" dirty="0" err="1"/>
+              <a:t>Agg</a:t>
+            </a:r>
+            <a:r>
+              <a:rPr lang="de-DE" dirty="0"/>
+              <a:t>? Beliebige Iterationen? Aggregieren über mehrere Ebenen einzelner Knoten, dann in </a:t>
+            </a:r>
+            <a:r>
+              <a:rPr lang="de-DE" dirty="0" err="1"/>
+              <a:t>Communitiy</a:t>
+            </a:r>
+            <a:r>
+              <a:rPr lang="de-DE" dirty="0"/>
+              <a:t> rein und die können </a:t>
+            </a:r>
+            <a:r>
+              <a:rPr lang="de-DE" dirty="0" err="1"/>
+              <a:t>overlapping</a:t>
+            </a:r>
+            <a:r>
+              <a:rPr lang="de-DE" dirty="0"/>
+              <a:t> sein, dann ganzer </a:t>
+            </a:r>
+            <a:r>
+              <a:rPr lang="de-DE" dirty="0" err="1"/>
+              <a:t>graph</a:t>
+            </a:r>
+            <a:r>
+              <a:rPr lang="de-DE" dirty="0"/>
+              <a:t>, je ebene eigene </a:t>
+            </a:r>
+            <a:r>
+              <a:rPr lang="de-DE" dirty="0" err="1"/>
+              <a:t>aggregate</a:t>
+            </a:r>
+            <a:r>
+              <a:rPr lang="de-DE" dirty="0"/>
+              <a:t>, auf einer ebene sollte es schon inkrementell möglich sein, </a:t>
+            </a:r>
+            <a:r>
+              <a:rPr lang="de-DE" dirty="0" err="1"/>
+              <a:t>sont</a:t>
+            </a:r>
+            <a:r>
+              <a:rPr lang="de-DE" dirty="0"/>
+              <a:t> verloren, </a:t>
+            </a:r>
+            <a:r>
+              <a:rPr lang="de-DE" dirty="0" err="1"/>
+              <a:t>src</a:t>
+            </a:r>
+            <a:r>
+              <a:rPr lang="de-DE" dirty="0"/>
+              <a:t> </a:t>
+            </a:r>
+            <a:r>
+              <a:rPr lang="de-DE" dirty="0" err="1"/>
+              <a:t>code</a:t>
+            </a:r>
+            <a:r>
+              <a:rPr lang="de-DE" dirty="0"/>
+              <a:t> – auf </a:t>
+            </a:r>
+            <a:r>
+              <a:rPr lang="de-DE" dirty="0" err="1"/>
+              <a:t>graphen</a:t>
+            </a:r>
+            <a:r>
+              <a:rPr lang="de-DE" dirty="0"/>
+              <a:t>, mehrfach </a:t>
+            </a:r>
+            <a:r>
+              <a:rPr lang="de-DE" dirty="0" err="1"/>
+              <a:t>agg</a:t>
+            </a:r>
+            <a:r>
+              <a:rPr lang="de-DE" dirty="0"/>
+              <a:t> und übereinander a) </a:t>
+            </a:r>
+            <a:r>
+              <a:rPr lang="de-DE" dirty="0" err="1"/>
+              <a:t>hierarchie</a:t>
+            </a:r>
+            <a:r>
+              <a:rPr lang="de-DE" dirty="0"/>
+              <a:t> führt welche </a:t>
+            </a:r>
+            <a:r>
+              <a:rPr lang="de-DE" dirty="0" err="1"/>
+              <a:t>aggregate</a:t>
+            </a:r>
+            <a:r>
+              <a:rPr lang="de-DE" dirty="0"/>
+              <a:t> passen auf welche anderen // decken sich die </a:t>
+            </a:r>
+            <a:r>
+              <a:rPr lang="de-DE" dirty="0" err="1"/>
+              <a:t>anforderungen</a:t>
+            </a:r>
+            <a:r>
+              <a:rPr lang="de-DE" dirty="0"/>
+              <a:t> mit den arbeiten? </a:t>
+            </a:r>
+          </a:p>
+        </p:txBody>
+      </p:sp>
+      <p:sp>
+        <p:nvSpPr>
+          <p:cNvPr id="4" name="Foliennummernplatzhalter 3"/>
+          <p:cNvSpPr>
+            <a:spLocks noGrp="1"/>
+          </p:cNvSpPr>
+          <p:nvPr>
+            <p:ph type="sldNum" sz="quarter" idx="10"/>
+          </p:nvPr>
+        </p:nvSpPr>
+        <p:spPr/>
+        <p:txBody>
+          <a:bodyPr/>
+          <a:lstStyle/>
+          <a:p>
+            <a:fld id="{8E2B2159-553F-44D2-A7EA-4585E9EF0B5F}" type="slidenum">
+              <a:rPr lang="de-DE" smtClean="0"/>
+              <a:t>14</a:t>
+            </a:fld>
+            <a:endParaRPr lang="de-DE"/>
+          </a:p>
+        </p:txBody>
+      </p:sp>
+    </p:spTree>
+    <p:extLst>
+      <p:ext uri="{BB962C8B-B14F-4D97-AF65-F5344CB8AC3E}">
+        <p14:creationId xmlns:p14="http://schemas.microsoft.com/office/powerpoint/2010/main" val="3825179516"/>
+      </p:ext>
+    </p:extLst>
+  </p:cSld>
+  <p:clrMapOvr>
+    <a:masterClrMapping/>
+  </p:clrMapOvr>
+</p:notes>
+</file>
+
+<file path=ppt/notesSlides/notesSlide5.xml><?xml version="1.0" encoding="utf-8"?>
+<p:notes xmlns:a="http://schemas.openxmlformats.org/drawingml/2006/main" xmlns:r="http://schemas.openxmlformats.org/officeDocument/2006/relationships" xmlns:p="http://schemas.openxmlformats.org/presentationml/2006/main">
+  <p:cSld>
+    <p:spTree>
+      <p:nvGrpSpPr>
+        <p:cNvPr id="1" name=""/>
+        <p:cNvGrpSpPr/>
+        <p:nvPr/>
+      </p:nvGrpSpPr>
+      <p:grpSpPr>
+        <a:xfrm>
+          <a:off x="0" y="0"/>
+          <a:ext cx="0" cy="0"/>
+          <a:chOff x="0" y="0"/>
+          <a:chExt cx="0" cy="0"/>
+        </a:xfrm>
+      </p:grpSpPr>
+      <p:sp>
+        <p:nvSpPr>
+          <p:cNvPr id="2" name="Folienbildplatzhalter 1"/>
+          <p:cNvSpPr>
+            <a:spLocks noGrp="1" noRot="1" noChangeAspect="1"/>
+          </p:cNvSpPr>
+          <p:nvPr>
+            <p:ph type="sldImg"/>
+          </p:nvPr>
+        </p:nvSpPr>
+        <p:spPr/>
+      </p:sp>
+      <p:sp>
+        <p:nvSpPr>
+          <p:cNvPr id="3" name="Notizenplatzhalter 2"/>
+          <p:cNvSpPr>
+            <a:spLocks noGrp="1"/>
+          </p:cNvSpPr>
+          <p:nvPr>
+            <p:ph type="body" idx="1"/>
+          </p:nvPr>
+        </p:nvSpPr>
+        <p:spPr/>
+        <p:txBody>
+          <a:bodyPr/>
+          <a:lstStyle/>
+          <a:p>
+            <a:r>
+              <a:rPr lang="de-DE" dirty="0"/>
+              <a:t>Auch wenn </a:t>
+            </a:r>
+            <a:r>
+              <a:rPr lang="de-DE" dirty="0" err="1"/>
+              <a:t>core</a:t>
+            </a:r>
+            <a:r>
+              <a:rPr lang="de-DE" dirty="0"/>
+              <a:t> nicht </a:t>
+            </a:r>
+            <a:r>
+              <a:rPr lang="de-DE" dirty="0" err="1"/>
+              <a:t>akiv</a:t>
+            </a:r>
+            <a:r>
+              <a:rPr lang="de-DE" dirty="0"/>
+              <a:t>, dann trotzdem mitberechnen, weil </a:t>
+            </a:r>
+            <a:r>
+              <a:rPr lang="de-DE" dirty="0" err="1"/>
+              <a:t>core</a:t>
+            </a:r>
+            <a:r>
+              <a:rPr lang="de-DE" dirty="0"/>
+              <a:t> fest</a:t>
+            </a:r>
+          </a:p>
+          <a:p>
+            <a:r>
+              <a:rPr lang="de-DE" dirty="0"/>
+              <a:t>Überlappend </a:t>
+            </a:r>
+            <a:r>
+              <a:rPr lang="de-DE" dirty="0" err="1"/>
+              <a:t>berechnungen</a:t>
+            </a:r>
+            <a:r>
+              <a:rPr lang="de-DE" dirty="0"/>
+              <a:t> mit in die </a:t>
+            </a:r>
+            <a:r>
+              <a:rPr lang="de-DE" dirty="0" err="1"/>
+              <a:t>cores</a:t>
+            </a:r>
+            <a:r>
+              <a:rPr lang="de-DE" dirty="0"/>
+              <a:t> hinnehmen, was genau berechnet er darauf. </a:t>
+            </a:r>
+          </a:p>
+          <a:p>
+            <a:r>
+              <a:rPr lang="de-DE" dirty="0"/>
+              <a:t>Infos über </a:t>
+            </a:r>
+            <a:r>
+              <a:rPr lang="de-DE" dirty="0" err="1"/>
+              <a:t>substrukturen</a:t>
+            </a:r>
+            <a:r>
+              <a:rPr lang="de-DE" dirty="0"/>
+              <a:t> ? Irgendwas – aufeinander aufbauende </a:t>
+            </a:r>
+            <a:r>
+              <a:rPr lang="de-DE" dirty="0" err="1"/>
+              <a:t>aggregate</a:t>
+            </a:r>
+            <a:r>
+              <a:rPr lang="de-DE" dirty="0"/>
+              <a:t> knoten- trägt </a:t>
+            </a:r>
+            <a:r>
+              <a:rPr lang="de-DE" dirty="0" err="1"/>
+              <a:t>community</a:t>
+            </a:r>
+            <a:r>
+              <a:rPr lang="de-DE" dirty="0"/>
+              <a:t> bei, dann graph. Hat er auch sowas neben zeitlicher </a:t>
+            </a:r>
+            <a:r>
+              <a:rPr lang="de-DE" dirty="0" err="1"/>
+              <a:t>dynamik</a:t>
+            </a:r>
+            <a:r>
+              <a:rPr lang="de-DE" dirty="0"/>
+              <a:t>? </a:t>
+            </a:r>
+          </a:p>
+          <a:p>
             <a:endParaRPr lang="de-DE" dirty="0"/>
+          </a:p>
+          <a:p>
+            <a:r>
+              <a:rPr lang="de-DE" dirty="0"/>
+              <a:t>Automatische </a:t>
+            </a:r>
+            <a:r>
+              <a:rPr lang="de-DE" dirty="0" err="1"/>
+              <a:t>hierarchie</a:t>
+            </a:r>
+            <a:r>
+              <a:rPr lang="de-DE" dirty="0"/>
+              <a:t>, was gibt es, was fordern </a:t>
+            </a:r>
+            <a:r>
+              <a:rPr lang="de-DE" dirty="0" err="1"/>
+              <a:t>leute</a:t>
+            </a:r>
+            <a:r>
+              <a:rPr lang="de-DE" dirty="0"/>
+              <a:t>, was kann man ableiten, was können bestehende </a:t>
+            </a:r>
+            <a:r>
+              <a:rPr lang="de-DE" dirty="0" err="1"/>
+              <a:t>systeme</a:t>
+            </a:r>
+            <a:r>
+              <a:rPr lang="de-DE" dirty="0"/>
+              <a:t>, </a:t>
+            </a:r>
+            <a:r>
+              <a:rPr lang="de-DE" dirty="0" err="1"/>
+              <a:t>clustering</a:t>
+            </a:r>
+            <a:r>
+              <a:rPr lang="de-DE" dirty="0"/>
+              <a:t> mit zeitlich veränderlichen gewichten, </a:t>
+            </a:r>
+            <a:r>
+              <a:rPr lang="de-DE" dirty="0" err="1"/>
+              <a:t>adjazenzmatrix</a:t>
+            </a:r>
+            <a:r>
+              <a:rPr lang="de-DE" dirty="0"/>
+              <a:t> clustern, </a:t>
+            </a:r>
+            <a:r>
+              <a:rPr lang="de-DE" dirty="0" err="1"/>
+              <a:t>topic</a:t>
+            </a:r>
+            <a:r>
+              <a:rPr lang="de-DE" dirty="0"/>
+              <a:t> </a:t>
+            </a:r>
+            <a:r>
+              <a:rPr lang="de-DE" dirty="0" err="1"/>
+              <a:t>detection</a:t>
+            </a:r>
+            <a:r>
+              <a:rPr lang="de-DE" dirty="0"/>
+              <a:t>, kanten hinzukommen, wegfallen, gewichte ändern, </a:t>
+            </a:r>
+            <a:r>
+              <a:rPr lang="de-DE" dirty="0" err="1"/>
+              <a:t>aggregate</a:t>
+            </a:r>
+            <a:r>
+              <a:rPr lang="de-DE" dirty="0"/>
+              <a:t> auf den </a:t>
+            </a:r>
+            <a:r>
+              <a:rPr lang="de-DE" dirty="0" err="1"/>
+              <a:t>clsutern</a:t>
+            </a:r>
+            <a:r>
+              <a:rPr lang="de-DE" dirty="0"/>
+              <a:t>. </a:t>
+            </a:r>
+            <a:r>
+              <a:rPr lang="de-DE" dirty="0" err="1"/>
+              <a:t>Clusern</a:t>
+            </a:r>
+            <a:r>
+              <a:rPr lang="de-DE" dirty="0"/>
+              <a:t> bestimmen ist ein </a:t>
+            </a:r>
+            <a:r>
+              <a:rPr lang="de-DE" dirty="0" err="1"/>
+              <a:t>problem</a:t>
+            </a:r>
+            <a:r>
+              <a:rPr lang="de-DE" dirty="0"/>
+              <a:t>, dann </a:t>
+            </a:r>
+            <a:r>
+              <a:rPr lang="de-DE" dirty="0" err="1"/>
+              <a:t>berechungen</a:t>
+            </a:r>
+            <a:r>
+              <a:rPr lang="de-DE" dirty="0"/>
+              <a:t> auf clustern. Use </a:t>
+            </a:r>
+            <a:r>
+              <a:rPr lang="de-DE" dirty="0" err="1"/>
+              <a:t>case</a:t>
+            </a:r>
+            <a:r>
+              <a:rPr lang="de-DE" dirty="0"/>
+              <a:t> : </a:t>
+            </a:r>
+            <a:r>
+              <a:rPr lang="de-DE" dirty="0" err="1"/>
+              <a:t>adjazenz</a:t>
+            </a:r>
+            <a:r>
+              <a:rPr lang="de-DE" dirty="0"/>
+              <a:t> </a:t>
+            </a:r>
+            <a:r>
+              <a:rPr lang="de-DE" dirty="0" err="1"/>
+              <a:t>matrix</a:t>
+            </a:r>
+            <a:r>
+              <a:rPr lang="de-DE" dirty="0"/>
+              <a:t>, </a:t>
+            </a:r>
+            <a:r>
+              <a:rPr lang="de-DE" dirty="0" err="1"/>
+              <a:t>communities</a:t>
+            </a:r>
+            <a:r>
+              <a:rPr lang="de-DE" dirty="0"/>
+              <a:t> bilden (</a:t>
+            </a:r>
+            <a:r>
+              <a:rPr lang="de-DE" dirty="0" err="1"/>
+              <a:t>clustering</a:t>
+            </a:r>
+            <a:r>
+              <a:rPr lang="de-DE" dirty="0"/>
+              <a:t>), </a:t>
+            </a:r>
+            <a:r>
+              <a:rPr lang="de-DE" dirty="0" err="1"/>
+              <a:t>graph</a:t>
+            </a:r>
+            <a:r>
+              <a:rPr lang="de-DE" dirty="0"/>
+              <a:t> iterativ, weil immer gewichte ändern, dann auf </a:t>
+            </a:r>
+            <a:r>
+              <a:rPr lang="de-DE" dirty="0" err="1"/>
+              <a:t>communities</a:t>
+            </a:r>
+            <a:r>
+              <a:rPr lang="de-DE" dirty="0"/>
+              <a:t> </a:t>
+            </a:r>
+            <a:r>
+              <a:rPr lang="de-DE" dirty="0" err="1"/>
+              <a:t>aggregate</a:t>
+            </a:r>
+            <a:r>
+              <a:rPr lang="de-DE" dirty="0"/>
+              <a:t>, dann über </a:t>
+            </a:r>
+            <a:r>
+              <a:rPr lang="de-DE" dirty="0" err="1"/>
+              <a:t>communities</a:t>
+            </a:r>
+            <a:r>
+              <a:rPr lang="de-DE" dirty="0"/>
+              <a:t> aggregieren – gibt’s noch andere, die solche </a:t>
+            </a:r>
+            <a:r>
+              <a:rPr lang="de-DE" dirty="0" err="1"/>
+              <a:t>probleme</a:t>
+            </a:r>
+            <a:r>
+              <a:rPr lang="de-DE" dirty="0"/>
+              <a:t>. Was brauch ich, wie deckt es der Markt ab. Use </a:t>
+            </a:r>
+            <a:r>
+              <a:rPr lang="de-DE" dirty="0" err="1"/>
+              <a:t>case</a:t>
+            </a:r>
+            <a:r>
+              <a:rPr lang="de-DE" dirty="0"/>
+              <a:t> aus </a:t>
+            </a:r>
+            <a:r>
+              <a:rPr lang="de-DE" dirty="0" err="1"/>
+              <a:t>literatur</a:t>
+            </a:r>
+            <a:r>
+              <a:rPr lang="de-DE" dirty="0"/>
+              <a:t> gestützt oder nicht. Wie gut sind die </a:t>
+            </a:r>
+            <a:r>
+              <a:rPr lang="de-DE" dirty="0" err="1"/>
+              <a:t>anforderungen</a:t>
+            </a:r>
+            <a:r>
+              <a:rPr lang="de-DE" dirty="0"/>
+              <a:t> motiviert? </a:t>
+            </a:r>
           </a:p>
         </p:txBody>
       </p:sp>
@@ -809,7 +1575,7 @@
           <a:p>
             <a:fld id="{AB6B1791-49E8-42BA-A706-CD3267C31A09}" type="datetimeFigureOut">
               <a:rPr lang="de-DE" smtClean="0"/>
-              <a:t>20.06.2018</a:t>
+              <a:t>26.06.2018</a:t>
             </a:fld>
             <a:endParaRPr lang="de-DE"/>
           </a:p>
@@ -1007,7 +1773,7 @@
           <a:p>
             <a:fld id="{AB6B1791-49E8-42BA-A706-CD3267C31A09}" type="datetimeFigureOut">
               <a:rPr lang="de-DE" smtClean="0"/>
-              <a:t>20.06.2018</a:t>
+              <a:t>26.06.2018</a:t>
             </a:fld>
             <a:endParaRPr lang="de-DE"/>
           </a:p>
@@ -1215,7 +1981,7 @@
           <a:p>
             <a:fld id="{AB6B1791-49E8-42BA-A706-CD3267C31A09}" type="datetimeFigureOut">
               <a:rPr lang="de-DE" smtClean="0"/>
-              <a:t>20.06.2018</a:t>
+              <a:t>26.06.2018</a:t>
             </a:fld>
             <a:endParaRPr lang="de-DE"/>
           </a:p>
@@ -1413,7 +2179,7 @@
           <a:p>
             <a:fld id="{AB6B1791-49E8-42BA-A706-CD3267C31A09}" type="datetimeFigureOut">
               <a:rPr lang="de-DE" smtClean="0"/>
-              <a:t>20.06.2018</a:t>
+              <a:t>26.06.2018</a:t>
             </a:fld>
             <a:endParaRPr lang="de-DE"/>
           </a:p>
@@ -1688,7 +2454,7 @@
           <a:p>
             <a:fld id="{AB6B1791-49E8-42BA-A706-CD3267C31A09}" type="datetimeFigureOut">
               <a:rPr lang="de-DE" smtClean="0"/>
-              <a:t>20.06.2018</a:t>
+              <a:t>26.06.2018</a:t>
             </a:fld>
             <a:endParaRPr lang="de-DE"/>
           </a:p>
@@ -1953,7 +2719,7 @@
           <a:p>
             <a:fld id="{AB6B1791-49E8-42BA-A706-CD3267C31A09}" type="datetimeFigureOut">
               <a:rPr lang="de-DE" smtClean="0"/>
-              <a:t>20.06.2018</a:t>
+              <a:t>26.06.2018</a:t>
             </a:fld>
             <a:endParaRPr lang="de-DE"/>
           </a:p>
@@ -2365,7 +3131,7 @@
           <a:p>
             <a:fld id="{AB6B1791-49E8-42BA-A706-CD3267C31A09}" type="datetimeFigureOut">
               <a:rPr lang="de-DE" smtClean="0"/>
-              <a:t>20.06.2018</a:t>
+              <a:t>26.06.2018</a:t>
             </a:fld>
             <a:endParaRPr lang="de-DE"/>
           </a:p>
@@ -2506,7 +3272,7 @@
           <a:p>
             <a:fld id="{AB6B1791-49E8-42BA-A706-CD3267C31A09}" type="datetimeFigureOut">
               <a:rPr lang="de-DE" smtClean="0"/>
-              <a:t>20.06.2018</a:t>
+              <a:t>26.06.2018</a:t>
             </a:fld>
             <a:endParaRPr lang="de-DE"/>
           </a:p>
@@ -2619,7 +3385,7 @@
           <a:p>
             <a:fld id="{AB6B1791-49E8-42BA-A706-CD3267C31A09}" type="datetimeFigureOut">
               <a:rPr lang="de-DE" smtClean="0"/>
-              <a:t>20.06.2018</a:t>
+              <a:t>26.06.2018</a:t>
             </a:fld>
             <a:endParaRPr lang="de-DE"/>
           </a:p>
@@ -2930,7 +3696,7 @@
           <a:p>
             <a:fld id="{AB6B1791-49E8-42BA-A706-CD3267C31A09}" type="datetimeFigureOut">
               <a:rPr lang="de-DE" smtClean="0"/>
-              <a:t>20.06.2018</a:t>
+              <a:t>26.06.2018</a:t>
             </a:fld>
             <a:endParaRPr lang="de-DE"/>
           </a:p>
@@ -3218,7 +3984,7 @@
           <a:p>
             <a:fld id="{AB6B1791-49E8-42BA-A706-CD3267C31A09}" type="datetimeFigureOut">
               <a:rPr lang="de-DE" smtClean="0"/>
-              <a:t>20.06.2018</a:t>
+              <a:t>26.06.2018</a:t>
             </a:fld>
             <a:endParaRPr lang="de-DE"/>
           </a:p>
@@ -3459,7 +4225,7 @@
           <a:p>
             <a:fld id="{AB6B1791-49E8-42BA-A706-CD3267C31A09}" type="datetimeFigureOut">
               <a:rPr lang="de-DE" smtClean="0"/>
-              <a:t>20.06.2018</a:t>
+              <a:t>26.06.2018</a:t>
             </a:fld>
             <a:endParaRPr lang="de-DE"/>
           </a:p>
@@ -4275,14 +5041,6 @@
             </a:r>
             <a:r>
               <a:rPr lang="de-DE" dirty="0"/>
-              <a:t>, </a:t>
-            </a:r>
-            <a:r>
-              <a:rPr lang="de-DE" dirty="0" err="1"/>
-              <a:t>ty</a:t>
-            </a:r>
-            <a:r>
-              <a:rPr lang="de-DE" dirty="0"/>
               <a:t>, P, </a:t>
             </a:r>
             <a:r>
@@ -4422,7 +5180,7 @@
           <a:p>
             <a:r>
               <a:rPr lang="de-DE" dirty="0"/>
-              <a:t>Bestandteile Graph (1)</a:t>
+              <a:t>Bestandteile Graph</a:t>
             </a:r>
           </a:p>
         </p:txBody>
@@ -4634,7 +5392,7 @@
         <p:spPr/>
         <p:txBody>
           <a:bodyPr>
-            <a:normAutofit lnSpcReduction="10000"/>
+            <a:normAutofit fontScale="92500" lnSpcReduction="20000"/>
           </a:bodyPr>
           <a:lstStyle/>
           <a:p>
@@ -4644,6 +5402,25 @@
             </a:r>
           </a:p>
           <a:p>
+            <a:pPr lvl="1"/>
+            <a:r>
+              <a:rPr lang="de-DE" dirty="0" err="1"/>
+              <a:t>isValid</a:t>
+            </a:r>
+            <a:r>
+              <a:rPr lang="de-DE" dirty="0"/>
+              <a:t> bei </a:t>
+            </a:r>
+            <a:r>
+              <a:rPr lang="de-DE" dirty="0" err="1"/>
+              <a:t>Tgraph</a:t>
+            </a:r>
+            <a:r>
+              <a:rPr lang="de-DE" dirty="0"/>
+              <a:t> z.B.</a:t>
+            </a:r>
+          </a:p>
+          <a:p>
             <a:r>
               <a:rPr lang="de-DE" dirty="0"/>
               <a:t>Je Kante k eine Art Dauer, die Informationstransport von Knoten A via k zu Knoten B braucht (</a:t>
@@ -4655,6 +5432,13 @@
             <a:r>
               <a:rPr lang="de-DE" dirty="0"/>
               <a:t>)</a:t>
+            </a:r>
+          </a:p>
+          <a:p>
+            <a:pPr lvl="1"/>
+            <a:r>
+              <a:rPr lang="de-DE" dirty="0"/>
+              <a:t>weglassen</a:t>
             </a:r>
           </a:p>
           <a:p>
@@ -5231,6 +6015,27 @@
           </a:p>
           <a:p>
             <a:r>
+              <a:rPr lang="de-DE" dirty="0" err="1"/>
+              <a:t>Reactive</a:t>
+            </a:r>
+            <a:r>
+              <a:rPr lang="de-DE" dirty="0"/>
+              <a:t> Aggregator: Framework für inkrementelle </a:t>
+            </a:r>
+            <a:r>
+              <a:rPr lang="de-DE" dirty="0" err="1"/>
+              <a:t>Sliding-Window</a:t>
+            </a:r>
+            <a:r>
+              <a:rPr lang="de-DE" dirty="0"/>
+              <a:t> Aggregation</a:t>
+            </a:r>
+          </a:p>
+          <a:p>
+            <a:endParaRPr lang="de-DE" dirty="0"/>
+          </a:p>
+          <a:p>
+            <a:r>
               <a:rPr lang="de-DE" dirty="0"/>
               <a:t>Snapshot selbst zu einem exakten Zeitpunkt</a:t>
             </a:r>
@@ -5324,7 +6129,7 @@
         <p:spPr/>
         <p:txBody>
           <a:bodyPr>
-            <a:normAutofit fontScale="92500" lnSpcReduction="20000"/>
+            <a:normAutofit fontScale="85000" lnSpcReduction="20000"/>
           </a:bodyPr>
           <a:lstStyle/>
           <a:p>
@@ -5399,6 +6204,13 @@
               <a:rPr lang="de-DE" dirty="0"/>
               <a:t>Bei der „richtigen Gruppierung“ der Knoten diese Erkenntnis beachten, dass Knoten Teil mehrerer Communities sein kann. Zu welcher dann zuordnen? Oder Teil mehrerer?</a:t>
             </a:r>
+          </a:p>
+          <a:p>
+            <a:r>
+              <a:rPr lang="de-DE" dirty="0" err="1"/>
+              <a:t>Pmfischer</a:t>
+            </a:r>
+            <a:endParaRPr lang="de-DE" dirty="0"/>
           </a:p>
           <a:p>
             <a:endParaRPr lang="de-DE" dirty="0"/>
@@ -5419,6 +6231,1818 @@
 </file>
 
 <file path=ppt/slides/slide19.xml><?xml version="1.0" encoding="utf-8"?>
+<p:sld xmlns:a="http://schemas.openxmlformats.org/drawingml/2006/main" xmlns:r="http://schemas.openxmlformats.org/officeDocument/2006/relationships" xmlns:p="http://schemas.openxmlformats.org/presentationml/2006/main">
+  <p:cSld>
+    <p:spTree>
+      <p:nvGrpSpPr>
+        <p:cNvPr id="1" name=""/>
+        <p:cNvGrpSpPr/>
+        <p:nvPr/>
+      </p:nvGrpSpPr>
+      <p:grpSpPr>
+        <a:xfrm>
+          <a:off x="0" y="0"/>
+          <a:ext cx="0" cy="0"/>
+          <a:chOff x="0" y="0"/>
+          <a:chExt cx="0" cy="0"/>
+        </a:xfrm>
+      </p:grpSpPr>
+      <p:sp>
+        <p:nvSpPr>
+          <p:cNvPr id="2" name="Titel 1">
+            <a:extLst>
+              <a:ext uri="{FF2B5EF4-FFF2-40B4-BE49-F238E27FC236}">
+                <a16:creationId xmlns:a16="http://schemas.microsoft.com/office/drawing/2014/main" id="{6E6D3AE4-A5F3-43DB-9DE9-79083EF5E356}"/>
+              </a:ext>
+            </a:extLst>
+          </p:cNvPr>
+          <p:cNvSpPr>
+            <a:spLocks noGrp="1"/>
+          </p:cNvSpPr>
+          <p:nvPr>
+            <p:ph type="title"/>
+          </p:nvPr>
+        </p:nvSpPr>
+        <p:spPr/>
+        <p:txBody>
+          <a:bodyPr/>
+          <a:lstStyle/>
+          <a:p>
+            <a:r>
+              <a:rPr lang="de-DE" dirty="0" err="1"/>
+              <a:t>TGraph</a:t>
+            </a:r>
+            <a:r>
+              <a:rPr lang="de-DE" dirty="0"/>
+              <a:t>	</a:t>
+            </a:r>
+          </a:p>
+        </p:txBody>
+      </p:sp>
+      <p:sp>
+        <p:nvSpPr>
+          <p:cNvPr id="3" name="Inhaltsplatzhalter 2">
+            <a:extLst>
+              <a:ext uri="{FF2B5EF4-FFF2-40B4-BE49-F238E27FC236}">
+                <a16:creationId xmlns:a16="http://schemas.microsoft.com/office/drawing/2014/main" id="{61BEEEC5-9C3A-4B5C-BBAD-E70C959DA6D0}"/>
+              </a:ext>
+            </a:extLst>
+          </p:cNvPr>
+          <p:cNvSpPr>
+            <a:spLocks noGrp="1"/>
+          </p:cNvSpPr>
+          <p:nvPr>
+            <p:ph idx="1"/>
+          </p:nvPr>
+        </p:nvSpPr>
+        <p:spPr>
+          <a:xfrm>
+            <a:off x="838200" y="1825625"/>
+            <a:ext cx="10515600" cy="3983504"/>
+          </a:xfrm>
+        </p:spPr>
+        <p:txBody>
+          <a:bodyPr>
+            <a:normAutofit fontScale="47500" lnSpcReduction="20000"/>
+          </a:bodyPr>
+          <a:lstStyle/>
+          <a:p>
+            <a:r>
+              <a:rPr lang="de-DE" dirty="0"/>
+              <a:t>Optimierungsziel:</a:t>
+            </a:r>
+          </a:p>
+          <a:p>
+            <a:pPr lvl="1"/>
+            <a:r>
+              <a:rPr lang="de-DE" dirty="0"/>
+              <a:t>Knoten und Kanten selbst ändern sich wenig über die Zeit, während sich die Properties der Knoten und Kanten häufig ändern (argumentieren damit, dass z.B. Straßen zw. 2 Städten gleich bleiben, aber die Verkehrsbedingungen sich häufig ändern)</a:t>
+            </a:r>
+          </a:p>
+          <a:p>
+            <a:r>
+              <a:rPr lang="de-DE" dirty="0"/>
+              <a:t>Data </a:t>
+            </a:r>
+            <a:r>
+              <a:rPr lang="de-DE" dirty="0" err="1"/>
+              <a:t>model</a:t>
+            </a:r>
+            <a:r>
+              <a:rPr lang="de-DE" dirty="0"/>
+              <a:t> </a:t>
+            </a:r>
+          </a:p>
+          <a:p>
+            <a:r>
+              <a:rPr lang="de-DE" dirty="0"/>
+              <a:t>Erweiterung von neo4j: während </a:t>
+            </a:r>
+            <a:r>
+              <a:rPr lang="de-DE" dirty="0" err="1"/>
+              <a:t>dynamic</a:t>
+            </a:r>
+            <a:r>
+              <a:rPr lang="de-DE" dirty="0"/>
+              <a:t> </a:t>
+            </a:r>
+            <a:r>
+              <a:rPr lang="de-DE" dirty="0" err="1"/>
+              <a:t>properties</a:t>
+            </a:r>
+            <a:r>
+              <a:rPr lang="de-DE" dirty="0"/>
+              <a:t> in DPS gespeichert sind, sind Knoten, Kanten und statische </a:t>
+            </a:r>
+            <a:r>
+              <a:rPr lang="de-DE" dirty="0" err="1"/>
+              <a:t>Properies</a:t>
+            </a:r>
+            <a:r>
+              <a:rPr lang="de-DE" dirty="0"/>
+              <a:t> in neo4j gespeichert</a:t>
+            </a:r>
+          </a:p>
+          <a:p>
+            <a:r>
+              <a:rPr lang="de-DE" dirty="0" err="1"/>
+              <a:t>TGRaph</a:t>
+            </a:r>
+            <a:r>
+              <a:rPr lang="de-DE" dirty="0"/>
+              <a:t> dann kombiniert neo4j und DPS</a:t>
+            </a:r>
+          </a:p>
+          <a:p>
+            <a:r>
+              <a:rPr lang="de-DE" dirty="0"/>
+              <a:t>Zu Beginn alle Daten in das System</a:t>
+            </a:r>
+          </a:p>
+          <a:p>
+            <a:r>
+              <a:rPr lang="de-DE" dirty="0"/>
+              <a:t>Für </a:t>
+            </a:r>
+            <a:r>
+              <a:rPr lang="de-DE" dirty="0" err="1"/>
+              <a:t>DynProp</a:t>
+            </a:r>
+            <a:r>
+              <a:rPr lang="de-DE" dirty="0"/>
+              <a:t> ist </a:t>
+            </a:r>
+            <a:r>
+              <a:rPr lang="de-DE" dirty="0" err="1"/>
+              <a:t>create</a:t>
+            </a:r>
+            <a:r>
+              <a:rPr lang="de-DE" dirty="0"/>
+              <a:t>, update und </a:t>
+            </a:r>
+            <a:r>
+              <a:rPr lang="de-DE" dirty="0" err="1"/>
+              <a:t>delete</a:t>
+            </a:r>
+            <a:r>
+              <a:rPr lang="de-DE" dirty="0"/>
+              <a:t> möglich</a:t>
+            </a:r>
+          </a:p>
+          <a:p>
+            <a:pPr lvl="1"/>
+            <a:r>
+              <a:rPr lang="de-DE" dirty="0"/>
+              <a:t>Update ist </a:t>
+            </a:r>
+            <a:r>
+              <a:rPr lang="de-DE" dirty="0" err="1"/>
+              <a:t>eig</a:t>
+            </a:r>
+            <a:r>
+              <a:rPr lang="de-DE" dirty="0"/>
+              <a:t> ein neues </a:t>
+            </a:r>
+            <a:r>
+              <a:rPr lang="de-DE" dirty="0" err="1"/>
+              <a:t>insert</a:t>
+            </a:r>
+            <a:r>
+              <a:rPr lang="de-DE" dirty="0"/>
+              <a:t> und bei </a:t>
+            </a:r>
+            <a:r>
+              <a:rPr lang="de-DE" dirty="0" err="1"/>
+              <a:t>delete</a:t>
+            </a:r>
+            <a:r>
+              <a:rPr lang="de-DE" dirty="0"/>
+              <a:t> gibt es eine </a:t>
+            </a:r>
+            <a:r>
+              <a:rPr lang="de-DE" dirty="0" err="1"/>
+              <a:t>deleted</a:t>
+            </a:r>
+            <a:r>
+              <a:rPr lang="de-DE" dirty="0"/>
+              <a:t> Markierung</a:t>
+            </a:r>
+          </a:p>
+          <a:p>
+            <a:r>
+              <a:rPr lang="de-DE" dirty="0"/>
+              <a:t>Knoten sind Punkte, an denen sich 2 Straßen treffen und Straßen selbst sind Verbindungen. Länge z.B. statische Property, 4 </a:t>
+            </a:r>
+            <a:r>
+              <a:rPr lang="de-DE" dirty="0" err="1"/>
+              <a:t>DynProperties</a:t>
+            </a:r>
+            <a:r>
+              <a:rPr lang="de-DE" dirty="0"/>
+              <a:t>: </a:t>
+            </a:r>
+            <a:r>
+              <a:rPr lang="de-DE" dirty="0" err="1"/>
+              <a:t>travel</a:t>
+            </a:r>
+            <a:r>
+              <a:rPr lang="de-DE" dirty="0"/>
+              <a:t> time, </a:t>
+            </a:r>
+            <a:r>
+              <a:rPr lang="de-DE" dirty="0" err="1"/>
+              <a:t>vehicle</a:t>
+            </a:r>
+            <a:r>
+              <a:rPr lang="de-DE" dirty="0"/>
+              <a:t> </a:t>
+            </a:r>
+            <a:r>
+              <a:rPr lang="de-DE" dirty="0" err="1"/>
+              <a:t>count</a:t>
+            </a:r>
+            <a:r>
+              <a:rPr lang="de-DE" dirty="0"/>
+              <a:t>, </a:t>
+            </a:r>
+            <a:r>
+              <a:rPr lang="de-DE" dirty="0" err="1"/>
+              <a:t>traffic</a:t>
+            </a:r>
+            <a:r>
+              <a:rPr lang="de-DE" dirty="0"/>
+              <a:t> </a:t>
+            </a:r>
+            <a:r>
+              <a:rPr lang="de-DE" dirty="0" err="1"/>
+              <a:t>condition</a:t>
+            </a:r>
+            <a:r>
+              <a:rPr lang="de-DE" dirty="0"/>
+              <a:t>, stau </a:t>
+            </a:r>
+            <a:r>
+              <a:rPr lang="de-DE" dirty="0" err="1"/>
+              <a:t>segmente</a:t>
+            </a:r>
+            <a:r>
+              <a:rPr lang="de-DE" dirty="0"/>
+              <a:t> </a:t>
+            </a:r>
+            <a:r>
+              <a:rPr lang="de-DE" dirty="0" err="1"/>
+              <a:t>count</a:t>
+            </a:r>
+            <a:endParaRPr lang="de-DE" dirty="0"/>
+          </a:p>
+          <a:p>
+            <a:r>
+              <a:rPr lang="de-DE" dirty="0"/>
+              <a:t>Alle 5 </a:t>
+            </a:r>
+            <a:r>
+              <a:rPr lang="de-DE" dirty="0" err="1"/>
+              <a:t>minuten</a:t>
+            </a:r>
+            <a:r>
+              <a:rPr lang="de-DE" dirty="0"/>
+              <a:t> werden Werte aktualisiert</a:t>
+            </a:r>
+          </a:p>
+          <a:p>
+            <a:r>
+              <a:rPr lang="de-DE" dirty="0"/>
+              <a:t>Als Use Cases: </a:t>
+            </a:r>
+            <a:r>
+              <a:rPr lang="de-DE" dirty="0" err="1"/>
+              <a:t>historical</a:t>
+            </a:r>
+            <a:r>
+              <a:rPr lang="de-DE" dirty="0"/>
+              <a:t> </a:t>
+            </a:r>
+            <a:r>
+              <a:rPr lang="de-DE" dirty="0" err="1"/>
+              <a:t>traffic</a:t>
+            </a:r>
+            <a:r>
+              <a:rPr lang="de-DE" dirty="0"/>
+              <a:t> </a:t>
+            </a:r>
+            <a:r>
+              <a:rPr lang="de-DE" dirty="0" err="1"/>
+              <a:t>condition</a:t>
+            </a:r>
+            <a:r>
+              <a:rPr lang="de-DE" dirty="0"/>
+              <a:t> </a:t>
+            </a:r>
+            <a:r>
+              <a:rPr lang="de-DE" dirty="0" err="1"/>
+              <a:t>queries</a:t>
+            </a:r>
+            <a:r>
+              <a:rPr lang="de-DE" dirty="0"/>
+              <a:t>, </a:t>
+            </a:r>
+            <a:r>
+              <a:rPr lang="de-DE" dirty="0" err="1"/>
+              <a:t>historical</a:t>
+            </a:r>
+            <a:r>
+              <a:rPr lang="de-DE" dirty="0"/>
+              <a:t> </a:t>
+            </a:r>
+            <a:r>
+              <a:rPr lang="de-DE" dirty="0" err="1"/>
+              <a:t>traffic</a:t>
+            </a:r>
+            <a:r>
+              <a:rPr lang="de-DE" dirty="0"/>
+              <a:t> </a:t>
+            </a:r>
+            <a:r>
+              <a:rPr lang="de-DE" dirty="0" err="1"/>
+              <a:t>condition</a:t>
+            </a:r>
+            <a:r>
+              <a:rPr lang="de-DE" dirty="0"/>
+              <a:t> </a:t>
+            </a:r>
+            <a:r>
+              <a:rPr lang="de-DE" dirty="0" err="1"/>
+              <a:t>aggregate</a:t>
+            </a:r>
+            <a:r>
+              <a:rPr lang="de-DE" dirty="0"/>
+              <a:t> </a:t>
+            </a:r>
+            <a:r>
+              <a:rPr lang="de-DE" dirty="0" err="1"/>
+              <a:t>queries</a:t>
+            </a:r>
+            <a:r>
+              <a:rPr lang="de-DE" dirty="0"/>
+              <a:t>, temporal </a:t>
+            </a:r>
+            <a:r>
+              <a:rPr lang="de-DE" dirty="0" err="1"/>
+              <a:t>shortest</a:t>
+            </a:r>
+            <a:r>
+              <a:rPr lang="de-DE" dirty="0"/>
+              <a:t> </a:t>
+            </a:r>
+            <a:r>
+              <a:rPr lang="de-DE" dirty="0" err="1"/>
+              <a:t>path</a:t>
+            </a:r>
+            <a:r>
+              <a:rPr lang="de-DE" dirty="0"/>
+              <a:t> </a:t>
+            </a:r>
+            <a:r>
+              <a:rPr lang="de-DE" dirty="0" err="1"/>
+              <a:t>queries</a:t>
+            </a:r>
+            <a:r>
+              <a:rPr lang="de-DE" dirty="0"/>
+              <a:t>.</a:t>
+            </a:r>
+          </a:p>
+          <a:p>
+            <a:r>
+              <a:rPr lang="de-DE" dirty="0"/>
+              <a:t>Beliebige Iteration über Graphen, zwei Knoten auswählen und Algorithmus laufen lassen</a:t>
+            </a:r>
+          </a:p>
+          <a:p>
+            <a:r>
+              <a:rPr lang="de-DE" dirty="0"/>
+              <a:t>Graph kann </a:t>
+            </a:r>
+            <a:r>
+              <a:rPr lang="de-DE" dirty="0" err="1"/>
+              <a:t>directed</a:t>
+            </a:r>
+            <a:r>
+              <a:rPr lang="de-DE" dirty="0"/>
+              <a:t> und </a:t>
+            </a:r>
+            <a:r>
+              <a:rPr lang="de-DE" dirty="0" err="1"/>
+              <a:t>undirected</a:t>
+            </a:r>
+            <a:r>
+              <a:rPr lang="de-DE" dirty="0"/>
+              <a:t> sein</a:t>
+            </a:r>
+          </a:p>
+          <a:p>
+            <a:r>
+              <a:rPr lang="de-DE" dirty="0"/>
+              <a:t>Fazit: keine inkrementelle Berechnung in unserem gesuchten Sinn – auf historischen dynamischen Daten Berechnungen durchführen, aber wie die Berechnung dann durchgeführt wird, darüber ist nichts bekannt.</a:t>
+            </a:r>
+          </a:p>
+          <a:p>
+            <a:pPr marL="457200" lvl="1" indent="0">
+              <a:buNone/>
+            </a:pPr>
+            <a:endParaRPr lang="de-DE" dirty="0"/>
+          </a:p>
+        </p:txBody>
+      </p:sp>
+    </p:spTree>
+    <p:extLst>
+      <p:ext uri="{BB962C8B-B14F-4D97-AF65-F5344CB8AC3E}">
+        <p14:creationId xmlns:p14="http://schemas.microsoft.com/office/powerpoint/2010/main" val="197394219"/>
+      </p:ext>
+    </p:extLst>
+  </p:cSld>
+  <p:clrMapOvr>
+    <a:masterClrMapping/>
+  </p:clrMapOvr>
+</p:sld>
+</file>
+
+<file path=ppt/slides/slide2.xml><?xml version="1.0" encoding="utf-8"?>
+<p:sld xmlns:a="http://schemas.openxmlformats.org/drawingml/2006/main" xmlns:r="http://schemas.openxmlformats.org/officeDocument/2006/relationships" xmlns:p="http://schemas.openxmlformats.org/presentationml/2006/main">
+  <p:cSld>
+    <p:spTree>
+      <p:nvGrpSpPr>
+        <p:cNvPr id="1" name=""/>
+        <p:cNvGrpSpPr/>
+        <p:nvPr/>
+      </p:nvGrpSpPr>
+      <p:grpSpPr>
+        <a:xfrm>
+          <a:off x="0" y="0"/>
+          <a:ext cx="0" cy="0"/>
+          <a:chOff x="0" y="0"/>
+          <a:chExt cx="0" cy="0"/>
+        </a:xfrm>
+      </p:grpSpPr>
+      <p:sp>
+        <p:nvSpPr>
+          <p:cNvPr id="2" name="Titel 1">
+            <a:extLst>
+              <a:ext uri="{FF2B5EF4-FFF2-40B4-BE49-F238E27FC236}">
+                <a16:creationId xmlns:a16="http://schemas.microsoft.com/office/drawing/2014/main" id="{3D9DC141-DE16-44B8-AD71-3852B9378F06}"/>
+              </a:ext>
+            </a:extLst>
+          </p:cNvPr>
+          <p:cNvSpPr>
+            <a:spLocks noGrp="1"/>
+          </p:cNvSpPr>
+          <p:nvPr>
+            <p:ph type="title"/>
+          </p:nvPr>
+        </p:nvSpPr>
+        <p:spPr/>
+        <p:txBody>
+          <a:bodyPr/>
+          <a:lstStyle/>
+          <a:p>
+            <a:r>
+              <a:rPr lang="de-DE" dirty="0"/>
+              <a:t>Welche Cluster gibt es?</a:t>
+            </a:r>
+          </a:p>
+        </p:txBody>
+      </p:sp>
+      <p:sp>
+        <p:nvSpPr>
+          <p:cNvPr id="3" name="Inhaltsplatzhalter 2">
+            <a:extLst>
+              <a:ext uri="{FF2B5EF4-FFF2-40B4-BE49-F238E27FC236}">
+                <a16:creationId xmlns:a16="http://schemas.microsoft.com/office/drawing/2014/main" id="{787BFE94-50EC-449E-A833-D938F790CAD0}"/>
+              </a:ext>
+            </a:extLst>
+          </p:cNvPr>
+          <p:cNvSpPr>
+            <a:spLocks noGrp="1"/>
+          </p:cNvSpPr>
+          <p:nvPr>
+            <p:ph idx="1"/>
+          </p:nvPr>
+        </p:nvSpPr>
+        <p:spPr/>
+        <p:txBody>
+          <a:bodyPr/>
+          <a:lstStyle/>
+          <a:p>
+            <a:r>
+              <a:rPr lang="de-DE" dirty="0"/>
+              <a:t>Dynamische Eigenschaften</a:t>
+            </a:r>
+          </a:p>
+          <a:p>
+            <a:r>
+              <a:rPr lang="de-DE" dirty="0"/>
+              <a:t>Graph-Struktur</a:t>
+            </a:r>
+          </a:p>
+          <a:p>
+            <a:r>
+              <a:rPr lang="de-DE" dirty="0"/>
+              <a:t>Berechnungsmodelle</a:t>
+            </a:r>
+          </a:p>
+          <a:p>
+            <a:r>
+              <a:rPr lang="de-DE" dirty="0"/>
+              <a:t>Realisierung der temporalen Eigenschaft</a:t>
+            </a:r>
+          </a:p>
+          <a:p>
+            <a:r>
+              <a:rPr lang="de-DE" dirty="0"/>
+              <a:t>Code</a:t>
+            </a:r>
+          </a:p>
+          <a:p>
+            <a:r>
+              <a:rPr lang="de-DE" dirty="0"/>
+              <a:t>Aggregate</a:t>
+            </a:r>
+          </a:p>
+          <a:p>
+            <a:endParaRPr lang="de-DE" dirty="0"/>
+          </a:p>
+        </p:txBody>
+      </p:sp>
+    </p:spTree>
+    <p:extLst>
+      <p:ext uri="{BB962C8B-B14F-4D97-AF65-F5344CB8AC3E}">
+        <p14:creationId xmlns:p14="http://schemas.microsoft.com/office/powerpoint/2010/main" val="1522808829"/>
+      </p:ext>
+    </p:extLst>
+  </p:cSld>
+  <p:clrMapOvr>
+    <a:masterClrMapping/>
+  </p:clrMapOvr>
+</p:sld>
+</file>
+
+<file path=ppt/slides/slide20.xml><?xml version="1.0" encoding="utf-8"?>
+<p:sld xmlns:a="http://schemas.openxmlformats.org/drawingml/2006/main" xmlns:r="http://schemas.openxmlformats.org/officeDocument/2006/relationships" xmlns:p="http://schemas.openxmlformats.org/presentationml/2006/main">
+  <p:cSld>
+    <p:spTree>
+      <p:nvGrpSpPr>
+        <p:cNvPr id="1" name=""/>
+        <p:cNvGrpSpPr/>
+        <p:nvPr/>
+      </p:nvGrpSpPr>
+      <p:grpSpPr>
+        <a:xfrm>
+          <a:off x="0" y="0"/>
+          <a:ext cx="0" cy="0"/>
+          <a:chOff x="0" y="0"/>
+          <a:chExt cx="0" cy="0"/>
+        </a:xfrm>
+      </p:grpSpPr>
+      <p:sp>
+        <p:nvSpPr>
+          <p:cNvPr id="2" name="Titel 1">
+            <a:extLst>
+              <a:ext uri="{FF2B5EF4-FFF2-40B4-BE49-F238E27FC236}">
+                <a16:creationId xmlns:a16="http://schemas.microsoft.com/office/drawing/2014/main" id="{52BDE2E1-D615-4399-936C-60924772624D}"/>
+              </a:ext>
+            </a:extLst>
+          </p:cNvPr>
+          <p:cNvSpPr>
+            <a:spLocks noGrp="1"/>
+          </p:cNvSpPr>
+          <p:nvPr>
+            <p:ph type="title"/>
+          </p:nvPr>
+        </p:nvSpPr>
+        <p:spPr/>
+        <p:txBody>
+          <a:bodyPr/>
+          <a:lstStyle/>
+          <a:p>
+            <a:r>
+              <a:rPr lang="de-DE" dirty="0" err="1"/>
+              <a:t>Kineograph</a:t>
+            </a:r>
+            <a:endParaRPr lang="de-DE" dirty="0"/>
+          </a:p>
+        </p:txBody>
+      </p:sp>
+      <p:sp>
+        <p:nvSpPr>
+          <p:cNvPr id="3" name="Inhaltsplatzhalter 2">
+            <a:extLst>
+              <a:ext uri="{FF2B5EF4-FFF2-40B4-BE49-F238E27FC236}">
+                <a16:creationId xmlns:a16="http://schemas.microsoft.com/office/drawing/2014/main" id="{AE5F3DD9-BA0E-4298-B640-3AFC13302713}"/>
+              </a:ext>
+            </a:extLst>
+          </p:cNvPr>
+          <p:cNvSpPr>
+            <a:spLocks noGrp="1"/>
+          </p:cNvSpPr>
+          <p:nvPr>
+            <p:ph idx="1"/>
+          </p:nvPr>
+        </p:nvSpPr>
+        <p:spPr/>
+        <p:txBody>
+          <a:bodyPr/>
+          <a:lstStyle/>
+          <a:p>
+            <a:endParaRPr lang="de-DE" dirty="0"/>
+          </a:p>
+        </p:txBody>
+      </p:sp>
+    </p:spTree>
+    <p:extLst>
+      <p:ext uri="{BB962C8B-B14F-4D97-AF65-F5344CB8AC3E}">
+        <p14:creationId xmlns:p14="http://schemas.microsoft.com/office/powerpoint/2010/main" val="3051713365"/>
+      </p:ext>
+    </p:extLst>
+  </p:cSld>
+  <p:clrMapOvr>
+    <a:masterClrMapping/>
+  </p:clrMapOvr>
+</p:sld>
+</file>
+
+<file path=ppt/slides/slide21.xml><?xml version="1.0" encoding="utf-8"?>
+<p:sld xmlns:a="http://schemas.openxmlformats.org/drawingml/2006/main" xmlns:r="http://schemas.openxmlformats.org/officeDocument/2006/relationships" xmlns:p="http://schemas.openxmlformats.org/presentationml/2006/main">
+  <p:cSld>
+    <p:spTree>
+      <p:nvGrpSpPr>
+        <p:cNvPr id="1" name=""/>
+        <p:cNvGrpSpPr/>
+        <p:nvPr/>
+      </p:nvGrpSpPr>
+      <p:grpSpPr>
+        <a:xfrm>
+          <a:off x="0" y="0"/>
+          <a:ext cx="0" cy="0"/>
+          <a:chOff x="0" y="0"/>
+          <a:chExt cx="0" cy="0"/>
+        </a:xfrm>
+      </p:grpSpPr>
+      <p:sp>
+        <p:nvSpPr>
+          <p:cNvPr id="2" name="Titel 1">
+            <a:extLst>
+              <a:ext uri="{FF2B5EF4-FFF2-40B4-BE49-F238E27FC236}">
+                <a16:creationId xmlns:a16="http://schemas.microsoft.com/office/drawing/2014/main" id="{4056C37D-FFF2-4F49-A0AC-9C578A3E6895}"/>
+              </a:ext>
+            </a:extLst>
+          </p:cNvPr>
+          <p:cNvSpPr>
+            <a:spLocks noGrp="1"/>
+          </p:cNvSpPr>
+          <p:nvPr>
+            <p:ph type="title"/>
+          </p:nvPr>
+        </p:nvSpPr>
+        <p:spPr>
+          <a:xfrm>
+            <a:off x="838200" y="227869"/>
+            <a:ext cx="10515600" cy="848321"/>
+          </a:xfrm>
+        </p:spPr>
+        <p:txBody>
+          <a:bodyPr/>
+          <a:lstStyle/>
+          <a:p>
+            <a:pPr algn="ctr"/>
+            <a:r>
+              <a:rPr lang="de-DE" dirty="0"/>
+              <a:t>Definition feste/variable Properties</a:t>
+            </a:r>
+          </a:p>
+        </p:txBody>
+      </p:sp>
+      <p:sp>
+        <p:nvSpPr>
+          <p:cNvPr id="4" name="Ellipse 3">
+            <a:extLst>
+              <a:ext uri="{FF2B5EF4-FFF2-40B4-BE49-F238E27FC236}">
+                <a16:creationId xmlns:a16="http://schemas.microsoft.com/office/drawing/2014/main" id="{5418A5E6-E46E-4F3A-9187-00A513284481}"/>
+              </a:ext>
+            </a:extLst>
+          </p:cNvPr>
+          <p:cNvSpPr/>
+          <p:nvPr/>
+        </p:nvSpPr>
+        <p:spPr>
+          <a:xfrm>
+            <a:off x="4813300" y="1389576"/>
+            <a:ext cx="1816100" cy="914400"/>
+          </a:xfrm>
+          <a:prstGeom prst="ellipse">
+            <a:avLst/>
+          </a:prstGeom>
+          <a:solidFill>
+            <a:srgbClr val="FF0000"/>
+          </a:solidFill>
+        </p:spPr>
+        <p:style>
+          <a:lnRef idx="2">
+            <a:schemeClr val="accent1">
+              <a:shade val="50000"/>
+            </a:schemeClr>
+          </a:lnRef>
+          <a:fillRef idx="1">
+            <a:schemeClr val="accent1"/>
+          </a:fillRef>
+          <a:effectRef idx="0">
+            <a:schemeClr val="accent1"/>
+          </a:effectRef>
+          <a:fontRef idx="minor">
+            <a:schemeClr val="lt1"/>
+          </a:fontRef>
+        </p:style>
+        <p:txBody>
+          <a:bodyPr rtlCol="0" anchor="ctr"/>
+          <a:lstStyle/>
+          <a:p>
+            <a:pPr algn="ctr"/>
+            <a:r>
+              <a:rPr lang="de-DE" dirty="0"/>
+              <a:t>Formen von Properties</a:t>
+            </a:r>
+          </a:p>
+        </p:txBody>
+      </p:sp>
+      <p:sp>
+        <p:nvSpPr>
+          <p:cNvPr id="6" name="Ellipse 5">
+            <a:extLst>
+              <a:ext uri="{FF2B5EF4-FFF2-40B4-BE49-F238E27FC236}">
+                <a16:creationId xmlns:a16="http://schemas.microsoft.com/office/drawing/2014/main" id="{6E6BF900-A8DA-4911-80F1-D9F089E54A85}"/>
+              </a:ext>
+            </a:extLst>
+          </p:cNvPr>
+          <p:cNvSpPr/>
+          <p:nvPr/>
+        </p:nvSpPr>
+        <p:spPr>
+          <a:xfrm>
+            <a:off x="292100" y="3497264"/>
+            <a:ext cx="2540000" cy="1049336"/>
+          </a:xfrm>
+          <a:prstGeom prst="ellipse">
+            <a:avLst/>
+          </a:prstGeom>
+          <a:solidFill>
+            <a:srgbClr val="00B0F0"/>
+          </a:solidFill>
+        </p:spPr>
+        <p:style>
+          <a:lnRef idx="2">
+            <a:schemeClr val="accent1">
+              <a:shade val="50000"/>
+            </a:schemeClr>
+          </a:lnRef>
+          <a:fillRef idx="1">
+            <a:schemeClr val="accent1"/>
+          </a:fillRef>
+          <a:effectRef idx="0">
+            <a:schemeClr val="accent1"/>
+          </a:effectRef>
+          <a:fontRef idx="minor">
+            <a:schemeClr val="lt1"/>
+          </a:fontRef>
+        </p:style>
+        <p:txBody>
+          <a:bodyPr rtlCol="0" anchor="ctr"/>
+          <a:lstStyle/>
+          <a:p>
+            <a:pPr algn="ctr"/>
+            <a:r>
+              <a:rPr lang="de-DE" dirty="0"/>
+              <a:t>Speziell in der Anwendung FEST</a:t>
+            </a:r>
+          </a:p>
+        </p:txBody>
+      </p:sp>
+      <p:sp>
+        <p:nvSpPr>
+          <p:cNvPr id="7" name="Ellipse 6">
+            <a:extLst>
+              <a:ext uri="{FF2B5EF4-FFF2-40B4-BE49-F238E27FC236}">
+                <a16:creationId xmlns:a16="http://schemas.microsoft.com/office/drawing/2014/main" id="{F272F748-D908-46DE-96E2-F88BE20D0BDD}"/>
+              </a:ext>
+            </a:extLst>
+          </p:cNvPr>
+          <p:cNvSpPr/>
+          <p:nvPr/>
+        </p:nvSpPr>
+        <p:spPr>
+          <a:xfrm>
+            <a:off x="7912100" y="2136776"/>
+            <a:ext cx="1816100" cy="914400"/>
+          </a:xfrm>
+          <a:prstGeom prst="ellipse">
+            <a:avLst/>
+          </a:prstGeom>
+          <a:solidFill>
+            <a:srgbClr val="FFC000"/>
+          </a:solidFill>
+        </p:spPr>
+        <p:style>
+          <a:lnRef idx="2">
+            <a:schemeClr val="accent1">
+              <a:shade val="50000"/>
+            </a:schemeClr>
+          </a:lnRef>
+          <a:fillRef idx="1">
+            <a:schemeClr val="accent1"/>
+          </a:fillRef>
+          <a:effectRef idx="0">
+            <a:schemeClr val="accent1"/>
+          </a:effectRef>
+          <a:fontRef idx="minor">
+            <a:schemeClr val="lt1"/>
+          </a:fontRef>
+        </p:style>
+        <p:txBody>
+          <a:bodyPr rtlCol="0" anchor="ctr"/>
+          <a:lstStyle/>
+          <a:p>
+            <a:pPr algn="ctr"/>
+            <a:r>
+              <a:rPr lang="de-DE" dirty="0"/>
+              <a:t>variabel</a:t>
+            </a:r>
+          </a:p>
+        </p:txBody>
+      </p:sp>
+      <p:sp>
+        <p:nvSpPr>
+          <p:cNvPr id="8" name="Ellipse 7">
+            <a:extLst>
+              <a:ext uri="{FF2B5EF4-FFF2-40B4-BE49-F238E27FC236}">
+                <a16:creationId xmlns:a16="http://schemas.microsoft.com/office/drawing/2014/main" id="{CDF09571-716D-495C-9267-AF03929D61B5}"/>
+              </a:ext>
+            </a:extLst>
+          </p:cNvPr>
+          <p:cNvSpPr/>
+          <p:nvPr/>
+        </p:nvSpPr>
+        <p:spPr>
+          <a:xfrm>
+            <a:off x="1638300" y="2136776"/>
+            <a:ext cx="1816100" cy="914400"/>
+          </a:xfrm>
+          <a:prstGeom prst="ellipse">
+            <a:avLst/>
+          </a:prstGeom>
+          <a:solidFill>
+            <a:srgbClr val="00B0F0"/>
+          </a:solidFill>
+        </p:spPr>
+        <p:style>
+          <a:lnRef idx="2">
+            <a:schemeClr val="accent1">
+              <a:shade val="50000"/>
+            </a:schemeClr>
+          </a:lnRef>
+          <a:fillRef idx="1">
+            <a:schemeClr val="accent1"/>
+          </a:fillRef>
+          <a:effectRef idx="0">
+            <a:schemeClr val="accent1"/>
+          </a:effectRef>
+          <a:fontRef idx="minor">
+            <a:schemeClr val="lt1"/>
+          </a:fontRef>
+        </p:style>
+        <p:txBody>
+          <a:bodyPr rtlCol="0" anchor="ctr"/>
+          <a:lstStyle/>
+          <a:p>
+            <a:pPr algn="ctr"/>
+            <a:r>
+              <a:rPr lang="de-DE" dirty="0"/>
+              <a:t>fest</a:t>
+            </a:r>
+          </a:p>
+        </p:txBody>
+      </p:sp>
+      <p:sp>
+        <p:nvSpPr>
+          <p:cNvPr id="11" name="Ellipse 10">
+            <a:extLst>
+              <a:ext uri="{FF2B5EF4-FFF2-40B4-BE49-F238E27FC236}">
+                <a16:creationId xmlns:a16="http://schemas.microsoft.com/office/drawing/2014/main" id="{CA0AB884-17A4-43A9-BD96-89138AD63390}"/>
+              </a:ext>
+            </a:extLst>
+          </p:cNvPr>
+          <p:cNvSpPr/>
+          <p:nvPr/>
+        </p:nvSpPr>
+        <p:spPr>
+          <a:xfrm>
+            <a:off x="3117851" y="3429000"/>
+            <a:ext cx="2895600" cy="1117600"/>
+          </a:xfrm>
+          <a:prstGeom prst="ellipse">
+            <a:avLst/>
+          </a:prstGeom>
+          <a:solidFill>
+            <a:srgbClr val="00B0F0"/>
+          </a:solidFill>
+        </p:spPr>
+        <p:style>
+          <a:lnRef idx="2">
+            <a:schemeClr val="accent1">
+              <a:shade val="50000"/>
+            </a:schemeClr>
+          </a:lnRef>
+          <a:fillRef idx="1">
+            <a:schemeClr val="accent1"/>
+          </a:fillRef>
+          <a:effectRef idx="0">
+            <a:schemeClr val="accent1"/>
+          </a:effectRef>
+          <a:fontRef idx="minor">
+            <a:schemeClr val="lt1"/>
+          </a:fontRef>
+        </p:style>
+        <p:txBody>
+          <a:bodyPr rtlCol="0" anchor="ctr"/>
+          <a:lstStyle/>
+          <a:p>
+            <a:pPr algn="ctr"/>
+            <a:r>
+              <a:rPr lang="de-DE" dirty="0"/>
+              <a:t>immer FEST</a:t>
+            </a:r>
+          </a:p>
+          <a:p>
+            <a:pPr algn="ctr"/>
+            <a:r>
+              <a:rPr lang="de-DE" dirty="0"/>
+              <a:t>(*wenn man sie mitführen möchte)</a:t>
+            </a:r>
+          </a:p>
+        </p:txBody>
+      </p:sp>
+      <p:sp>
+        <p:nvSpPr>
+          <p:cNvPr id="12" name="Ellipse 11">
+            <a:extLst>
+              <a:ext uri="{FF2B5EF4-FFF2-40B4-BE49-F238E27FC236}">
+                <a16:creationId xmlns:a16="http://schemas.microsoft.com/office/drawing/2014/main" id="{611DD66D-4437-4DDE-AD2F-68474BF26C8B}"/>
+              </a:ext>
+            </a:extLst>
+          </p:cNvPr>
+          <p:cNvSpPr/>
+          <p:nvPr/>
+        </p:nvSpPr>
+        <p:spPr>
+          <a:xfrm>
+            <a:off x="9550400" y="3429000"/>
+            <a:ext cx="2540000" cy="1117600"/>
+          </a:xfrm>
+          <a:prstGeom prst="ellipse">
+            <a:avLst/>
+          </a:prstGeom>
+          <a:solidFill>
+            <a:srgbClr val="FFC000"/>
+          </a:solidFill>
+        </p:spPr>
+        <p:style>
+          <a:lnRef idx="2">
+            <a:schemeClr val="accent1">
+              <a:shade val="50000"/>
+            </a:schemeClr>
+          </a:lnRef>
+          <a:fillRef idx="1">
+            <a:schemeClr val="accent1"/>
+          </a:fillRef>
+          <a:effectRef idx="0">
+            <a:schemeClr val="accent1"/>
+          </a:effectRef>
+          <a:fontRef idx="minor">
+            <a:schemeClr val="lt1"/>
+          </a:fontRef>
+        </p:style>
+        <p:txBody>
+          <a:bodyPr rtlCol="0" anchor="ctr"/>
+          <a:lstStyle/>
+          <a:p>
+            <a:pPr algn="ctr"/>
+            <a:r>
+              <a:rPr lang="de-DE" dirty="0"/>
+              <a:t>Speziell in der Anwendung VARIABEL</a:t>
+            </a:r>
+          </a:p>
+        </p:txBody>
+      </p:sp>
+      <p:sp>
+        <p:nvSpPr>
+          <p:cNvPr id="14" name="Ellipse 13">
+            <a:extLst>
+              <a:ext uri="{FF2B5EF4-FFF2-40B4-BE49-F238E27FC236}">
+                <a16:creationId xmlns:a16="http://schemas.microsoft.com/office/drawing/2014/main" id="{828205F5-702B-4660-A977-75690611FF17}"/>
+              </a:ext>
+            </a:extLst>
+          </p:cNvPr>
+          <p:cNvSpPr/>
+          <p:nvPr/>
+        </p:nvSpPr>
+        <p:spPr>
+          <a:xfrm>
+            <a:off x="6369049" y="3429000"/>
+            <a:ext cx="2895600" cy="1117600"/>
+          </a:xfrm>
+          <a:prstGeom prst="ellipse">
+            <a:avLst/>
+          </a:prstGeom>
+          <a:solidFill>
+            <a:srgbClr val="FFC000"/>
+          </a:solidFill>
+        </p:spPr>
+        <p:style>
+          <a:lnRef idx="2">
+            <a:schemeClr val="accent1">
+              <a:shade val="50000"/>
+            </a:schemeClr>
+          </a:lnRef>
+          <a:fillRef idx="1">
+            <a:schemeClr val="accent1"/>
+          </a:fillRef>
+          <a:effectRef idx="0">
+            <a:schemeClr val="accent1"/>
+          </a:effectRef>
+          <a:fontRef idx="minor">
+            <a:schemeClr val="lt1"/>
+          </a:fontRef>
+        </p:style>
+        <p:txBody>
+          <a:bodyPr rtlCol="0" anchor="ctr"/>
+          <a:lstStyle/>
+          <a:p>
+            <a:pPr algn="ctr"/>
+            <a:r>
+              <a:rPr lang="de-DE" dirty="0"/>
+              <a:t>immer VARIABEL</a:t>
+            </a:r>
+          </a:p>
+          <a:p>
+            <a:pPr algn="ctr"/>
+            <a:r>
+              <a:rPr lang="de-DE" dirty="0"/>
+              <a:t>(*wenn man sie mitführen möchte)</a:t>
+            </a:r>
+          </a:p>
+        </p:txBody>
+      </p:sp>
+      <p:cxnSp>
+        <p:nvCxnSpPr>
+          <p:cNvPr id="16" name="Gerade Verbindung mit Pfeil 15">
+            <a:extLst>
+              <a:ext uri="{FF2B5EF4-FFF2-40B4-BE49-F238E27FC236}">
+                <a16:creationId xmlns:a16="http://schemas.microsoft.com/office/drawing/2014/main" id="{8BB2F328-E3F8-4EAE-8227-379DE9207754}"/>
+              </a:ext>
+            </a:extLst>
+          </p:cNvPr>
+          <p:cNvCxnSpPr>
+            <a:stCxn id="4" idx="2"/>
+            <a:endCxn id="8" idx="6"/>
+          </p:cNvCxnSpPr>
+          <p:nvPr/>
+        </p:nvCxnSpPr>
+        <p:spPr>
+          <a:xfrm flipH="1">
+            <a:off x="3454400" y="1846776"/>
+            <a:ext cx="1358900" cy="747200"/>
+          </a:xfrm>
+          <a:prstGeom prst="straightConnector1">
+            <a:avLst/>
+          </a:prstGeom>
+          <a:ln>
+            <a:tailEnd type="triangle"/>
+          </a:ln>
+        </p:spPr>
+        <p:style>
+          <a:lnRef idx="1">
+            <a:schemeClr val="accent1"/>
+          </a:lnRef>
+          <a:fillRef idx="0">
+            <a:schemeClr val="accent1"/>
+          </a:fillRef>
+          <a:effectRef idx="0">
+            <a:schemeClr val="accent1"/>
+          </a:effectRef>
+          <a:fontRef idx="minor">
+            <a:schemeClr val="tx1"/>
+          </a:fontRef>
+        </p:style>
+      </p:cxnSp>
+      <p:cxnSp>
+        <p:nvCxnSpPr>
+          <p:cNvPr id="18" name="Gerade Verbindung mit Pfeil 17">
+            <a:extLst>
+              <a:ext uri="{FF2B5EF4-FFF2-40B4-BE49-F238E27FC236}">
+                <a16:creationId xmlns:a16="http://schemas.microsoft.com/office/drawing/2014/main" id="{367DD404-FE50-46D1-93F0-B170C9BB97CF}"/>
+              </a:ext>
+            </a:extLst>
+          </p:cNvPr>
+          <p:cNvCxnSpPr>
+            <a:stCxn id="8" idx="3"/>
+            <a:endCxn id="6" idx="0"/>
+          </p:cNvCxnSpPr>
+          <p:nvPr/>
+        </p:nvCxnSpPr>
+        <p:spPr>
+          <a:xfrm flipH="1">
+            <a:off x="1562100" y="2917265"/>
+            <a:ext cx="342162" cy="579999"/>
+          </a:xfrm>
+          <a:prstGeom prst="straightConnector1">
+            <a:avLst/>
+          </a:prstGeom>
+          <a:ln>
+            <a:tailEnd type="triangle"/>
+          </a:ln>
+        </p:spPr>
+        <p:style>
+          <a:lnRef idx="1">
+            <a:schemeClr val="accent1"/>
+          </a:lnRef>
+          <a:fillRef idx="0">
+            <a:schemeClr val="accent1"/>
+          </a:fillRef>
+          <a:effectRef idx="0">
+            <a:schemeClr val="accent1"/>
+          </a:effectRef>
+          <a:fontRef idx="minor">
+            <a:schemeClr val="tx1"/>
+          </a:fontRef>
+        </p:style>
+      </p:cxnSp>
+      <p:cxnSp>
+        <p:nvCxnSpPr>
+          <p:cNvPr id="20" name="Gerade Verbindung mit Pfeil 19">
+            <a:extLst>
+              <a:ext uri="{FF2B5EF4-FFF2-40B4-BE49-F238E27FC236}">
+                <a16:creationId xmlns:a16="http://schemas.microsoft.com/office/drawing/2014/main" id="{54BA3AE8-864F-4274-8785-CD794CABCD40}"/>
+              </a:ext>
+            </a:extLst>
+          </p:cNvPr>
+          <p:cNvCxnSpPr>
+            <a:stCxn id="8" idx="5"/>
+          </p:cNvCxnSpPr>
+          <p:nvPr/>
+        </p:nvCxnSpPr>
+        <p:spPr>
+          <a:xfrm>
+            <a:off x="3188438" y="2917265"/>
+            <a:ext cx="659662" cy="579999"/>
+          </a:xfrm>
+          <a:prstGeom prst="straightConnector1">
+            <a:avLst/>
+          </a:prstGeom>
+          <a:ln>
+            <a:tailEnd type="triangle"/>
+          </a:ln>
+        </p:spPr>
+        <p:style>
+          <a:lnRef idx="1">
+            <a:schemeClr val="accent1"/>
+          </a:lnRef>
+          <a:fillRef idx="0">
+            <a:schemeClr val="accent1"/>
+          </a:fillRef>
+          <a:effectRef idx="0">
+            <a:schemeClr val="accent1"/>
+          </a:effectRef>
+          <a:fontRef idx="minor">
+            <a:schemeClr val="tx1"/>
+          </a:fontRef>
+        </p:style>
+      </p:cxnSp>
+      <p:cxnSp>
+        <p:nvCxnSpPr>
+          <p:cNvPr id="22" name="Gerade Verbindung mit Pfeil 21">
+            <a:extLst>
+              <a:ext uri="{FF2B5EF4-FFF2-40B4-BE49-F238E27FC236}">
+                <a16:creationId xmlns:a16="http://schemas.microsoft.com/office/drawing/2014/main" id="{060CEDE1-0D7D-4953-9300-0C620AE4A294}"/>
+              </a:ext>
+            </a:extLst>
+          </p:cNvPr>
+          <p:cNvCxnSpPr>
+            <a:stCxn id="7" idx="3"/>
+            <a:endCxn id="14" idx="0"/>
+          </p:cNvCxnSpPr>
+          <p:nvPr/>
+        </p:nvCxnSpPr>
+        <p:spPr>
+          <a:xfrm flipH="1">
+            <a:off x="7816849" y="2917265"/>
+            <a:ext cx="361213" cy="511735"/>
+          </a:xfrm>
+          <a:prstGeom prst="straightConnector1">
+            <a:avLst/>
+          </a:prstGeom>
+          <a:ln>
+            <a:tailEnd type="triangle"/>
+          </a:ln>
+        </p:spPr>
+        <p:style>
+          <a:lnRef idx="1">
+            <a:schemeClr val="accent1"/>
+          </a:lnRef>
+          <a:fillRef idx="0">
+            <a:schemeClr val="accent1"/>
+          </a:fillRef>
+          <a:effectRef idx="0">
+            <a:schemeClr val="accent1"/>
+          </a:effectRef>
+          <a:fontRef idx="minor">
+            <a:schemeClr val="tx1"/>
+          </a:fontRef>
+        </p:style>
+      </p:cxnSp>
+      <p:cxnSp>
+        <p:nvCxnSpPr>
+          <p:cNvPr id="24" name="Gerade Verbindung mit Pfeil 23">
+            <a:extLst>
+              <a:ext uri="{FF2B5EF4-FFF2-40B4-BE49-F238E27FC236}">
+                <a16:creationId xmlns:a16="http://schemas.microsoft.com/office/drawing/2014/main" id="{73FC391D-FCB1-4C75-B84D-DE185801E885}"/>
+              </a:ext>
+            </a:extLst>
+          </p:cNvPr>
+          <p:cNvCxnSpPr>
+            <a:stCxn id="7" idx="5"/>
+            <a:endCxn id="12" idx="0"/>
+          </p:cNvCxnSpPr>
+          <p:nvPr/>
+        </p:nvCxnSpPr>
+        <p:spPr>
+          <a:xfrm>
+            <a:off x="9462238" y="2917265"/>
+            <a:ext cx="1358162" cy="511735"/>
+          </a:xfrm>
+          <a:prstGeom prst="straightConnector1">
+            <a:avLst/>
+          </a:prstGeom>
+          <a:ln>
+            <a:tailEnd type="triangle"/>
+          </a:ln>
+        </p:spPr>
+        <p:style>
+          <a:lnRef idx="1">
+            <a:schemeClr val="accent1"/>
+          </a:lnRef>
+          <a:fillRef idx="0">
+            <a:schemeClr val="accent1"/>
+          </a:fillRef>
+          <a:effectRef idx="0">
+            <a:schemeClr val="accent1"/>
+          </a:effectRef>
+          <a:fontRef idx="minor">
+            <a:schemeClr val="tx1"/>
+          </a:fontRef>
+        </p:style>
+      </p:cxnSp>
+      <p:cxnSp>
+        <p:nvCxnSpPr>
+          <p:cNvPr id="26" name="Gerade Verbindung mit Pfeil 25">
+            <a:extLst>
+              <a:ext uri="{FF2B5EF4-FFF2-40B4-BE49-F238E27FC236}">
+                <a16:creationId xmlns:a16="http://schemas.microsoft.com/office/drawing/2014/main" id="{E9E939F1-7221-48C5-896A-7DE56F11C0E7}"/>
+              </a:ext>
+            </a:extLst>
+          </p:cNvPr>
+          <p:cNvCxnSpPr>
+            <a:stCxn id="4" idx="6"/>
+            <a:endCxn id="7" idx="2"/>
+          </p:cNvCxnSpPr>
+          <p:nvPr/>
+        </p:nvCxnSpPr>
+        <p:spPr>
+          <a:xfrm>
+            <a:off x="6629400" y="1846776"/>
+            <a:ext cx="1282700" cy="747200"/>
+          </a:xfrm>
+          <a:prstGeom prst="straightConnector1">
+            <a:avLst/>
+          </a:prstGeom>
+          <a:ln>
+            <a:tailEnd type="triangle"/>
+          </a:ln>
+        </p:spPr>
+        <p:style>
+          <a:lnRef idx="1">
+            <a:schemeClr val="accent1"/>
+          </a:lnRef>
+          <a:fillRef idx="0">
+            <a:schemeClr val="accent1"/>
+          </a:fillRef>
+          <a:effectRef idx="0">
+            <a:schemeClr val="accent1"/>
+          </a:effectRef>
+          <a:fontRef idx="minor">
+            <a:schemeClr val="tx1"/>
+          </a:fontRef>
+        </p:style>
+      </p:cxnSp>
+      <p:sp>
+        <p:nvSpPr>
+          <p:cNvPr id="27" name="Textfeld 26">
+            <a:extLst>
+              <a:ext uri="{FF2B5EF4-FFF2-40B4-BE49-F238E27FC236}">
+                <a16:creationId xmlns:a16="http://schemas.microsoft.com/office/drawing/2014/main" id="{870FE198-1A82-46AC-93B8-077572832018}"/>
+              </a:ext>
+            </a:extLst>
+          </p:cNvPr>
+          <p:cNvSpPr txBox="1"/>
+          <p:nvPr/>
+        </p:nvSpPr>
+        <p:spPr>
+          <a:xfrm>
+            <a:off x="188198" y="4924424"/>
+            <a:ext cx="2747804" cy="1754326"/>
+          </a:xfrm>
+          <a:prstGeom prst="rect">
+            <a:avLst/>
+          </a:prstGeom>
+          <a:noFill/>
+          <a:ln w="38100">
+            <a:solidFill>
+              <a:schemeClr val="tx1"/>
+            </a:solidFill>
+          </a:ln>
+        </p:spPr>
+        <p:txBody>
+          <a:bodyPr wrap="none" rtlCol="0">
+            <a:spAutoFit/>
+          </a:bodyPr>
+          <a:lstStyle/>
+          <a:p>
+            <a:r>
+              <a:rPr lang="de-DE" dirty="0"/>
+              <a:t>z.B. eine Kante stellt </a:t>
+            </a:r>
+          </a:p>
+          <a:p>
+            <a:r>
+              <a:rPr lang="de-DE" dirty="0"/>
+              <a:t>eine Straße im Straßen- </a:t>
+            </a:r>
+          </a:p>
+          <a:p>
+            <a:r>
+              <a:rPr lang="de-DE" dirty="0"/>
+              <a:t>Verkehr dar:</a:t>
+            </a:r>
+          </a:p>
+          <a:p>
+            <a:pPr marL="285750" indent="-285750">
+              <a:buFontTx/>
+              <a:buChar char="-"/>
+            </a:pPr>
+            <a:r>
+              <a:rPr lang="de-DE" dirty="0"/>
+              <a:t>Property </a:t>
+            </a:r>
+            <a:r>
+              <a:rPr lang="de-DE" i="1" dirty="0"/>
+              <a:t>Länge der Str. </a:t>
+            </a:r>
+          </a:p>
+          <a:p>
+            <a:r>
+              <a:rPr lang="de-DE" dirty="0"/>
+              <a:t>      kann als fest betrachtet </a:t>
+            </a:r>
+          </a:p>
+          <a:p>
+            <a:r>
+              <a:rPr lang="de-DE" dirty="0"/>
+              <a:t>      werden</a:t>
+            </a:r>
+            <a:r>
+              <a:rPr lang="de-DE" i="1" dirty="0"/>
+              <a:t> </a:t>
+            </a:r>
+            <a:r>
+              <a:rPr lang="de-DE" dirty="0"/>
+              <a:t> </a:t>
+            </a:r>
+          </a:p>
+        </p:txBody>
+      </p:sp>
+      <p:sp>
+        <p:nvSpPr>
+          <p:cNvPr id="28" name="Textfeld 27">
+            <a:extLst>
+              <a:ext uri="{FF2B5EF4-FFF2-40B4-BE49-F238E27FC236}">
+                <a16:creationId xmlns:a16="http://schemas.microsoft.com/office/drawing/2014/main" id="{9FFDE6B1-A4EE-49A0-A8C5-69904C318F31}"/>
+              </a:ext>
+            </a:extLst>
+          </p:cNvPr>
+          <p:cNvSpPr txBox="1"/>
+          <p:nvPr/>
+        </p:nvSpPr>
+        <p:spPr>
+          <a:xfrm>
+            <a:off x="3348196" y="4924424"/>
+            <a:ext cx="2384820" cy="1754326"/>
+          </a:xfrm>
+          <a:prstGeom prst="rect">
+            <a:avLst/>
+          </a:prstGeom>
+          <a:noFill/>
+          <a:ln w="38100">
+            <a:solidFill>
+              <a:schemeClr val="tx1"/>
+            </a:solidFill>
+          </a:ln>
+        </p:spPr>
+        <p:txBody>
+          <a:bodyPr wrap="none" rtlCol="0">
+            <a:spAutoFit/>
+          </a:bodyPr>
+          <a:lstStyle/>
+          <a:p>
+            <a:r>
+              <a:rPr lang="de-DE" dirty="0"/>
+              <a:t>z.B. Anzahl der aus-</a:t>
+            </a:r>
+          </a:p>
+          <a:p>
+            <a:r>
+              <a:rPr lang="de-DE" dirty="0"/>
+              <a:t>gehenden Kanten eines</a:t>
+            </a:r>
+          </a:p>
+          <a:p>
+            <a:r>
+              <a:rPr lang="de-DE" dirty="0"/>
+              <a:t>Knotens</a:t>
+            </a:r>
+          </a:p>
+          <a:p>
+            <a:r>
+              <a:rPr lang="de-DE" dirty="0"/>
+              <a:t>(Attribute, die sich in</a:t>
+            </a:r>
+          </a:p>
+          <a:p>
+            <a:r>
+              <a:rPr lang="de-DE" dirty="0"/>
+              <a:t>jeder Anwendung </a:t>
+            </a:r>
+          </a:p>
+          <a:p>
+            <a:r>
+              <a:rPr lang="de-DE" dirty="0"/>
+              <a:t>berechnen lassen)</a:t>
+            </a:r>
+          </a:p>
+        </p:txBody>
+      </p:sp>
+      <p:cxnSp>
+        <p:nvCxnSpPr>
+          <p:cNvPr id="29" name="Gerade Verbindung mit Pfeil 28">
+            <a:extLst>
+              <a:ext uri="{FF2B5EF4-FFF2-40B4-BE49-F238E27FC236}">
+                <a16:creationId xmlns:a16="http://schemas.microsoft.com/office/drawing/2014/main" id="{F8515167-3867-487E-BB40-712790761013}"/>
+              </a:ext>
+            </a:extLst>
+          </p:cNvPr>
+          <p:cNvCxnSpPr>
+            <a:cxnSpLocks/>
+            <a:stCxn id="6" idx="4"/>
+            <a:endCxn id="27" idx="0"/>
+          </p:cNvCxnSpPr>
+          <p:nvPr/>
+        </p:nvCxnSpPr>
+        <p:spPr>
+          <a:xfrm>
+            <a:off x="1562100" y="4546600"/>
+            <a:ext cx="0" cy="377824"/>
+          </a:xfrm>
+          <a:prstGeom prst="straightConnector1">
+            <a:avLst/>
+          </a:prstGeom>
+          <a:ln>
+            <a:tailEnd type="triangle"/>
+          </a:ln>
+        </p:spPr>
+        <p:style>
+          <a:lnRef idx="1">
+            <a:schemeClr val="accent1"/>
+          </a:lnRef>
+          <a:fillRef idx="0">
+            <a:schemeClr val="accent1"/>
+          </a:fillRef>
+          <a:effectRef idx="0">
+            <a:schemeClr val="accent1"/>
+          </a:effectRef>
+          <a:fontRef idx="minor">
+            <a:schemeClr val="tx1"/>
+          </a:fontRef>
+        </p:style>
+      </p:cxnSp>
+      <p:cxnSp>
+        <p:nvCxnSpPr>
+          <p:cNvPr id="32" name="Gerade Verbindung mit Pfeil 31">
+            <a:extLst>
+              <a:ext uri="{FF2B5EF4-FFF2-40B4-BE49-F238E27FC236}">
+                <a16:creationId xmlns:a16="http://schemas.microsoft.com/office/drawing/2014/main" id="{B1848175-915F-4CA7-8B2C-30A387C2C76D}"/>
+              </a:ext>
+            </a:extLst>
+          </p:cNvPr>
+          <p:cNvCxnSpPr>
+            <a:cxnSpLocks/>
+          </p:cNvCxnSpPr>
+          <p:nvPr/>
+        </p:nvCxnSpPr>
+        <p:spPr>
+          <a:xfrm>
+            <a:off x="4709398" y="4546600"/>
+            <a:ext cx="0" cy="377824"/>
+          </a:xfrm>
+          <a:prstGeom prst="straightConnector1">
+            <a:avLst/>
+          </a:prstGeom>
+          <a:ln>
+            <a:tailEnd type="triangle"/>
+          </a:ln>
+        </p:spPr>
+        <p:style>
+          <a:lnRef idx="1">
+            <a:schemeClr val="accent1"/>
+          </a:lnRef>
+          <a:fillRef idx="0">
+            <a:schemeClr val="accent1"/>
+          </a:fillRef>
+          <a:effectRef idx="0">
+            <a:schemeClr val="accent1"/>
+          </a:effectRef>
+          <a:fontRef idx="minor">
+            <a:schemeClr val="tx1"/>
+          </a:fontRef>
+        </p:style>
+      </p:cxnSp>
+      <p:sp>
+        <p:nvSpPr>
+          <p:cNvPr id="33" name="Textfeld 32">
+            <a:extLst>
+              <a:ext uri="{FF2B5EF4-FFF2-40B4-BE49-F238E27FC236}">
+                <a16:creationId xmlns:a16="http://schemas.microsoft.com/office/drawing/2014/main" id="{B3BBCDD3-98AF-4B6F-ABFC-D71F5C96873D}"/>
+              </a:ext>
+            </a:extLst>
+          </p:cNvPr>
+          <p:cNvSpPr txBox="1"/>
+          <p:nvPr/>
+        </p:nvSpPr>
+        <p:spPr>
+          <a:xfrm>
+            <a:off x="6644890" y="4924424"/>
+            <a:ext cx="2451890" cy="923330"/>
+          </a:xfrm>
+          <a:prstGeom prst="rect">
+            <a:avLst/>
+          </a:prstGeom>
+          <a:noFill/>
+          <a:ln w="38100">
+            <a:solidFill>
+              <a:schemeClr val="tx1"/>
+            </a:solidFill>
+          </a:ln>
+        </p:spPr>
+        <p:txBody>
+          <a:bodyPr wrap="none" rtlCol="0">
+            <a:spAutoFit/>
+          </a:bodyPr>
+          <a:lstStyle/>
+          <a:p>
+            <a:r>
+              <a:rPr lang="de-DE" dirty="0"/>
+              <a:t>Alles, das nicht mit der</a:t>
+            </a:r>
+          </a:p>
+          <a:p>
+            <a:r>
+              <a:rPr lang="de-DE" dirty="0"/>
+              <a:t>Kategorie „immer fest“ </a:t>
+            </a:r>
+          </a:p>
+          <a:p>
+            <a:r>
+              <a:rPr lang="de-DE" dirty="0"/>
+              <a:t>abgedeckt werden kann</a:t>
+            </a:r>
+          </a:p>
+        </p:txBody>
+      </p:sp>
+      <p:cxnSp>
+        <p:nvCxnSpPr>
+          <p:cNvPr id="35" name="Gerade Verbindung mit Pfeil 34">
+            <a:extLst>
+              <a:ext uri="{FF2B5EF4-FFF2-40B4-BE49-F238E27FC236}">
+                <a16:creationId xmlns:a16="http://schemas.microsoft.com/office/drawing/2014/main" id="{4475A75A-3EDA-4E2B-AC79-CCF0190B3E44}"/>
+              </a:ext>
+            </a:extLst>
+          </p:cNvPr>
+          <p:cNvCxnSpPr>
+            <a:cxnSpLocks/>
+          </p:cNvCxnSpPr>
+          <p:nvPr/>
+        </p:nvCxnSpPr>
+        <p:spPr>
+          <a:xfrm>
+            <a:off x="10878594" y="4546600"/>
+            <a:ext cx="0" cy="377824"/>
+          </a:xfrm>
+          <a:prstGeom prst="straightConnector1">
+            <a:avLst/>
+          </a:prstGeom>
+          <a:ln>
+            <a:tailEnd type="triangle"/>
+          </a:ln>
+        </p:spPr>
+        <p:style>
+          <a:lnRef idx="1">
+            <a:schemeClr val="accent1"/>
+          </a:lnRef>
+          <a:fillRef idx="0">
+            <a:schemeClr val="accent1"/>
+          </a:fillRef>
+          <a:effectRef idx="0">
+            <a:schemeClr val="accent1"/>
+          </a:effectRef>
+          <a:fontRef idx="minor">
+            <a:schemeClr val="tx1"/>
+          </a:fontRef>
+        </p:style>
+      </p:cxnSp>
+      <p:cxnSp>
+        <p:nvCxnSpPr>
+          <p:cNvPr id="36" name="Gerade Verbindung mit Pfeil 35">
+            <a:extLst>
+              <a:ext uri="{FF2B5EF4-FFF2-40B4-BE49-F238E27FC236}">
+                <a16:creationId xmlns:a16="http://schemas.microsoft.com/office/drawing/2014/main" id="{72F67206-D066-4D7C-B4BC-0A2674BBBAD5}"/>
+              </a:ext>
+            </a:extLst>
+          </p:cNvPr>
+          <p:cNvCxnSpPr>
+            <a:cxnSpLocks/>
+          </p:cNvCxnSpPr>
+          <p:nvPr/>
+        </p:nvCxnSpPr>
+        <p:spPr>
+          <a:xfrm>
+            <a:off x="7865347" y="4546600"/>
+            <a:ext cx="0" cy="377824"/>
+          </a:xfrm>
+          <a:prstGeom prst="straightConnector1">
+            <a:avLst/>
+          </a:prstGeom>
+          <a:ln>
+            <a:tailEnd type="triangle"/>
+          </a:ln>
+        </p:spPr>
+        <p:style>
+          <a:lnRef idx="1">
+            <a:schemeClr val="accent1"/>
+          </a:lnRef>
+          <a:fillRef idx="0">
+            <a:schemeClr val="accent1"/>
+          </a:fillRef>
+          <a:effectRef idx="0">
+            <a:schemeClr val="accent1"/>
+          </a:effectRef>
+          <a:fontRef idx="minor">
+            <a:schemeClr val="tx1"/>
+          </a:fontRef>
+        </p:style>
+      </p:cxnSp>
+      <p:sp>
+        <p:nvSpPr>
+          <p:cNvPr id="39" name="Textfeld 38">
+            <a:extLst>
+              <a:ext uri="{FF2B5EF4-FFF2-40B4-BE49-F238E27FC236}">
+                <a16:creationId xmlns:a16="http://schemas.microsoft.com/office/drawing/2014/main" id="{C65F0D24-C534-40F3-93BF-60D0B8860199}"/>
+              </a:ext>
+            </a:extLst>
+          </p:cNvPr>
+          <p:cNvSpPr txBox="1"/>
+          <p:nvPr/>
+        </p:nvSpPr>
+        <p:spPr>
+          <a:xfrm>
+            <a:off x="9342596" y="4924424"/>
+            <a:ext cx="2364878" cy="1754326"/>
+          </a:xfrm>
+          <a:prstGeom prst="rect">
+            <a:avLst/>
+          </a:prstGeom>
+          <a:noFill/>
+          <a:ln w="38100">
+            <a:solidFill>
+              <a:schemeClr val="tx1"/>
+            </a:solidFill>
+          </a:ln>
+        </p:spPr>
+        <p:txBody>
+          <a:bodyPr wrap="none" rtlCol="0">
+            <a:spAutoFit/>
+          </a:bodyPr>
+          <a:lstStyle/>
+          <a:p>
+            <a:r>
+              <a:rPr lang="de-DE" dirty="0"/>
+              <a:t>z.B. ein Knoten stellt </a:t>
+            </a:r>
+          </a:p>
+          <a:p>
+            <a:r>
+              <a:rPr lang="de-DE" dirty="0"/>
+              <a:t>einen Angestellten dar:</a:t>
+            </a:r>
+          </a:p>
+          <a:p>
+            <a:pPr marL="285750" indent="-285750">
+              <a:buFontTx/>
+              <a:buChar char="-"/>
+            </a:pPr>
+            <a:r>
+              <a:rPr lang="de-DE" dirty="0"/>
+              <a:t>Property </a:t>
+            </a:r>
+            <a:r>
+              <a:rPr lang="de-DE" i="1" dirty="0"/>
+              <a:t>Gehalt</a:t>
+            </a:r>
+          </a:p>
+          <a:p>
+            <a:r>
+              <a:rPr lang="de-DE" dirty="0"/>
+              <a:t>      kann als variabel</a:t>
+            </a:r>
+          </a:p>
+          <a:p>
+            <a:r>
+              <a:rPr lang="de-DE" dirty="0"/>
+              <a:t>      betrachtet </a:t>
+            </a:r>
+          </a:p>
+          <a:p>
+            <a:r>
+              <a:rPr lang="de-DE" dirty="0"/>
+              <a:t>      werden</a:t>
+            </a:r>
+            <a:r>
+              <a:rPr lang="de-DE" i="1" dirty="0"/>
+              <a:t> </a:t>
+            </a:r>
+            <a:r>
+              <a:rPr lang="de-DE" dirty="0"/>
+              <a:t> </a:t>
+            </a:r>
+          </a:p>
+        </p:txBody>
+      </p:sp>
+    </p:spTree>
+    <p:extLst>
+      <p:ext uri="{BB962C8B-B14F-4D97-AF65-F5344CB8AC3E}">
+        <p14:creationId xmlns:p14="http://schemas.microsoft.com/office/powerpoint/2010/main" val="1307907636"/>
+      </p:ext>
+    </p:extLst>
+  </p:cSld>
+  <p:clrMapOvr>
+    <a:masterClrMapping/>
+  </p:clrMapOvr>
+</p:sld>
+</file>
+
+<file path=ppt/slides/slide22.xml><?xml version="1.0" encoding="utf-8"?>
 <p:sld xmlns:a="http://schemas.openxmlformats.org/drawingml/2006/main" xmlns:r="http://schemas.openxmlformats.org/officeDocument/2006/relationships" xmlns:p="http://schemas.openxmlformats.org/presentationml/2006/main">
   <p:cSld>
     <p:spTree>
@@ -7093,126 +9717,7 @@
 </p:sld>
 </file>
 
-<file path=ppt/slides/slide2.xml><?xml version="1.0" encoding="utf-8"?>
-<p:sld xmlns:a="http://schemas.openxmlformats.org/drawingml/2006/main" xmlns:r="http://schemas.openxmlformats.org/officeDocument/2006/relationships" xmlns:p="http://schemas.openxmlformats.org/presentationml/2006/main">
-  <p:cSld>
-    <p:spTree>
-      <p:nvGrpSpPr>
-        <p:cNvPr id="1" name=""/>
-        <p:cNvGrpSpPr/>
-        <p:nvPr/>
-      </p:nvGrpSpPr>
-      <p:grpSpPr>
-        <a:xfrm>
-          <a:off x="0" y="0"/>
-          <a:ext cx="0" cy="0"/>
-          <a:chOff x="0" y="0"/>
-          <a:chExt cx="0" cy="0"/>
-        </a:xfrm>
-      </p:grpSpPr>
-      <p:sp>
-        <p:nvSpPr>
-          <p:cNvPr id="2" name="Titel 1">
-            <a:extLst>
-              <a:ext uri="{FF2B5EF4-FFF2-40B4-BE49-F238E27FC236}">
-                <a16:creationId xmlns:a16="http://schemas.microsoft.com/office/drawing/2014/main" id="{3D9DC141-DE16-44B8-AD71-3852B9378F06}"/>
-              </a:ext>
-            </a:extLst>
-          </p:cNvPr>
-          <p:cNvSpPr>
-            <a:spLocks noGrp="1"/>
-          </p:cNvSpPr>
-          <p:nvPr>
-            <p:ph type="title"/>
-          </p:nvPr>
-        </p:nvSpPr>
-        <p:spPr/>
-        <p:txBody>
-          <a:bodyPr/>
-          <a:lstStyle/>
-          <a:p>
-            <a:r>
-              <a:rPr lang="de-DE" dirty="0"/>
-              <a:t>Welche Cluster gibt es?</a:t>
-            </a:r>
-          </a:p>
-        </p:txBody>
-      </p:sp>
-      <p:sp>
-        <p:nvSpPr>
-          <p:cNvPr id="3" name="Inhaltsplatzhalter 2">
-            <a:extLst>
-              <a:ext uri="{FF2B5EF4-FFF2-40B4-BE49-F238E27FC236}">
-                <a16:creationId xmlns:a16="http://schemas.microsoft.com/office/drawing/2014/main" id="{787BFE94-50EC-449E-A833-D938F790CAD0}"/>
-              </a:ext>
-            </a:extLst>
-          </p:cNvPr>
-          <p:cNvSpPr>
-            <a:spLocks noGrp="1"/>
-          </p:cNvSpPr>
-          <p:nvPr>
-            <p:ph idx="1"/>
-          </p:nvPr>
-        </p:nvSpPr>
-        <p:spPr/>
-        <p:txBody>
-          <a:bodyPr/>
-          <a:lstStyle/>
-          <a:p>
-            <a:r>
-              <a:rPr lang="de-DE" dirty="0"/>
-              <a:t>Dynamische Eigenschaften</a:t>
-            </a:r>
-          </a:p>
-          <a:p>
-            <a:r>
-              <a:rPr lang="de-DE" dirty="0"/>
-              <a:t>Graph-Struktur</a:t>
-            </a:r>
-          </a:p>
-          <a:p>
-            <a:r>
-              <a:rPr lang="de-DE" dirty="0"/>
-              <a:t>Berechnungsmodelle</a:t>
-            </a:r>
-          </a:p>
-          <a:p>
-            <a:r>
-              <a:rPr lang="de-DE" dirty="0"/>
-              <a:t>Realisierung der temporalen Eigenschaft</a:t>
-            </a:r>
-          </a:p>
-          <a:p>
-            <a:r>
-              <a:rPr lang="de-DE" dirty="0"/>
-              <a:t>Code</a:t>
-            </a:r>
-          </a:p>
-          <a:p>
-            <a:r>
-              <a:rPr lang="de-DE" dirty="0"/>
-              <a:t>Aggregate</a:t>
-            </a:r>
-          </a:p>
-          <a:p>
-            <a:endParaRPr lang="de-DE" dirty="0"/>
-          </a:p>
-        </p:txBody>
-      </p:sp>
-    </p:spTree>
-    <p:extLst>
-      <p:ext uri="{BB962C8B-B14F-4D97-AF65-F5344CB8AC3E}">
-        <p14:creationId xmlns:p14="http://schemas.microsoft.com/office/powerpoint/2010/main" val="1522808829"/>
-      </p:ext>
-    </p:extLst>
-  </p:cSld>
-  <p:clrMapOvr>
-    <a:masterClrMapping/>
-  </p:clrMapOvr>
-</p:sld>
-</file>
-
-<file path=ppt/slides/slide20.xml><?xml version="1.0" encoding="utf-8"?>
+<file path=ppt/slides/slide23.xml><?xml version="1.0" encoding="utf-8"?>
 <p:sld xmlns:a="http://schemas.openxmlformats.org/drawingml/2006/main" xmlns:r="http://schemas.openxmlformats.org/officeDocument/2006/relationships" xmlns:p="http://schemas.openxmlformats.org/presentationml/2006/main">
   <p:cSld>
     <p:spTree>

--- a/Bewertungsmatrix.pptx
+++ b/Bewertungsmatrix.pptx
@@ -219,7 +219,7 @@
           <a:p>
             <a:fld id="{C186884D-CF9C-498C-8F09-CC25657E25A2}" type="datetimeFigureOut">
               <a:rPr lang="de-DE" smtClean="0"/>
-              <a:t>26.06.2018</a:t>
+              <a:t>04.07.2018</a:t>
             </a:fld>
             <a:endParaRPr lang="de-DE"/>
           </a:p>
@@ -1428,6 +1428,213 @@
 </p:notes>
 </file>
 
+<file path=ppt/notesSlides/notesSlide6.xml><?xml version="1.0" encoding="utf-8"?>
+<p:notes xmlns:a="http://schemas.openxmlformats.org/drawingml/2006/main" xmlns:r="http://schemas.openxmlformats.org/officeDocument/2006/relationships" xmlns:p="http://schemas.openxmlformats.org/presentationml/2006/main">
+  <p:cSld>
+    <p:spTree>
+      <p:nvGrpSpPr>
+        <p:cNvPr id="1" name=""/>
+        <p:cNvGrpSpPr/>
+        <p:nvPr/>
+      </p:nvGrpSpPr>
+      <p:grpSpPr>
+        <a:xfrm>
+          <a:off x="0" y="0"/>
+          <a:ext cx="0" cy="0"/>
+          <a:chOff x="0" y="0"/>
+          <a:chExt cx="0" cy="0"/>
+        </a:xfrm>
+      </p:grpSpPr>
+      <p:sp>
+        <p:nvSpPr>
+          <p:cNvPr id="2" name="Folienbildplatzhalter 1"/>
+          <p:cNvSpPr>
+            <a:spLocks noGrp="1" noRot="1" noChangeAspect="1"/>
+          </p:cNvSpPr>
+          <p:nvPr>
+            <p:ph type="sldImg"/>
+          </p:nvPr>
+        </p:nvSpPr>
+        <p:spPr/>
+      </p:sp>
+      <p:sp>
+        <p:nvSpPr>
+          <p:cNvPr id="3" name="Notizenplatzhalter 2"/>
+          <p:cNvSpPr>
+            <a:spLocks noGrp="1"/>
+          </p:cNvSpPr>
+          <p:nvPr>
+            <p:ph type="body" idx="1"/>
+          </p:nvPr>
+        </p:nvSpPr>
+        <p:spPr/>
+        <p:txBody>
+          <a:bodyPr/>
+          <a:lstStyle/>
+          <a:p>
+            <a:r>
+              <a:rPr lang="de-DE" dirty="0"/>
+              <a:t>Fest: über zeit nicht veränderbar</a:t>
+            </a:r>
+          </a:p>
+          <a:p>
+            <a:r>
+              <a:rPr lang="de-DE" dirty="0"/>
+              <a:t>Variabel</a:t>
+            </a:r>
+          </a:p>
+          <a:p>
+            <a:r>
+              <a:rPr lang="de-DE" dirty="0"/>
+              <a:t>Fest und variabel zeitlicher </a:t>
+            </a:r>
+            <a:r>
+              <a:rPr lang="de-DE" dirty="0" err="1"/>
+              <a:t>aspekt</a:t>
+            </a:r>
+            <a:endParaRPr lang="de-DE" dirty="0"/>
+          </a:p>
+          <a:p>
+            <a:r>
+              <a:rPr lang="de-DE" dirty="0"/>
+              <a:t>Berechnet und explizit </a:t>
+            </a:r>
+          </a:p>
+          <a:p>
+            <a:r>
+              <a:rPr lang="de-DE" dirty="0"/>
+              <a:t>Wert einmal gesetzt, dann iterativ bis </a:t>
+            </a:r>
+            <a:r>
+              <a:rPr lang="de-DE" dirty="0" err="1"/>
+              <a:t>einmall</a:t>
+            </a:r>
+            <a:r>
+              <a:rPr lang="de-DE" dirty="0"/>
+              <a:t> errechnet</a:t>
+            </a:r>
+          </a:p>
+          <a:p>
+            <a:r>
+              <a:rPr lang="de-DE" dirty="0"/>
+              <a:t>Speziell und gegebene</a:t>
+            </a:r>
+          </a:p>
+          <a:p>
+            <a:r>
+              <a:rPr lang="de-DE" dirty="0"/>
+              <a:t>Fest kann berechnet werden initial was gegeben, dann aber finaler wert iterativ berechnet</a:t>
+            </a:r>
+          </a:p>
+          <a:p>
+            <a:r>
+              <a:rPr lang="de-DE" dirty="0"/>
+              <a:t>keine </a:t>
+            </a:r>
+            <a:r>
+              <a:rPr lang="de-DE" dirty="0" err="1"/>
+              <a:t>konvergenz</a:t>
+            </a:r>
+            <a:r>
+              <a:rPr lang="de-DE" dirty="0"/>
+              <a:t> </a:t>
+            </a:r>
+            <a:r>
+              <a:rPr lang="de-DE" dirty="0" err="1"/>
+              <a:t>berechnung</a:t>
+            </a:r>
+            <a:endParaRPr lang="de-DE" dirty="0"/>
+          </a:p>
+          <a:p>
+            <a:r>
+              <a:rPr lang="de-DE" dirty="0"/>
+              <a:t>Gelb links suchen wir eigentlich</a:t>
+            </a:r>
+          </a:p>
+          <a:p>
+            <a:r>
+              <a:rPr lang="de-DE" dirty="0"/>
+              <a:t>Lieber ne </a:t>
+            </a:r>
+            <a:r>
+              <a:rPr lang="de-DE" dirty="0" err="1"/>
+              <a:t>matrix</a:t>
+            </a:r>
+            <a:r>
+              <a:rPr lang="de-DE" dirty="0"/>
+              <a:t>, wo </a:t>
+            </a:r>
+            <a:r>
+              <a:rPr lang="de-DE" dirty="0" err="1"/>
+              <a:t>system</a:t>
+            </a:r>
+            <a:r>
+              <a:rPr lang="de-DE" dirty="0"/>
+              <a:t> </a:t>
+            </a:r>
+            <a:r>
+              <a:rPr lang="de-DE" dirty="0" err="1"/>
+              <a:t>hauptsächlih</a:t>
+            </a:r>
+            <a:r>
+              <a:rPr lang="de-DE" dirty="0"/>
+              <a:t>, und </a:t>
+            </a:r>
+            <a:r>
+              <a:rPr lang="de-DE" dirty="0" err="1"/>
+              <a:t>use</a:t>
+            </a:r>
+            <a:r>
+              <a:rPr lang="de-DE" dirty="0"/>
+              <a:t> </a:t>
+            </a:r>
+            <a:r>
+              <a:rPr lang="de-DE" dirty="0" err="1"/>
+              <a:t>case</a:t>
+            </a:r>
+            <a:r>
+              <a:rPr lang="de-DE" dirty="0"/>
+              <a:t> </a:t>
+            </a:r>
+          </a:p>
+        </p:txBody>
+      </p:sp>
+      <p:sp>
+        <p:nvSpPr>
+          <p:cNvPr id="4" name="Foliennummernplatzhalter 3"/>
+          <p:cNvSpPr>
+            <a:spLocks noGrp="1"/>
+          </p:cNvSpPr>
+          <p:nvPr>
+            <p:ph type="sldNum" sz="quarter" idx="10"/>
+          </p:nvPr>
+        </p:nvSpPr>
+        <p:spPr/>
+        <p:txBody>
+          <a:bodyPr/>
+          <a:lstStyle/>
+          <a:p>
+            <a:fld id="{8E2B2159-553F-44D2-A7EA-4585E9EF0B5F}" type="slidenum">
+              <a:rPr lang="de-DE" smtClean="0"/>
+              <a:t>21</a:t>
+            </a:fld>
+            <a:endParaRPr lang="de-DE"/>
+          </a:p>
+        </p:txBody>
+      </p:sp>
+    </p:spTree>
+    <p:extLst>
+      <p:ext uri="{BB962C8B-B14F-4D97-AF65-F5344CB8AC3E}">
+        <p14:creationId xmlns:p14="http://schemas.microsoft.com/office/powerpoint/2010/main" val="1638933346"/>
+      </p:ext>
+    </p:extLst>
+  </p:cSld>
+  <p:clrMapOvr>
+    <a:masterClrMapping/>
+  </p:clrMapOvr>
+</p:notes>
+</file>
+
 <file path=ppt/slideLayouts/slideLayout1.xml><?xml version="1.0" encoding="utf-8"?>
 <p:sldLayout xmlns:a="http://schemas.openxmlformats.org/drawingml/2006/main" xmlns:r="http://schemas.openxmlformats.org/officeDocument/2006/relationships" xmlns:p="http://schemas.openxmlformats.org/presentationml/2006/main" type="title" preserve="1">
   <p:cSld name="Titelfolie">
@@ -1575,7 +1782,7 @@
           <a:p>
             <a:fld id="{AB6B1791-49E8-42BA-A706-CD3267C31A09}" type="datetimeFigureOut">
               <a:rPr lang="de-DE" smtClean="0"/>
-              <a:t>26.06.2018</a:t>
+              <a:t>04.07.2018</a:t>
             </a:fld>
             <a:endParaRPr lang="de-DE"/>
           </a:p>
@@ -1773,7 +1980,7 @@
           <a:p>
             <a:fld id="{AB6B1791-49E8-42BA-A706-CD3267C31A09}" type="datetimeFigureOut">
               <a:rPr lang="de-DE" smtClean="0"/>
-              <a:t>26.06.2018</a:t>
+              <a:t>04.07.2018</a:t>
             </a:fld>
             <a:endParaRPr lang="de-DE"/>
           </a:p>
@@ -1981,7 +2188,7 @@
           <a:p>
             <a:fld id="{AB6B1791-49E8-42BA-A706-CD3267C31A09}" type="datetimeFigureOut">
               <a:rPr lang="de-DE" smtClean="0"/>
-              <a:t>26.06.2018</a:t>
+              <a:t>04.07.2018</a:t>
             </a:fld>
             <a:endParaRPr lang="de-DE"/>
           </a:p>
@@ -2179,7 +2386,7 @@
           <a:p>
             <a:fld id="{AB6B1791-49E8-42BA-A706-CD3267C31A09}" type="datetimeFigureOut">
               <a:rPr lang="de-DE" smtClean="0"/>
-              <a:t>26.06.2018</a:t>
+              <a:t>04.07.2018</a:t>
             </a:fld>
             <a:endParaRPr lang="de-DE"/>
           </a:p>
@@ -2454,7 +2661,7 @@
           <a:p>
             <a:fld id="{AB6B1791-49E8-42BA-A706-CD3267C31A09}" type="datetimeFigureOut">
               <a:rPr lang="de-DE" smtClean="0"/>
-              <a:t>26.06.2018</a:t>
+              <a:t>04.07.2018</a:t>
             </a:fld>
             <a:endParaRPr lang="de-DE"/>
           </a:p>
@@ -2719,7 +2926,7 @@
           <a:p>
             <a:fld id="{AB6B1791-49E8-42BA-A706-CD3267C31A09}" type="datetimeFigureOut">
               <a:rPr lang="de-DE" smtClean="0"/>
-              <a:t>26.06.2018</a:t>
+              <a:t>04.07.2018</a:t>
             </a:fld>
             <a:endParaRPr lang="de-DE"/>
           </a:p>
@@ -3131,7 +3338,7 @@
           <a:p>
             <a:fld id="{AB6B1791-49E8-42BA-A706-CD3267C31A09}" type="datetimeFigureOut">
               <a:rPr lang="de-DE" smtClean="0"/>
-              <a:t>26.06.2018</a:t>
+              <a:t>04.07.2018</a:t>
             </a:fld>
             <a:endParaRPr lang="de-DE"/>
           </a:p>
@@ -3272,7 +3479,7 @@
           <a:p>
             <a:fld id="{AB6B1791-49E8-42BA-A706-CD3267C31A09}" type="datetimeFigureOut">
               <a:rPr lang="de-DE" smtClean="0"/>
-              <a:t>26.06.2018</a:t>
+              <a:t>04.07.2018</a:t>
             </a:fld>
             <a:endParaRPr lang="de-DE"/>
           </a:p>
@@ -3385,7 +3592,7 @@
           <a:p>
             <a:fld id="{AB6B1791-49E8-42BA-A706-CD3267C31A09}" type="datetimeFigureOut">
               <a:rPr lang="de-DE" smtClean="0"/>
-              <a:t>26.06.2018</a:t>
+              <a:t>04.07.2018</a:t>
             </a:fld>
             <a:endParaRPr lang="de-DE"/>
           </a:p>
@@ -3696,7 +3903,7 @@
           <a:p>
             <a:fld id="{AB6B1791-49E8-42BA-A706-CD3267C31A09}" type="datetimeFigureOut">
               <a:rPr lang="de-DE" smtClean="0"/>
-              <a:t>26.06.2018</a:t>
+              <a:t>04.07.2018</a:t>
             </a:fld>
             <a:endParaRPr lang="de-DE"/>
           </a:p>
@@ -3984,7 +4191,7 @@
           <a:p>
             <a:fld id="{AB6B1791-49E8-42BA-A706-CD3267C31A09}" type="datetimeFigureOut">
               <a:rPr lang="de-DE" smtClean="0"/>
-              <a:t>26.06.2018</a:t>
+              <a:t>04.07.2018</a:t>
             </a:fld>
             <a:endParaRPr lang="de-DE"/>
           </a:p>
@@ -4225,7 +4432,7 @@
           <a:p>
             <a:fld id="{AB6B1791-49E8-42BA-A706-CD3267C31A09}" type="datetimeFigureOut">
               <a:rPr lang="de-DE" smtClean="0"/>
-              <a:t>26.06.2018</a:t>
+              <a:t>04.07.2018</a:t>
             </a:fld>
             <a:endParaRPr lang="de-DE"/>
           </a:p>
